--- a/Sarah's_work/Project 1 Presentation.pptx
+++ b/Sarah's_work/Project 1 Presentation.pptx
@@ -4,18 +4,23 @@
   <p:sldMasterIdLst>
     <p:sldMasterId id="2147483684" r:id="rId1"/>
   </p:sldMasterIdLst>
+  <p:notesMasterIdLst>
+    <p:notesMasterId r:id="rId15"/>
+  </p:notesMasterIdLst>
   <p:sldIdLst>
     <p:sldId id="256" r:id="rId2"/>
     <p:sldId id="257" r:id="rId3"/>
     <p:sldId id="267" r:id="rId4"/>
     <p:sldId id="258" r:id="rId5"/>
     <p:sldId id="259" r:id="rId6"/>
-    <p:sldId id="265" r:id="rId7"/>
-    <p:sldId id="266" r:id="rId8"/>
-    <p:sldId id="260" r:id="rId9"/>
-    <p:sldId id="261" r:id="rId10"/>
-    <p:sldId id="262" r:id="rId11"/>
-    <p:sldId id="263" r:id="rId12"/>
+    <p:sldId id="268" r:id="rId7"/>
+    <p:sldId id="265" r:id="rId8"/>
+    <p:sldId id="269" r:id="rId9"/>
+    <p:sldId id="266" r:id="rId10"/>
+    <p:sldId id="260" r:id="rId11"/>
+    <p:sldId id="261" r:id="rId12"/>
+    <p:sldId id="262" r:id="rId13"/>
+    <p:sldId id="263" r:id="rId14"/>
   </p:sldIdLst>
   <p:sldSz cx="12192000" cy="6858000"/>
   <p:notesSz cx="6858000" cy="9144000"/>
@@ -114,13 +119,18 @@
       </a:defRPr>
     </a:lvl9pPr>
   </p:defaultTextStyle>
+  <p:extLst>
+    <p:ext uri="{EFAFB233-063F-42B5-8137-9DF3F51BA10A}">
+      <p15:sldGuideLst xmlns:p15="http://schemas.microsoft.com/office/powerpoint/2012/main"/>
+    </p:ext>
+  </p:extLst>
 </p:presentation>
 </file>
 
 <file path=ppt/revisionInfo.xml><?xml version="1.0" encoding="utf-8"?>
 <p1510:revInfo xmlns:a="http://schemas.openxmlformats.org/drawingml/2006/main" xmlns:r="http://schemas.openxmlformats.org/officeDocument/2006/relationships" xmlns:p1510="http://schemas.microsoft.com/office/powerpoint/2015/10/main">
   <p1510:revLst>
-    <p1510:client id="{E6996B7F-2315-454B-941A-8327C86A236F}" v="8" dt="2024-06-07T01:04:45.082"/>
+    <p1510:client id="{E6996B7F-2315-454B-941A-8327C86A236F}" v="156" dt="2024-06-07T20:24:12.418"/>
   </p1510:revLst>
 </p1510:revInfo>
 </file>
@@ -129,19 +139,19 @@
 <pc:chgInfo xmlns:a="http://schemas.openxmlformats.org/drawingml/2006/main" xmlns:r="http://schemas.openxmlformats.org/officeDocument/2006/relationships" xmlns:ac="http://schemas.microsoft.com/office/drawing/2013/main/command" xmlns:pc="http://schemas.microsoft.com/office/powerpoint/2013/main/command">
   <pc:docChgLst>
     <pc:chgData name="Sarah Chauvin" userId="68f37512aa257305" providerId="LiveId" clId="{E6996B7F-2315-454B-941A-8327C86A236F}"/>
-    <pc:docChg chg="undo custSel addSld delSld modSld">
-      <pc:chgData name="Sarah Chauvin" userId="68f37512aa257305" providerId="LiveId" clId="{E6996B7F-2315-454B-941A-8327C86A236F}" dt="2024-06-07T01:54:34.998" v="1452" actId="207"/>
+    <pc:docChg chg="undo custSel addSld delSld modSld sldOrd">
+      <pc:chgData name="Sarah Chauvin" userId="68f37512aa257305" providerId="LiveId" clId="{E6996B7F-2315-454B-941A-8327C86A236F}" dt="2024-06-07T20:24:21.265" v="4607" actId="1076"/>
       <pc:docMkLst>
         <pc:docMk/>
       </pc:docMkLst>
-      <pc:sldChg chg="modSp mod">
-        <pc:chgData name="Sarah Chauvin" userId="68f37512aa257305" providerId="LiveId" clId="{E6996B7F-2315-454B-941A-8327C86A236F}" dt="2024-06-07T01:25:22.552" v="512" actId="255"/>
+      <pc:sldChg chg="addSp delSp modSp mod">
+        <pc:chgData name="Sarah Chauvin" userId="68f37512aa257305" providerId="LiveId" clId="{E6996B7F-2315-454B-941A-8327C86A236F}" dt="2024-06-07T19:23:54.402" v="2280" actId="1076"/>
         <pc:sldMkLst>
           <pc:docMk/>
           <pc:sldMk cId="4214920346" sldId="256"/>
         </pc:sldMkLst>
         <pc:spChg chg="mod">
-          <ac:chgData name="Sarah Chauvin" userId="68f37512aa257305" providerId="LiveId" clId="{E6996B7F-2315-454B-941A-8327C86A236F}" dt="2024-06-07T01:25:22.552" v="512" actId="255"/>
+          <ac:chgData name="Sarah Chauvin" userId="68f37512aa257305" providerId="LiveId" clId="{E6996B7F-2315-454B-941A-8327C86A236F}" dt="2024-06-07T19:23:54.402" v="2280" actId="1076"/>
           <ac:spMkLst>
             <pc:docMk/>
             <pc:sldMk cId="4214920346" sldId="256"/>
@@ -149,16 +159,64 @@
           </ac:spMkLst>
         </pc:spChg>
         <pc:spChg chg="mod">
-          <ac:chgData name="Sarah Chauvin" userId="68f37512aa257305" providerId="LiveId" clId="{E6996B7F-2315-454B-941A-8327C86A236F}" dt="2024-06-07T01:08:39.754" v="510" actId="20577"/>
+          <ac:chgData name="Sarah Chauvin" userId="68f37512aa257305" providerId="LiveId" clId="{E6996B7F-2315-454B-941A-8327C86A236F}" dt="2024-06-07T19:23:31.883" v="2276" actId="122"/>
           <ac:spMkLst>
             <pc:docMk/>
             <pc:sldMk cId="4214920346" sldId="256"/>
             <ac:spMk id="3" creationId="{FA9D3AE0-9F02-1EA1-AEDC-77833E740BE4}"/>
           </ac:spMkLst>
         </pc:spChg>
+        <pc:picChg chg="add del mod">
+          <ac:chgData name="Sarah Chauvin" userId="68f37512aa257305" providerId="LiveId" clId="{E6996B7F-2315-454B-941A-8327C86A236F}" dt="2024-06-07T18:45:57.620" v="1473" actId="478"/>
+          <ac:picMkLst>
+            <pc:docMk/>
+            <pc:sldMk cId="4214920346" sldId="256"/>
+            <ac:picMk id="5" creationId="{830887FF-7582-80A9-15B9-13A9360994F3}"/>
+          </ac:picMkLst>
+        </pc:picChg>
+        <pc:picChg chg="add mod">
+          <ac:chgData name="Sarah Chauvin" userId="68f37512aa257305" providerId="LiveId" clId="{E6996B7F-2315-454B-941A-8327C86A236F}" dt="2024-06-07T18:46:27.468" v="1481"/>
+          <ac:picMkLst>
+            <pc:docMk/>
+            <pc:sldMk cId="4214920346" sldId="256"/>
+            <ac:picMk id="7" creationId="{DF8C866E-D2E1-32BD-88ED-587D80E02630}"/>
+          </ac:picMkLst>
+        </pc:picChg>
+        <pc:picChg chg="add del mod">
+          <ac:chgData name="Sarah Chauvin" userId="68f37512aa257305" providerId="LiveId" clId="{E6996B7F-2315-454B-941A-8327C86A236F}" dt="2024-06-07T18:47:05.313" v="1487" actId="478"/>
+          <ac:picMkLst>
+            <pc:docMk/>
+            <pc:sldMk cId="4214920346" sldId="256"/>
+            <ac:picMk id="9" creationId="{18C1F515-6C5E-BB8E-5523-F95FFACBEFC5}"/>
+          </ac:picMkLst>
+        </pc:picChg>
+        <pc:picChg chg="add del mod">
+          <ac:chgData name="Sarah Chauvin" userId="68f37512aa257305" providerId="LiveId" clId="{E6996B7F-2315-454B-941A-8327C86A236F}" dt="2024-06-07T19:20:17.362" v="2256" actId="478"/>
+          <ac:picMkLst>
+            <pc:docMk/>
+            <pc:sldMk cId="4214920346" sldId="256"/>
+            <ac:picMk id="11" creationId="{503304C3-A2C7-574D-ACD4-08B5341CA44E}"/>
+          </ac:picMkLst>
+        </pc:picChg>
+        <pc:picChg chg="add mod ord">
+          <ac:chgData name="Sarah Chauvin" userId="68f37512aa257305" providerId="LiveId" clId="{E6996B7F-2315-454B-941A-8327C86A236F}" dt="2024-06-07T19:23:28.654" v="2275" actId="14100"/>
+          <ac:picMkLst>
+            <pc:docMk/>
+            <pc:sldMk cId="4214920346" sldId="256"/>
+            <ac:picMk id="12" creationId="{96F8B030-9B95-3F4F-14B0-A31DEFA49EBA}"/>
+          </ac:picMkLst>
+        </pc:picChg>
+        <pc:picChg chg="del mod">
+          <ac:chgData name="Sarah Chauvin" userId="68f37512aa257305" providerId="LiveId" clId="{E6996B7F-2315-454B-941A-8327C86A236F}" dt="2024-06-07T19:21:44.482" v="2263" actId="478"/>
+          <ac:picMkLst>
+            <pc:docMk/>
+            <pc:sldMk cId="4214920346" sldId="256"/>
+            <ac:picMk id="18" creationId="{DDF71FA2-8F8C-C5FD-2E14-4CD00607FED4}"/>
+          </ac:picMkLst>
+        </pc:picChg>
       </pc:sldChg>
       <pc:sldChg chg="addSp delSp modSp mod">
-        <pc:chgData name="Sarah Chauvin" userId="68f37512aa257305" providerId="LiveId" clId="{E6996B7F-2315-454B-941A-8327C86A236F}" dt="2024-06-07T01:05:47.529" v="277"/>
+        <pc:chgData name="Sarah Chauvin" userId="68f37512aa257305" providerId="LiveId" clId="{E6996B7F-2315-454B-941A-8327C86A236F}" dt="2024-06-07T20:21:31.284" v="4542" actId="20577"/>
         <pc:sldMkLst>
           <pc:docMk/>
           <pc:sldMk cId="1604291168" sldId="257"/>
@@ -172,7 +230,7 @@
           </ac:spMkLst>
         </pc:spChg>
         <pc:spChg chg="mod">
-          <ac:chgData name="Sarah Chauvin" userId="68f37512aa257305" providerId="LiveId" clId="{E6996B7F-2315-454B-941A-8327C86A236F}" dt="2024-06-07T01:05:47.529" v="277"/>
+          <ac:chgData name="Sarah Chauvin" userId="68f37512aa257305" providerId="LiveId" clId="{E6996B7F-2315-454B-941A-8327C86A236F}" dt="2024-06-07T20:21:31.284" v="4542" actId="20577"/>
           <ac:spMkLst>
             <pc:docMk/>
             <pc:sldMk cId="1604291168" sldId="257"/>
@@ -180,11 +238,90 @@
           </ac:spMkLst>
         </pc:spChg>
         <pc:picChg chg="add del mod">
+          <ac:chgData name="Sarah Chauvin" userId="68f37512aa257305" providerId="LiveId" clId="{E6996B7F-2315-454B-941A-8327C86A236F}" dt="2024-06-07T19:11:00.279" v="2199" actId="21"/>
+          <ac:picMkLst>
+            <pc:docMk/>
+            <pc:sldMk cId="1604291168" sldId="257"/>
+            <ac:picMk id="6" creationId="{4EB47DD9-E1AA-F201-8B18-65C47DBF73E1}"/>
+          </ac:picMkLst>
+        </pc:picChg>
+        <pc:picChg chg="add del mod">
           <ac:chgData name="Sarah Chauvin" userId="68f37512aa257305" providerId="LiveId" clId="{E6996B7F-2315-454B-941A-8327C86A236F}" dt="2024-06-07T01:04:41.769" v="238" actId="21"/>
           <ac:picMkLst>
             <pc:docMk/>
             <pc:sldMk cId="1604291168" sldId="257"/>
             <ac:picMk id="6" creationId="{5A046CF3-8885-AB17-B666-3E1CABBC0EDD}"/>
+          </ac:picMkLst>
+        </pc:picChg>
+        <pc:picChg chg="add del mod modCrop">
+          <ac:chgData name="Sarah Chauvin" userId="68f37512aa257305" providerId="LiveId" clId="{E6996B7F-2315-454B-941A-8327C86A236F}" dt="2024-06-07T19:19:57.127" v="2252" actId="21"/>
+          <ac:picMkLst>
+            <pc:docMk/>
+            <pc:sldMk cId="1604291168" sldId="257"/>
+            <ac:picMk id="8" creationId="{96F8B030-9B95-3F4F-14B0-A31DEFA49EBA}"/>
+          </ac:picMkLst>
+        </pc:picChg>
+        <pc:picChg chg="add mod">
+          <ac:chgData name="Sarah Chauvin" userId="68f37512aa257305" providerId="LiveId" clId="{E6996B7F-2315-454B-941A-8327C86A236F}" dt="2024-06-07T20:21:26.521" v="4541" actId="1076"/>
+          <ac:picMkLst>
+            <pc:docMk/>
+            <pc:sldMk cId="1604291168" sldId="257"/>
+            <ac:picMk id="10" creationId="{532650CD-069A-DE10-5924-4337B207299E}"/>
+          </ac:picMkLst>
+        </pc:picChg>
+        <pc:picChg chg="add del mod">
+          <ac:chgData name="Sarah Chauvin" userId="68f37512aa257305" providerId="LiveId" clId="{E6996B7F-2315-454B-941A-8327C86A236F}" dt="2024-06-07T19:08:12.925" v="2193" actId="21"/>
+          <ac:picMkLst>
+            <pc:docMk/>
+            <pc:sldMk cId="1604291168" sldId="257"/>
+            <ac:picMk id="1026" creationId="{6C4ECB05-D488-3CE5-5D6D-6A88A0F8466A}"/>
+          </ac:picMkLst>
+        </pc:picChg>
+      </pc:sldChg>
+      <pc:sldChg chg="addSp delSp modSp mod setBg">
+        <pc:chgData name="Sarah Chauvin" userId="68f37512aa257305" providerId="LiveId" clId="{E6996B7F-2315-454B-941A-8327C86A236F}" dt="2024-06-07T19:11:12.834" v="2203" actId="1076"/>
+        <pc:sldMkLst>
+          <pc:docMk/>
+          <pc:sldMk cId="3243217222" sldId="258"/>
+        </pc:sldMkLst>
+        <pc:spChg chg="mod">
+          <ac:chgData name="Sarah Chauvin" userId="68f37512aa257305" providerId="LiveId" clId="{E6996B7F-2315-454B-941A-8327C86A236F}" dt="2024-06-07T18:58:40.111" v="2071" actId="26606"/>
+          <ac:spMkLst>
+            <pc:docMk/>
+            <pc:sldMk cId="3243217222" sldId="258"/>
+            <ac:spMk id="2" creationId="{7F31C477-95F3-1D46-AA36-039863624FBD}"/>
+          </ac:spMkLst>
+        </pc:spChg>
+        <pc:spChg chg="mod">
+          <ac:chgData name="Sarah Chauvin" userId="68f37512aa257305" providerId="LiveId" clId="{E6996B7F-2315-454B-941A-8327C86A236F}" dt="2024-06-07T19:00:47.076" v="2084" actId="1076"/>
+          <ac:spMkLst>
+            <pc:docMk/>
+            <pc:sldMk cId="3243217222" sldId="258"/>
+            <ac:spMk id="3" creationId="{4A3C146F-4C4F-F7D6-AA45-D050091CA62B}"/>
+          </ac:spMkLst>
+        </pc:spChg>
+        <pc:spChg chg="add del">
+          <ac:chgData name="Sarah Chauvin" userId="68f37512aa257305" providerId="LiveId" clId="{E6996B7F-2315-454B-941A-8327C86A236F}" dt="2024-06-07T18:58:40.111" v="2071" actId="26606"/>
+          <ac:spMkLst>
+            <pc:docMk/>
+            <pc:sldMk cId="3243217222" sldId="258"/>
+            <ac:spMk id="10" creationId="{50CF6C96-4596-4D83-A9F9-A3AB22AB4D89}"/>
+          </ac:spMkLst>
+        </pc:spChg>
+        <pc:picChg chg="add del mod">
+          <ac:chgData name="Sarah Chauvin" userId="68f37512aa257305" providerId="LiveId" clId="{E6996B7F-2315-454B-941A-8327C86A236F}" dt="2024-06-07T19:10:54.722" v="2197" actId="478"/>
+          <ac:picMkLst>
+            <pc:docMk/>
+            <pc:sldMk cId="3243217222" sldId="258"/>
+            <ac:picMk id="5" creationId="{251711C9-6F14-723D-7BD1-6FBECC844999}"/>
+          </ac:picMkLst>
+        </pc:picChg>
+        <pc:picChg chg="add mod">
+          <ac:chgData name="Sarah Chauvin" userId="68f37512aa257305" providerId="LiveId" clId="{E6996B7F-2315-454B-941A-8327C86A236F}" dt="2024-06-07T19:11:12.834" v="2203" actId="1076"/>
+          <ac:picMkLst>
+            <pc:docMk/>
+            <pc:sldMk cId="3243217222" sldId="258"/>
+            <ac:picMk id="6" creationId="{4EB47DD9-E1AA-F201-8B18-65C47DBF73E1}"/>
           </ac:picMkLst>
         </pc:picChg>
       </pc:sldChg>
@@ -203,14 +340,14 @@
           </ac:spMkLst>
         </pc:spChg>
       </pc:sldChg>
-      <pc:sldChg chg="modSp mod">
-        <pc:chgData name="Sarah Chauvin" userId="68f37512aa257305" providerId="LiveId" clId="{E6996B7F-2315-454B-941A-8327C86A236F}" dt="2024-06-07T01:51:10.536" v="1451" actId="20577"/>
+      <pc:sldChg chg="addSp delSp modSp mod">
+        <pc:chgData name="Sarah Chauvin" userId="68f37512aa257305" providerId="LiveId" clId="{E6996B7F-2315-454B-941A-8327C86A236F}" dt="2024-06-07T20:20:45.836" v="4537" actId="1076"/>
         <pc:sldMkLst>
           <pc:docMk/>
           <pc:sldMk cId="2233030158" sldId="262"/>
         </pc:sldMkLst>
         <pc:spChg chg="mod">
-          <ac:chgData name="Sarah Chauvin" userId="68f37512aa257305" providerId="LiveId" clId="{E6996B7F-2315-454B-941A-8327C86A236F}" dt="2024-06-07T01:46:46.178" v="995" actId="20577"/>
+          <ac:chgData name="Sarah Chauvin" userId="68f37512aa257305" providerId="LiveId" clId="{E6996B7F-2315-454B-941A-8327C86A236F}" dt="2024-06-07T20:18:53.604" v="4520" actId="20577"/>
           <ac:spMkLst>
             <pc:docMk/>
             <pc:sldMk cId="2233030158" sldId="262"/>
@@ -218,7 +355,7 @@
           </ac:spMkLst>
         </pc:spChg>
         <pc:spChg chg="mod">
-          <ac:chgData name="Sarah Chauvin" userId="68f37512aa257305" providerId="LiveId" clId="{E6996B7F-2315-454B-941A-8327C86A236F}" dt="2024-06-07T01:50:33.160" v="1391" actId="20577"/>
+          <ac:chgData name="Sarah Chauvin" userId="68f37512aa257305" providerId="LiveId" clId="{E6996B7F-2315-454B-941A-8327C86A236F}" dt="2024-06-07T20:18:15.214" v="4501" actId="1076"/>
           <ac:spMkLst>
             <pc:docMk/>
             <pc:sldMk cId="2233030158" sldId="262"/>
@@ -226,28 +363,68 @@
           </ac:spMkLst>
         </pc:spChg>
         <pc:spChg chg="mod">
-          <ac:chgData name="Sarah Chauvin" userId="68f37512aa257305" providerId="LiveId" clId="{E6996B7F-2315-454B-941A-8327C86A236F}" dt="2024-06-07T01:51:10.536" v="1451" actId="20577"/>
+          <ac:chgData name="Sarah Chauvin" userId="68f37512aa257305" providerId="LiveId" clId="{E6996B7F-2315-454B-941A-8327C86A236F}" dt="2024-06-07T20:18:27.149" v="4503" actId="1076"/>
           <ac:spMkLst>
             <pc:docMk/>
             <pc:sldMk cId="2233030158" sldId="262"/>
             <ac:spMk id="4" creationId="{D97284FD-BDEB-958C-971E-88DE1442592A}"/>
           </ac:spMkLst>
         </pc:spChg>
+        <pc:picChg chg="add mod modCrop">
+          <ac:chgData name="Sarah Chauvin" userId="68f37512aa257305" providerId="LiveId" clId="{E6996B7F-2315-454B-941A-8327C86A236F}" dt="2024-06-07T20:20:45.836" v="4537" actId="1076"/>
+          <ac:picMkLst>
+            <pc:docMk/>
+            <pc:sldMk cId="2233030158" sldId="262"/>
+            <ac:picMk id="6" creationId="{9A2862CC-CB96-0828-F16C-C8722B439186}"/>
+          </ac:picMkLst>
+        </pc:picChg>
+        <pc:picChg chg="add del mod">
+          <ac:chgData name="Sarah Chauvin" userId="68f37512aa257305" providerId="LiveId" clId="{E6996B7F-2315-454B-941A-8327C86A236F}" dt="2024-06-07T20:19:34.869" v="4525" actId="478"/>
+          <ac:picMkLst>
+            <pc:docMk/>
+            <pc:sldMk cId="2233030158" sldId="262"/>
+            <ac:picMk id="8" creationId="{524AF086-39DD-81CF-D70B-A2B22CB42411}"/>
+          </ac:picMkLst>
+        </pc:picChg>
+        <pc:picChg chg="add del mod">
+          <ac:chgData name="Sarah Chauvin" userId="68f37512aa257305" providerId="LiveId" clId="{E6996B7F-2315-454B-941A-8327C86A236F}" dt="2024-06-07T20:19:42.474" v="4529" actId="478"/>
+          <ac:picMkLst>
+            <pc:docMk/>
+            <pc:sldMk cId="2233030158" sldId="262"/>
+            <ac:picMk id="10" creationId="{D90BCD48-1F0F-D0D5-30C9-08C3F73BFEEF}"/>
+          </ac:picMkLst>
+        </pc:picChg>
+        <pc:picChg chg="add del mod">
+          <ac:chgData name="Sarah Chauvin" userId="68f37512aa257305" providerId="LiveId" clId="{E6996B7F-2315-454B-941A-8327C86A236F}" dt="2024-06-07T20:20:03.055" v="4533" actId="478"/>
+          <ac:picMkLst>
+            <pc:docMk/>
+            <pc:sldMk cId="2233030158" sldId="262"/>
+            <ac:picMk id="12" creationId="{6C7B9EF7-E577-643F-13D9-7319D75C79A3}"/>
+          </ac:picMkLst>
+        </pc:picChg>
       </pc:sldChg>
-      <pc:sldChg chg="modSp mod">
-        <pc:chgData name="Sarah Chauvin" userId="68f37512aa257305" providerId="LiveId" clId="{E6996B7F-2315-454B-941A-8327C86A236F}" dt="2024-06-07T01:41:53.410" v="791" actId="20577"/>
+      <pc:sldChg chg="addSp modSp mod">
+        <pc:chgData name="Sarah Chauvin" userId="68f37512aa257305" providerId="LiveId" clId="{E6996B7F-2315-454B-941A-8327C86A236F}" dt="2024-06-07T20:24:21.265" v="4607" actId="1076"/>
         <pc:sldMkLst>
           <pc:docMk/>
           <pc:sldMk cId="937944571" sldId="263"/>
         </pc:sldMkLst>
         <pc:spChg chg="mod">
-          <ac:chgData name="Sarah Chauvin" userId="68f37512aa257305" providerId="LiveId" clId="{E6996B7F-2315-454B-941A-8327C86A236F}" dt="2024-06-07T01:41:53.410" v="791" actId="20577"/>
+          <ac:chgData name="Sarah Chauvin" userId="68f37512aa257305" providerId="LiveId" clId="{E6996B7F-2315-454B-941A-8327C86A236F}" dt="2024-06-07T19:18:07.410" v="2236" actId="15"/>
           <ac:spMkLst>
             <pc:docMk/>
             <pc:sldMk cId="937944571" sldId="263"/>
             <ac:spMk id="3" creationId="{5EA02B82-6540-BD94-D0C7-0BFE3CBCAA24}"/>
           </ac:spMkLst>
         </pc:spChg>
+        <pc:picChg chg="add mod">
+          <ac:chgData name="Sarah Chauvin" userId="68f37512aa257305" providerId="LiveId" clId="{E6996B7F-2315-454B-941A-8327C86A236F}" dt="2024-06-07T20:24:21.265" v="4607" actId="1076"/>
+          <ac:picMkLst>
+            <pc:docMk/>
+            <pc:sldMk cId="937944571" sldId="263"/>
+            <ac:picMk id="5" creationId="{73866A11-3BDD-3F74-007D-1CCF8FEF300E}"/>
+          </ac:picMkLst>
+        </pc:picChg>
       </pc:sldChg>
       <pc:sldChg chg="new del">
         <pc:chgData name="Sarah Chauvin" userId="68f37512aa257305" providerId="LiveId" clId="{E6996B7F-2315-454B-941A-8327C86A236F}" dt="2024-06-07T00:49:14.077" v="171" actId="47"/>
@@ -256,20 +433,92 @@
           <pc:sldMk cId="4283241532" sldId="264"/>
         </pc:sldMkLst>
       </pc:sldChg>
-      <pc:sldChg chg="modSp new mod">
-        <pc:chgData name="Sarah Chauvin" userId="68f37512aa257305" providerId="LiveId" clId="{E6996B7F-2315-454B-941A-8327C86A236F}" dt="2024-06-07T00:49:11.403" v="170"/>
+      <pc:sldChg chg="addSp delSp modSp new mod modAnim modNotesTx">
+        <pc:chgData name="Sarah Chauvin" userId="68f37512aa257305" providerId="LiveId" clId="{E6996B7F-2315-454B-941A-8327C86A236F}" dt="2024-06-07T19:41:29.632" v="3531" actId="122"/>
         <pc:sldMkLst>
           <pc:docMk/>
           <pc:sldMk cId="2929728545" sldId="265"/>
         </pc:sldMkLst>
         <pc:spChg chg="mod">
-          <ac:chgData name="Sarah Chauvin" userId="68f37512aa257305" providerId="LiveId" clId="{E6996B7F-2315-454B-941A-8327C86A236F}" dt="2024-06-07T00:49:11.403" v="170"/>
+          <ac:chgData name="Sarah Chauvin" userId="68f37512aa257305" providerId="LiveId" clId="{E6996B7F-2315-454B-941A-8327C86A236F}" dt="2024-06-07T19:25:18.227" v="2285" actId="122"/>
+          <ac:spMkLst>
+            <pc:docMk/>
+            <pc:sldMk cId="2929728545" sldId="265"/>
+            <ac:spMk id="2" creationId="{3F6381AE-801E-D99C-44CC-3278F3A44F9D}"/>
+          </ac:spMkLst>
+        </pc:spChg>
+        <pc:spChg chg="del mod">
+          <ac:chgData name="Sarah Chauvin" userId="68f37512aa257305" providerId="LiveId" clId="{E6996B7F-2315-454B-941A-8327C86A236F}" dt="2024-06-07T19:32:01.351" v="2845" actId="478"/>
+          <ac:spMkLst>
+            <pc:docMk/>
+            <pc:sldMk cId="2929728545" sldId="265"/>
+            <ac:spMk id="3" creationId="{EE13F059-1E2F-8B20-AEFE-C38550D6AD72}"/>
+          </ac:spMkLst>
+        </pc:spChg>
+        <pc:spChg chg="del mod">
+          <ac:chgData name="Sarah Chauvin" userId="68f37512aa257305" providerId="LiveId" clId="{E6996B7F-2315-454B-941A-8327C86A236F}" dt="2024-06-07T19:25:54.812" v="2292" actId="931"/>
           <ac:spMkLst>
             <pc:docMk/>
             <pc:sldMk cId="2929728545" sldId="265"/>
             <ac:spMk id="4" creationId="{93ED8DCA-2A7D-6D70-15AA-842DD5853871}"/>
           </ac:spMkLst>
         </pc:spChg>
+        <pc:spChg chg="del mod">
+          <ac:chgData name="Sarah Chauvin" userId="68f37512aa257305" providerId="LiveId" clId="{E6996B7F-2315-454B-941A-8327C86A236F}" dt="2024-06-07T19:32:25.290" v="2851" actId="478"/>
+          <ac:spMkLst>
+            <pc:docMk/>
+            <pc:sldMk cId="2929728545" sldId="265"/>
+            <ac:spMk id="5" creationId="{F23F26A8-5806-0415-8D45-3467489B4203}"/>
+          </ac:spMkLst>
+        </pc:spChg>
+        <pc:spChg chg="del">
+          <ac:chgData name="Sarah Chauvin" userId="68f37512aa257305" providerId="LiveId" clId="{E6996B7F-2315-454B-941A-8327C86A236F}" dt="2024-06-07T19:32:12.365" v="2847" actId="931"/>
+          <ac:spMkLst>
+            <pc:docMk/>
+            <pc:sldMk cId="2929728545" sldId="265"/>
+            <ac:spMk id="6" creationId="{C668AD19-E4F7-6633-C18C-9032F1688ABE}"/>
+          </ac:spMkLst>
+        </pc:spChg>
+        <pc:spChg chg="add mod">
+          <ac:chgData name="Sarah Chauvin" userId="68f37512aa257305" providerId="LiveId" clId="{E6996B7F-2315-454B-941A-8327C86A236F}" dt="2024-06-07T19:41:12.836" v="3529" actId="1076"/>
+          <ac:spMkLst>
+            <pc:docMk/>
+            <pc:sldMk cId="2929728545" sldId="265"/>
+            <ac:spMk id="10" creationId="{90EDFFEC-C77B-8FA0-AA6D-D6C80FFFF8E8}"/>
+          </ac:spMkLst>
+        </pc:spChg>
+        <pc:spChg chg="add mod">
+          <ac:chgData name="Sarah Chauvin" userId="68f37512aa257305" providerId="LiveId" clId="{E6996B7F-2315-454B-941A-8327C86A236F}" dt="2024-06-07T19:41:29.632" v="3531" actId="122"/>
+          <ac:spMkLst>
+            <pc:docMk/>
+            <pc:sldMk cId="2929728545" sldId="265"/>
+            <ac:spMk id="14" creationId="{BF3BDF0A-00BC-8B79-FF5F-A0A8818C97E4}"/>
+          </ac:spMkLst>
+        </pc:spChg>
+        <pc:spChg chg="add mod">
+          <ac:chgData name="Sarah Chauvin" userId="68f37512aa257305" providerId="LiveId" clId="{E6996B7F-2315-454B-941A-8327C86A236F}" dt="2024-06-07T19:32:47.123" v="2853"/>
+          <ac:spMkLst>
+            <pc:docMk/>
+            <pc:sldMk cId="2929728545" sldId="265"/>
+            <ac:spMk id="15" creationId="{EE13F059-1E2F-8B20-AEFE-C38550D6AD72}"/>
+          </ac:spMkLst>
+        </pc:spChg>
+        <pc:picChg chg="add mod">
+          <ac:chgData name="Sarah Chauvin" userId="68f37512aa257305" providerId="LiveId" clId="{E6996B7F-2315-454B-941A-8327C86A236F}" dt="2024-06-07T19:32:06.094" v="2846" actId="14100"/>
+          <ac:picMkLst>
+            <pc:docMk/>
+            <pc:sldMk cId="2929728545" sldId="265"/>
+            <ac:picMk id="8" creationId="{1C3DC9D0-9000-3603-98C6-3042C63B4A18}"/>
+          </ac:picMkLst>
+        </pc:picChg>
+        <pc:picChg chg="add mod">
+          <ac:chgData name="Sarah Chauvin" userId="68f37512aa257305" providerId="LiveId" clId="{E6996B7F-2315-454B-941A-8327C86A236F}" dt="2024-06-07T19:36:20.211" v="2859" actId="14100"/>
+          <ac:picMkLst>
+            <pc:docMk/>
+            <pc:sldMk cId="2929728545" sldId="265"/>
+            <ac:picMk id="12" creationId="{68E6AD1F-4128-02E7-3AB1-C507253DBFC0}"/>
+          </ac:picMkLst>
+        </pc:picChg>
       </pc:sldChg>
       <pc:sldChg chg="modSp new mod">
         <pc:chgData name="Sarah Chauvin" userId="68f37512aa257305" providerId="LiveId" clId="{E6996B7F-2315-454B-941A-8327C86A236F}" dt="2024-06-07T00:49:25.901" v="174"/>
@@ -287,13 +536,13 @@
         </pc:spChg>
       </pc:sldChg>
       <pc:sldChg chg="addSp delSp modSp new mod">
-        <pc:chgData name="Sarah Chauvin" userId="68f37512aa257305" providerId="LiveId" clId="{E6996B7F-2315-454B-941A-8327C86A236F}" dt="2024-06-07T01:54:34.998" v="1452" actId="207"/>
+        <pc:chgData name="Sarah Chauvin" userId="68f37512aa257305" providerId="LiveId" clId="{E6996B7F-2315-454B-941A-8327C86A236F}" dt="2024-06-07T18:49:30.154" v="1538" actId="122"/>
         <pc:sldMkLst>
           <pc:docMk/>
           <pc:sldMk cId="1381873719" sldId="267"/>
         </pc:sldMkLst>
         <pc:spChg chg="mod">
-          <ac:chgData name="Sarah Chauvin" userId="68f37512aa257305" providerId="LiveId" clId="{E6996B7F-2315-454B-941A-8327C86A236F}" dt="2024-06-07T01:54:34.998" v="1452" actId="207"/>
+          <ac:chgData name="Sarah Chauvin" userId="68f37512aa257305" providerId="LiveId" clId="{E6996B7F-2315-454B-941A-8327C86A236F}" dt="2024-06-07T18:49:30.154" v="1538" actId="122"/>
           <ac:spMkLst>
             <pc:docMk/>
             <pc:sldMk cId="1381873719" sldId="267"/>
@@ -308,8 +557,24 @@
             <ac:spMk id="3" creationId="{717E76C7-E76F-040B-2132-A3B0AE6CB56A}"/>
           </ac:spMkLst>
         </pc:spChg>
+        <pc:spChg chg="del">
+          <ac:chgData name="Sarah Chauvin" userId="68f37512aa257305" providerId="LiveId" clId="{E6996B7F-2315-454B-941A-8327C86A236F}" dt="2024-06-07T18:48:28.923" v="1488" actId="931"/>
+          <ac:spMkLst>
+            <pc:docMk/>
+            <pc:sldMk cId="1381873719" sldId="267"/>
+            <ac:spMk id="4" creationId="{5687958E-5D3B-CEC9-9BD5-29DF8C408F9C}"/>
+          </ac:spMkLst>
+        </pc:spChg>
         <pc:picChg chg="add mod">
-          <ac:chgData name="Sarah Chauvin" userId="68f37512aa257305" providerId="LiveId" clId="{E6996B7F-2315-454B-941A-8327C86A236F}" dt="2024-06-07T01:04:45.082" v="239"/>
+          <ac:chgData name="Sarah Chauvin" userId="68f37512aa257305" providerId="LiveId" clId="{E6996B7F-2315-454B-941A-8327C86A236F}" dt="2024-06-07T18:48:47.080" v="1494" actId="1076"/>
+          <ac:picMkLst>
+            <pc:docMk/>
+            <pc:sldMk cId="1381873719" sldId="267"/>
+            <ac:picMk id="5" creationId="{CECC49ED-E498-4344-A22C-81E458991C25}"/>
+          </ac:picMkLst>
+        </pc:picChg>
+        <pc:picChg chg="add mod">
+          <ac:chgData name="Sarah Chauvin" userId="68f37512aa257305" providerId="LiveId" clId="{E6996B7F-2315-454B-941A-8327C86A236F}" dt="2024-06-07T18:48:38.848" v="1493" actId="1076"/>
           <ac:picMkLst>
             <pc:docMk/>
             <pc:sldMk cId="1381873719" sldId="267"/>
@@ -317,9 +582,885 @@
           </ac:picMkLst>
         </pc:picChg>
       </pc:sldChg>
+      <pc:sldChg chg="addSp delSp modSp add mod ord modNotesTx">
+        <pc:chgData name="Sarah Chauvin" userId="68f37512aa257305" providerId="LiveId" clId="{E6996B7F-2315-454B-941A-8327C86A236F}" dt="2024-06-07T19:32:43.805" v="2852" actId="21"/>
+        <pc:sldMkLst>
+          <pc:docMk/>
+          <pc:sldMk cId="897189030" sldId="268"/>
+        </pc:sldMkLst>
+        <pc:spChg chg="del mod">
+          <ac:chgData name="Sarah Chauvin" userId="68f37512aa257305" providerId="LiveId" clId="{E6996B7F-2315-454B-941A-8327C86A236F}" dt="2024-06-07T19:32:43.805" v="2852" actId="21"/>
+          <ac:spMkLst>
+            <pc:docMk/>
+            <pc:sldMk cId="897189030" sldId="268"/>
+            <ac:spMk id="3" creationId="{EE13F059-1E2F-8B20-AEFE-C38550D6AD72}"/>
+          </ac:spMkLst>
+        </pc:spChg>
+        <pc:spChg chg="del mod">
+          <ac:chgData name="Sarah Chauvin" userId="68f37512aa257305" providerId="LiveId" clId="{E6996B7F-2315-454B-941A-8327C86A236F}" dt="2024-06-07T19:26:21.309" v="2297" actId="478"/>
+          <ac:spMkLst>
+            <pc:docMk/>
+            <pc:sldMk cId="897189030" sldId="268"/>
+            <ac:spMk id="5" creationId="{F23F26A8-5806-0415-8D45-3467489B4203}"/>
+          </ac:spMkLst>
+        </pc:spChg>
+        <pc:spChg chg="del">
+          <ac:chgData name="Sarah Chauvin" userId="68f37512aa257305" providerId="LiveId" clId="{E6996B7F-2315-454B-941A-8327C86A236F}" dt="2024-06-07T19:27:35.344" v="2311" actId="478"/>
+          <ac:spMkLst>
+            <pc:docMk/>
+            <pc:sldMk cId="897189030" sldId="268"/>
+            <ac:spMk id="6" creationId="{C668AD19-E4F7-6633-C18C-9032F1688ABE}"/>
+          </ac:spMkLst>
+        </pc:spChg>
+        <pc:spChg chg="add del mod">
+          <ac:chgData name="Sarah Chauvin" userId="68f37512aa257305" providerId="LiveId" clId="{E6996B7F-2315-454B-941A-8327C86A236F}" dt="2024-06-07T19:27:37.027" v="2312" actId="478"/>
+          <ac:spMkLst>
+            <pc:docMk/>
+            <pc:sldMk cId="897189030" sldId="268"/>
+            <ac:spMk id="7" creationId="{32474240-9CA3-96FF-5501-AA33CCD82B51}"/>
+          </ac:spMkLst>
+        </pc:spChg>
+        <pc:spChg chg="add mod">
+          <ac:chgData name="Sarah Chauvin" userId="68f37512aa257305" providerId="LiveId" clId="{E6996B7F-2315-454B-941A-8327C86A236F}" dt="2024-06-07T19:32:43.805" v="2852" actId="21"/>
+          <ac:spMkLst>
+            <pc:docMk/>
+            <pc:sldMk cId="897189030" sldId="268"/>
+            <ac:spMk id="10" creationId="{BF1D8E0E-23C5-104B-0CB1-B5C3EF44A005}"/>
+          </ac:spMkLst>
+        </pc:spChg>
+        <pc:picChg chg="mod">
+          <ac:chgData name="Sarah Chauvin" userId="68f37512aa257305" providerId="LiveId" clId="{E6996B7F-2315-454B-941A-8327C86A236F}" dt="2024-06-07T19:26:46.819" v="2302" actId="1076"/>
+          <ac:picMkLst>
+            <pc:docMk/>
+            <pc:sldMk cId="897189030" sldId="268"/>
+            <ac:picMk id="8" creationId="{1C3DC9D0-9000-3603-98C6-3042C63B4A18}"/>
+          </ac:picMkLst>
+        </pc:picChg>
+      </pc:sldChg>
+      <pc:sldChg chg="addSp delSp modSp new mod modNotesTx">
+        <pc:chgData name="Sarah Chauvin" userId="68f37512aa257305" providerId="LiveId" clId="{E6996B7F-2315-454B-941A-8327C86A236F}" dt="2024-06-07T20:23:54.563" v="4601" actId="732"/>
+        <pc:sldMkLst>
+          <pc:docMk/>
+          <pc:sldMk cId="2688694326" sldId="269"/>
+        </pc:sldMkLst>
+        <pc:spChg chg="mod">
+          <ac:chgData name="Sarah Chauvin" userId="68f37512aa257305" providerId="LiveId" clId="{E6996B7F-2315-454B-941A-8327C86A236F}" dt="2024-06-07T20:22:33.170" v="4544" actId="122"/>
+          <ac:spMkLst>
+            <pc:docMk/>
+            <pc:sldMk cId="2688694326" sldId="269"/>
+            <ac:spMk id="2" creationId="{DC1715D9-CBB9-F406-7DA1-7F6AFD77C768}"/>
+          </ac:spMkLst>
+        </pc:spChg>
+        <pc:spChg chg="mod">
+          <ac:chgData name="Sarah Chauvin" userId="68f37512aa257305" providerId="LiveId" clId="{E6996B7F-2315-454B-941A-8327C86A236F}" dt="2024-06-07T20:23:31.137" v="4598" actId="1076"/>
+          <ac:spMkLst>
+            <pc:docMk/>
+            <pc:sldMk cId="2688694326" sldId="269"/>
+            <ac:spMk id="3" creationId="{EE9BA953-AA96-FC85-3C14-D866408DB80A}"/>
+          </ac:spMkLst>
+        </pc:spChg>
+        <pc:spChg chg="del">
+          <ac:chgData name="Sarah Chauvin" userId="68f37512aa257305" providerId="LiveId" clId="{E6996B7F-2315-454B-941A-8327C86A236F}" dt="2024-06-07T19:43:03.069" v="3618" actId="931"/>
+          <ac:spMkLst>
+            <pc:docMk/>
+            <pc:sldMk cId="2688694326" sldId="269"/>
+            <ac:spMk id="4" creationId="{E548BBD1-CE41-0438-5337-FB3C6E877F9D}"/>
+          </ac:spMkLst>
+        </pc:spChg>
+        <pc:spChg chg="del">
+          <ac:chgData name="Sarah Chauvin" userId="68f37512aa257305" providerId="LiveId" clId="{E6996B7F-2315-454B-941A-8327C86A236F}" dt="2024-06-07T20:23:25.231" v="4596" actId="478"/>
+          <ac:spMkLst>
+            <pc:docMk/>
+            <pc:sldMk cId="2688694326" sldId="269"/>
+            <ac:spMk id="5" creationId="{993BC5F1-6578-A77F-9FAF-DA4DD3BCFCDE}"/>
+          </ac:spMkLst>
+        </pc:spChg>
+        <pc:spChg chg="del">
+          <ac:chgData name="Sarah Chauvin" userId="68f37512aa257305" providerId="LiveId" clId="{E6996B7F-2315-454B-941A-8327C86A236F}" dt="2024-06-07T19:55:39.802" v="3621" actId="931"/>
+          <ac:spMkLst>
+            <pc:docMk/>
+            <pc:sldMk cId="2688694326" sldId="269"/>
+            <ac:spMk id="6" creationId="{5FF69BE1-46DB-3A1D-AD84-B1E486BC48B2}"/>
+          </ac:spMkLst>
+        </pc:spChg>
+        <pc:spChg chg="add del mod">
+          <ac:chgData name="Sarah Chauvin" userId="68f37512aa257305" providerId="LiveId" clId="{E6996B7F-2315-454B-941A-8327C86A236F}" dt="2024-06-07T20:09:52.898" v="3627" actId="931"/>
+          <ac:spMkLst>
+            <pc:docMk/>
+            <pc:sldMk cId="2688694326" sldId="269"/>
+            <ac:spMk id="12" creationId="{E859D512-B585-2B27-63A9-F6A501436772}"/>
+          </ac:spMkLst>
+        </pc:spChg>
+        <pc:picChg chg="add mod modCrop">
+          <ac:chgData name="Sarah Chauvin" userId="68f37512aa257305" providerId="LiveId" clId="{E6996B7F-2315-454B-941A-8327C86A236F}" dt="2024-06-07T20:23:54.563" v="4601" actId="732"/>
+          <ac:picMkLst>
+            <pc:docMk/>
+            <pc:sldMk cId="2688694326" sldId="269"/>
+            <ac:picMk id="8" creationId="{56EF25C2-7D60-152C-762D-D5CF49A881BA}"/>
+          </ac:picMkLst>
+        </pc:picChg>
+        <pc:picChg chg="add del mod">
+          <ac:chgData name="Sarah Chauvin" userId="68f37512aa257305" providerId="LiveId" clId="{E6996B7F-2315-454B-941A-8327C86A236F}" dt="2024-06-07T19:55:53.262" v="3626" actId="478"/>
+          <ac:picMkLst>
+            <pc:docMk/>
+            <pc:sldMk cId="2688694326" sldId="269"/>
+            <ac:picMk id="10" creationId="{CC6168C6-E5D5-DF18-8D2F-317634FF0545}"/>
+          </ac:picMkLst>
+        </pc:picChg>
+        <pc:picChg chg="add mod">
+          <ac:chgData name="Sarah Chauvin" userId="68f37512aa257305" providerId="LiveId" clId="{E6996B7F-2315-454B-941A-8327C86A236F}" dt="2024-06-07T20:22:39.696" v="4546" actId="1076"/>
+          <ac:picMkLst>
+            <pc:docMk/>
+            <pc:sldMk cId="2688694326" sldId="269"/>
+            <ac:picMk id="14" creationId="{BFE0DFB7-0A7D-9950-46B3-C080CB02BFC4}"/>
+          </ac:picMkLst>
+        </pc:picChg>
+      </pc:sldChg>
     </pc:docChg>
   </pc:docChgLst>
 </pc:chgInfo>
+</file>
+
+<file path=ppt/notesMasters/notesMaster1.xml><?xml version="1.0" encoding="utf-8"?>
+<p:notesMaster xmlns:a="http://schemas.openxmlformats.org/drawingml/2006/main" xmlns:r="http://schemas.openxmlformats.org/officeDocument/2006/relationships" xmlns:p="http://schemas.openxmlformats.org/presentationml/2006/main">
+  <p:cSld>
+    <p:bg>
+      <p:bgRef idx="1001">
+        <a:schemeClr val="bg1"/>
+      </p:bgRef>
+    </p:bg>
+    <p:spTree>
+      <p:nvGrpSpPr>
+        <p:cNvPr id="1" name=""/>
+        <p:cNvGrpSpPr/>
+        <p:nvPr/>
+      </p:nvGrpSpPr>
+      <p:grpSpPr>
+        <a:xfrm>
+          <a:off x="0" y="0"/>
+          <a:ext cx="0" cy="0"/>
+          <a:chOff x="0" y="0"/>
+          <a:chExt cx="0" cy="0"/>
+        </a:xfrm>
+      </p:grpSpPr>
+      <p:sp>
+        <p:nvSpPr>
+          <p:cNvPr id="2" name="Header Placeholder 1"/>
+          <p:cNvSpPr>
+            <a:spLocks noGrp="1"/>
+          </p:cNvSpPr>
+          <p:nvPr>
+            <p:ph type="hdr" sz="quarter"/>
+          </p:nvPr>
+        </p:nvSpPr>
+        <p:spPr>
+          <a:xfrm>
+            <a:off x="0" y="0"/>
+            <a:ext cx="2971800" cy="458788"/>
+          </a:xfrm>
+          <a:prstGeom prst="rect">
+            <a:avLst/>
+          </a:prstGeom>
+        </p:spPr>
+        <p:txBody>
+          <a:bodyPr vert="horz" lIns="91440" tIns="45720" rIns="91440" bIns="45720" rtlCol="0"/>
+          <a:lstStyle>
+            <a:lvl1pPr algn="l">
+              <a:defRPr sz="1200"/>
+            </a:lvl1pPr>
+          </a:lstStyle>
+          <a:p>
+            <a:endParaRPr lang="en-US"/>
+          </a:p>
+        </p:txBody>
+      </p:sp>
+      <p:sp>
+        <p:nvSpPr>
+          <p:cNvPr id="3" name="Date Placeholder 2"/>
+          <p:cNvSpPr>
+            <a:spLocks noGrp="1"/>
+          </p:cNvSpPr>
+          <p:nvPr>
+            <p:ph type="dt" idx="1"/>
+          </p:nvPr>
+        </p:nvSpPr>
+        <p:spPr>
+          <a:xfrm>
+            <a:off x="3884613" y="0"/>
+            <a:ext cx="2971800" cy="458788"/>
+          </a:xfrm>
+          <a:prstGeom prst="rect">
+            <a:avLst/>
+          </a:prstGeom>
+        </p:spPr>
+        <p:txBody>
+          <a:bodyPr vert="horz" lIns="91440" tIns="45720" rIns="91440" bIns="45720" rtlCol="0"/>
+          <a:lstStyle>
+            <a:lvl1pPr algn="r">
+              <a:defRPr sz="1200"/>
+            </a:lvl1pPr>
+          </a:lstStyle>
+          <a:p>
+            <a:fld id="{4EA875D4-9DB1-40D1-B68E-B1241908A2C4}" type="datetimeFigureOut">
+              <a:rPr lang="en-US" smtClean="0"/>
+              <a:t>6/7/2024</a:t>
+            </a:fld>
+            <a:endParaRPr lang="en-US"/>
+          </a:p>
+        </p:txBody>
+      </p:sp>
+      <p:sp>
+        <p:nvSpPr>
+          <p:cNvPr id="4" name="Slide Image Placeholder 3"/>
+          <p:cNvSpPr>
+            <a:spLocks noGrp="1" noRot="1" noChangeAspect="1"/>
+          </p:cNvSpPr>
+          <p:nvPr>
+            <p:ph type="sldImg" idx="2"/>
+          </p:nvPr>
+        </p:nvSpPr>
+        <p:spPr>
+          <a:xfrm>
+            <a:off x="685800" y="1143000"/>
+            <a:ext cx="5486400" cy="3086100"/>
+          </a:xfrm>
+          <a:prstGeom prst="rect">
+            <a:avLst/>
+          </a:prstGeom>
+          <a:noFill/>
+          <a:ln w="12700">
+            <a:solidFill>
+              <a:prstClr val="black"/>
+            </a:solidFill>
+          </a:ln>
+        </p:spPr>
+        <p:txBody>
+          <a:bodyPr vert="horz" lIns="91440" tIns="45720" rIns="91440" bIns="45720" rtlCol="0" anchor="ctr"/>
+          <a:lstStyle/>
+          <a:p>
+            <a:endParaRPr lang="en-US"/>
+          </a:p>
+        </p:txBody>
+      </p:sp>
+      <p:sp>
+        <p:nvSpPr>
+          <p:cNvPr id="5" name="Notes Placeholder 4"/>
+          <p:cNvSpPr>
+            <a:spLocks noGrp="1"/>
+          </p:cNvSpPr>
+          <p:nvPr>
+            <p:ph type="body" sz="quarter" idx="3"/>
+          </p:nvPr>
+        </p:nvSpPr>
+        <p:spPr>
+          <a:xfrm>
+            <a:off x="685800" y="4400550"/>
+            <a:ext cx="5486400" cy="3600450"/>
+          </a:xfrm>
+          <a:prstGeom prst="rect">
+            <a:avLst/>
+          </a:prstGeom>
+        </p:spPr>
+        <p:txBody>
+          <a:bodyPr vert="horz" lIns="91440" tIns="45720" rIns="91440" bIns="45720" rtlCol="0"/>
+          <a:lstStyle/>
+          <a:p>
+            <a:pPr lvl="0"/>
+            <a:r>
+              <a:rPr lang="en-US"/>
+              <a:t>Click to edit Master text styles</a:t>
+            </a:r>
+          </a:p>
+          <a:p>
+            <a:pPr lvl="1"/>
+            <a:r>
+              <a:rPr lang="en-US"/>
+              <a:t>Second level</a:t>
+            </a:r>
+          </a:p>
+          <a:p>
+            <a:pPr lvl="2"/>
+            <a:r>
+              <a:rPr lang="en-US"/>
+              <a:t>Third level</a:t>
+            </a:r>
+          </a:p>
+          <a:p>
+            <a:pPr lvl="3"/>
+            <a:r>
+              <a:rPr lang="en-US"/>
+              <a:t>Fourth level</a:t>
+            </a:r>
+          </a:p>
+          <a:p>
+            <a:pPr lvl="4"/>
+            <a:r>
+              <a:rPr lang="en-US"/>
+              <a:t>Fifth level</a:t>
+            </a:r>
+          </a:p>
+        </p:txBody>
+      </p:sp>
+      <p:sp>
+        <p:nvSpPr>
+          <p:cNvPr id="6" name="Footer Placeholder 5"/>
+          <p:cNvSpPr>
+            <a:spLocks noGrp="1"/>
+          </p:cNvSpPr>
+          <p:nvPr>
+            <p:ph type="ftr" sz="quarter" idx="4"/>
+          </p:nvPr>
+        </p:nvSpPr>
+        <p:spPr>
+          <a:xfrm>
+            <a:off x="0" y="8685213"/>
+            <a:ext cx="2971800" cy="458787"/>
+          </a:xfrm>
+          <a:prstGeom prst="rect">
+            <a:avLst/>
+          </a:prstGeom>
+        </p:spPr>
+        <p:txBody>
+          <a:bodyPr vert="horz" lIns="91440" tIns="45720" rIns="91440" bIns="45720" rtlCol="0" anchor="b"/>
+          <a:lstStyle>
+            <a:lvl1pPr algn="l">
+              <a:defRPr sz="1200"/>
+            </a:lvl1pPr>
+          </a:lstStyle>
+          <a:p>
+            <a:endParaRPr lang="en-US"/>
+          </a:p>
+        </p:txBody>
+      </p:sp>
+      <p:sp>
+        <p:nvSpPr>
+          <p:cNvPr id="7" name="Slide Number Placeholder 6"/>
+          <p:cNvSpPr>
+            <a:spLocks noGrp="1"/>
+          </p:cNvSpPr>
+          <p:nvPr>
+            <p:ph type="sldNum" sz="quarter" idx="5"/>
+          </p:nvPr>
+        </p:nvSpPr>
+        <p:spPr>
+          <a:xfrm>
+            <a:off x="3884613" y="8685213"/>
+            <a:ext cx="2971800" cy="458787"/>
+          </a:xfrm>
+          <a:prstGeom prst="rect">
+            <a:avLst/>
+          </a:prstGeom>
+        </p:spPr>
+        <p:txBody>
+          <a:bodyPr vert="horz" lIns="91440" tIns="45720" rIns="91440" bIns="45720" rtlCol="0" anchor="b"/>
+          <a:lstStyle>
+            <a:lvl1pPr algn="r">
+              <a:defRPr sz="1200"/>
+            </a:lvl1pPr>
+          </a:lstStyle>
+          <a:p>
+            <a:fld id="{42920916-3BF0-4BFA-A926-7A7034BA2134}" type="slidenum">
+              <a:rPr lang="en-US" smtClean="0"/>
+              <a:t>‹#›</a:t>
+            </a:fld>
+            <a:endParaRPr lang="en-US"/>
+          </a:p>
+        </p:txBody>
+      </p:sp>
+    </p:spTree>
+    <p:extLst>
+      <p:ext uri="{BB962C8B-B14F-4D97-AF65-F5344CB8AC3E}">
+        <p14:creationId xmlns:p14="http://schemas.microsoft.com/office/powerpoint/2010/main" val="2946100682"/>
+      </p:ext>
+    </p:extLst>
+  </p:cSld>
+  <p:clrMap bg1="lt1" tx1="dk1" bg2="lt2" tx2="dk2" accent1="accent1" accent2="accent2" accent3="accent3" accent4="accent4" accent5="accent5" accent6="accent6" hlink="hlink" folHlink="folHlink"/>
+  <p:notesStyle>
+    <a:lvl1pPr marL="0" algn="l" defTabSz="914400" rtl="0" eaLnBrk="1" latinLnBrk="0" hangingPunct="1">
+      <a:defRPr sz="1200" kern="1200">
+        <a:solidFill>
+          <a:schemeClr val="tx1"/>
+        </a:solidFill>
+        <a:latin typeface="+mn-lt"/>
+        <a:ea typeface="+mn-ea"/>
+        <a:cs typeface="+mn-cs"/>
+      </a:defRPr>
+    </a:lvl1pPr>
+    <a:lvl2pPr marL="457200" algn="l" defTabSz="914400" rtl="0" eaLnBrk="1" latinLnBrk="0" hangingPunct="1">
+      <a:defRPr sz="1200" kern="1200">
+        <a:solidFill>
+          <a:schemeClr val="tx1"/>
+        </a:solidFill>
+        <a:latin typeface="+mn-lt"/>
+        <a:ea typeface="+mn-ea"/>
+        <a:cs typeface="+mn-cs"/>
+      </a:defRPr>
+    </a:lvl2pPr>
+    <a:lvl3pPr marL="914400" algn="l" defTabSz="914400" rtl="0" eaLnBrk="1" latinLnBrk="0" hangingPunct="1">
+      <a:defRPr sz="1200" kern="1200">
+        <a:solidFill>
+          <a:schemeClr val="tx1"/>
+        </a:solidFill>
+        <a:latin typeface="+mn-lt"/>
+        <a:ea typeface="+mn-ea"/>
+        <a:cs typeface="+mn-cs"/>
+      </a:defRPr>
+    </a:lvl3pPr>
+    <a:lvl4pPr marL="1371600" algn="l" defTabSz="914400" rtl="0" eaLnBrk="1" latinLnBrk="0" hangingPunct="1">
+      <a:defRPr sz="1200" kern="1200">
+        <a:solidFill>
+          <a:schemeClr val="tx1"/>
+        </a:solidFill>
+        <a:latin typeface="+mn-lt"/>
+        <a:ea typeface="+mn-ea"/>
+        <a:cs typeface="+mn-cs"/>
+      </a:defRPr>
+    </a:lvl4pPr>
+    <a:lvl5pPr marL="1828800" algn="l" defTabSz="914400" rtl="0" eaLnBrk="1" latinLnBrk="0" hangingPunct="1">
+      <a:defRPr sz="1200" kern="1200">
+        <a:solidFill>
+          <a:schemeClr val="tx1"/>
+        </a:solidFill>
+        <a:latin typeface="+mn-lt"/>
+        <a:ea typeface="+mn-ea"/>
+        <a:cs typeface="+mn-cs"/>
+      </a:defRPr>
+    </a:lvl5pPr>
+    <a:lvl6pPr marL="2286000" algn="l" defTabSz="914400" rtl="0" eaLnBrk="1" latinLnBrk="0" hangingPunct="1">
+      <a:defRPr sz="1200" kern="1200">
+        <a:solidFill>
+          <a:schemeClr val="tx1"/>
+        </a:solidFill>
+        <a:latin typeface="+mn-lt"/>
+        <a:ea typeface="+mn-ea"/>
+        <a:cs typeface="+mn-cs"/>
+      </a:defRPr>
+    </a:lvl6pPr>
+    <a:lvl7pPr marL="2743200" algn="l" defTabSz="914400" rtl="0" eaLnBrk="1" latinLnBrk="0" hangingPunct="1">
+      <a:defRPr sz="1200" kern="1200">
+        <a:solidFill>
+          <a:schemeClr val="tx1"/>
+        </a:solidFill>
+        <a:latin typeface="+mn-lt"/>
+        <a:ea typeface="+mn-ea"/>
+        <a:cs typeface="+mn-cs"/>
+      </a:defRPr>
+    </a:lvl7pPr>
+    <a:lvl8pPr marL="3200400" algn="l" defTabSz="914400" rtl="0" eaLnBrk="1" latinLnBrk="0" hangingPunct="1">
+      <a:defRPr sz="1200" kern="1200">
+        <a:solidFill>
+          <a:schemeClr val="tx1"/>
+        </a:solidFill>
+        <a:latin typeface="+mn-lt"/>
+        <a:ea typeface="+mn-ea"/>
+        <a:cs typeface="+mn-cs"/>
+      </a:defRPr>
+    </a:lvl8pPr>
+    <a:lvl9pPr marL="3657600" algn="l" defTabSz="914400" rtl="0" eaLnBrk="1" latinLnBrk="0" hangingPunct="1">
+      <a:defRPr sz="1200" kern="1200">
+        <a:solidFill>
+          <a:schemeClr val="tx1"/>
+        </a:solidFill>
+        <a:latin typeface="+mn-lt"/>
+        <a:ea typeface="+mn-ea"/>
+        <a:cs typeface="+mn-cs"/>
+      </a:defRPr>
+    </a:lvl9pPr>
+  </p:notesStyle>
+</p:notesMaster>
+</file>
+
+<file path=ppt/notesSlides/notesSlide1.xml><?xml version="1.0" encoding="utf-8"?>
+<p:notes xmlns:a="http://schemas.openxmlformats.org/drawingml/2006/main" xmlns:r="http://schemas.openxmlformats.org/officeDocument/2006/relationships" xmlns:p="http://schemas.openxmlformats.org/presentationml/2006/main">
+  <p:cSld>
+    <p:spTree>
+      <p:nvGrpSpPr>
+        <p:cNvPr id="1" name=""/>
+        <p:cNvGrpSpPr/>
+        <p:nvPr/>
+      </p:nvGrpSpPr>
+      <p:grpSpPr>
+        <a:xfrm>
+          <a:off x="0" y="0"/>
+          <a:ext cx="0" cy="0"/>
+          <a:chOff x="0" y="0"/>
+          <a:chExt cx="0" cy="0"/>
+        </a:xfrm>
+      </p:grpSpPr>
+      <p:sp>
+        <p:nvSpPr>
+          <p:cNvPr id="2" name="Slide Image Placeholder 1"/>
+          <p:cNvSpPr>
+            <a:spLocks noGrp="1" noRot="1" noChangeAspect="1"/>
+          </p:cNvSpPr>
+          <p:nvPr>
+            <p:ph type="sldImg"/>
+          </p:nvPr>
+        </p:nvSpPr>
+        <p:spPr/>
+      </p:sp>
+      <p:sp>
+        <p:nvSpPr>
+          <p:cNvPr id="3" name="Notes Placeholder 2"/>
+          <p:cNvSpPr>
+            <a:spLocks noGrp="1"/>
+          </p:cNvSpPr>
+          <p:nvPr>
+            <p:ph type="body" idx="1"/>
+          </p:nvPr>
+        </p:nvSpPr>
+        <p:spPr/>
+        <p:txBody>
+          <a:bodyPr/>
+          <a:lstStyle/>
+          <a:p>
+            <a:pPr marL="171450" indent="-171450">
+              <a:buFontTx/>
+              <a:buChar char="-"/>
+            </a:pPr>
+            <a:r>
+              <a:rPr lang="en-US" dirty="0"/>
+              <a:t>With so many respondents and genres included in the study, </a:t>
+            </a:r>
+            <a:r>
+              <a:rPr lang="en-US" sz="1800" dirty="0">
+                <a:effectLst/>
+                <a:latin typeface="Aptos" panose="020B0004020202020204" pitchFamily="34" charset="0"/>
+                <a:ea typeface="Aptos" panose="020B0004020202020204" pitchFamily="34" charset="0"/>
+                <a:cs typeface="Times New Roman" panose="02020603050405020304" pitchFamily="18" charset="0"/>
+              </a:rPr>
+              <a:t>we wanted to see if there was a correlation between users claiming a high rank of each disorder and the genres they listened to. </a:t>
+            </a:r>
+          </a:p>
+          <a:p>
+            <a:pPr marL="171450" indent="-171450">
+              <a:buFontTx/>
+              <a:buChar char="-"/>
+            </a:pPr>
+            <a:r>
+              <a:rPr lang="en-US" sz="1800" dirty="0">
+                <a:effectLst/>
+                <a:latin typeface="Aptos" panose="020B0004020202020204" pitchFamily="34" charset="0"/>
+                <a:cs typeface="Times New Roman" panose="02020603050405020304" pitchFamily="18" charset="0"/>
+              </a:rPr>
+              <a:t>For this analysis, I only looked at data where the user claimed a 7 or higher in MH disorder ranking.</a:t>
+            </a:r>
+          </a:p>
+          <a:p>
+            <a:pPr marL="171450" indent="-171450">
+              <a:buFontTx/>
+              <a:buChar char="-"/>
+            </a:pPr>
+            <a:r>
+              <a:rPr lang="en-US" sz="1800" dirty="0">
+                <a:effectLst/>
+                <a:latin typeface="Aptos" panose="020B0004020202020204" pitchFamily="34" charset="0"/>
+                <a:cs typeface="Times New Roman" panose="02020603050405020304" pitchFamily="18" charset="0"/>
+              </a:rPr>
+              <a:t>Since we changed the Frequency responses to integers, I looked at the sums of those numbers to create this aggregate overall view of popularity of each genre.</a:t>
+            </a:r>
+          </a:p>
+          <a:p>
+            <a:pPr marL="171450" indent="-171450">
+              <a:buFontTx/>
+              <a:buChar char="-"/>
+            </a:pPr>
+            <a:r>
+              <a:rPr lang="en-US" sz="1800" dirty="0">
+                <a:effectLst/>
+                <a:latin typeface="Aptos" panose="020B0004020202020204" pitchFamily="34" charset="0"/>
+                <a:cs typeface="Times New Roman" panose="02020603050405020304" pitchFamily="18" charset="0"/>
+              </a:rPr>
+              <a:t>You can see that listeners of Rock and Pop have the highest rank of mental illness for all 4 disorders in this study.</a:t>
+            </a:r>
+            <a:endParaRPr lang="en-US" dirty="0"/>
+          </a:p>
+        </p:txBody>
+      </p:sp>
+      <p:sp>
+        <p:nvSpPr>
+          <p:cNvPr id="4" name="Slide Number Placeholder 3"/>
+          <p:cNvSpPr>
+            <a:spLocks noGrp="1"/>
+          </p:cNvSpPr>
+          <p:nvPr>
+            <p:ph type="sldNum" sz="quarter" idx="5"/>
+          </p:nvPr>
+        </p:nvSpPr>
+        <p:spPr/>
+        <p:txBody>
+          <a:bodyPr/>
+          <a:lstStyle/>
+          <a:p>
+            <a:fld id="{42920916-3BF0-4BFA-A926-7A7034BA2134}" type="slidenum">
+              <a:rPr lang="en-US" smtClean="0"/>
+              <a:t>6</a:t>
+            </a:fld>
+            <a:endParaRPr lang="en-US"/>
+          </a:p>
+        </p:txBody>
+      </p:sp>
+    </p:spTree>
+    <p:extLst>
+      <p:ext uri="{BB962C8B-B14F-4D97-AF65-F5344CB8AC3E}">
+        <p14:creationId xmlns:p14="http://schemas.microsoft.com/office/powerpoint/2010/main" val="2949051959"/>
+      </p:ext>
+    </p:extLst>
+  </p:cSld>
+  <p:clrMapOvr>
+    <a:masterClrMapping/>
+  </p:clrMapOvr>
+</p:notes>
+</file>
+
+<file path=ppt/notesSlides/notesSlide2.xml><?xml version="1.0" encoding="utf-8"?>
+<p:notes xmlns:a="http://schemas.openxmlformats.org/drawingml/2006/main" xmlns:r="http://schemas.openxmlformats.org/officeDocument/2006/relationships" xmlns:p="http://schemas.openxmlformats.org/presentationml/2006/main">
+  <p:cSld>
+    <p:spTree>
+      <p:nvGrpSpPr>
+        <p:cNvPr id="1" name=""/>
+        <p:cNvGrpSpPr/>
+        <p:nvPr/>
+      </p:nvGrpSpPr>
+      <p:grpSpPr>
+        <a:xfrm>
+          <a:off x="0" y="0"/>
+          <a:ext cx="0" cy="0"/>
+          <a:chOff x="0" y="0"/>
+          <a:chExt cx="0" cy="0"/>
+        </a:xfrm>
+      </p:grpSpPr>
+      <p:sp>
+        <p:nvSpPr>
+          <p:cNvPr id="2" name="Slide Image Placeholder 1"/>
+          <p:cNvSpPr>
+            <a:spLocks noGrp="1" noRot="1" noChangeAspect="1"/>
+          </p:cNvSpPr>
+          <p:nvPr>
+            <p:ph type="sldImg"/>
+          </p:nvPr>
+        </p:nvSpPr>
+        <p:spPr/>
+      </p:sp>
+      <p:sp>
+        <p:nvSpPr>
+          <p:cNvPr id="3" name="Notes Placeholder 2"/>
+          <p:cNvSpPr>
+            <a:spLocks noGrp="1"/>
+          </p:cNvSpPr>
+          <p:nvPr>
+            <p:ph type="body" idx="1"/>
+          </p:nvPr>
+        </p:nvSpPr>
+        <p:spPr/>
+        <p:txBody>
+          <a:bodyPr/>
+          <a:lstStyle/>
+          <a:p>
+            <a:pPr marL="171450" indent="-171450">
+              <a:buFontTx/>
+              <a:buChar char="-"/>
+            </a:pPr>
+            <a:r>
+              <a:rPr lang="en-US" dirty="0"/>
+              <a:t>Let’s compare the genres most frequently listened to  by those with high ranks of each disorder with the genres listed as their favorites.</a:t>
+            </a:r>
+          </a:p>
+          <a:p>
+            <a:pPr marL="171450" indent="-171450">
+              <a:buFontTx/>
+              <a:buChar char="-"/>
+            </a:pPr>
+            <a:r>
+              <a:rPr lang="en-US" dirty="0"/>
+              <a:t>The results are similar but actually vary quite a bit.</a:t>
+            </a:r>
+          </a:p>
+          <a:p>
+            <a:pPr marL="171450" indent="-171450">
+              <a:buFontTx/>
+              <a:buChar char="-"/>
+            </a:pPr>
+            <a:r>
+              <a:rPr lang="en-US" dirty="0"/>
+              <a:t>Metal is actually listened to 61% as much as rock, which aligns with favoritism, but Metal is listened to 63% as much as Pop, even though it’s just under Pop in favoritism.</a:t>
+            </a:r>
+          </a:p>
+          <a:p>
+            <a:pPr marL="171450" indent="-171450">
+              <a:buFontTx/>
+              <a:buChar char="-"/>
+            </a:pPr>
+            <a:r>
+              <a:rPr lang="en-US" dirty="0"/>
+              <a:t>This could indicate that listeners of Metal are more likely to report having worse mental health, though we don’t have enough information here to determine if listening to Metal music </a:t>
+            </a:r>
+            <a:r>
+              <a:rPr lang="en-US" i="1" dirty="0"/>
+              <a:t>causes</a:t>
+            </a:r>
+            <a:r>
+              <a:rPr lang="en-US" dirty="0"/>
+              <a:t> poor mental health.</a:t>
+            </a:r>
+          </a:p>
+        </p:txBody>
+      </p:sp>
+      <p:sp>
+        <p:nvSpPr>
+          <p:cNvPr id="4" name="Slide Number Placeholder 3"/>
+          <p:cNvSpPr>
+            <a:spLocks noGrp="1"/>
+          </p:cNvSpPr>
+          <p:nvPr>
+            <p:ph type="sldNum" sz="quarter" idx="5"/>
+          </p:nvPr>
+        </p:nvSpPr>
+        <p:spPr/>
+        <p:txBody>
+          <a:bodyPr/>
+          <a:lstStyle/>
+          <a:p>
+            <a:fld id="{42920916-3BF0-4BFA-A926-7A7034BA2134}" type="slidenum">
+              <a:rPr lang="en-US" smtClean="0"/>
+              <a:t>7</a:t>
+            </a:fld>
+            <a:endParaRPr lang="en-US"/>
+          </a:p>
+        </p:txBody>
+      </p:sp>
+    </p:spTree>
+    <p:extLst>
+      <p:ext uri="{BB962C8B-B14F-4D97-AF65-F5344CB8AC3E}">
+        <p14:creationId xmlns:p14="http://schemas.microsoft.com/office/powerpoint/2010/main" val="3592650669"/>
+      </p:ext>
+    </p:extLst>
+  </p:cSld>
+  <p:clrMapOvr>
+    <a:masterClrMapping/>
+  </p:clrMapOvr>
+</p:notes>
+</file>
+
+<file path=ppt/notesSlides/notesSlide3.xml><?xml version="1.0" encoding="utf-8"?>
+<p:notes xmlns:a="http://schemas.openxmlformats.org/drawingml/2006/main" xmlns:r="http://schemas.openxmlformats.org/officeDocument/2006/relationships" xmlns:p="http://schemas.openxmlformats.org/presentationml/2006/main">
+  <p:cSld>
+    <p:spTree>
+      <p:nvGrpSpPr>
+        <p:cNvPr id="1" name=""/>
+        <p:cNvGrpSpPr/>
+        <p:nvPr/>
+      </p:nvGrpSpPr>
+      <p:grpSpPr>
+        <a:xfrm>
+          <a:off x="0" y="0"/>
+          <a:ext cx="0" cy="0"/>
+          <a:chOff x="0" y="0"/>
+          <a:chExt cx="0" cy="0"/>
+        </a:xfrm>
+      </p:grpSpPr>
+      <p:sp>
+        <p:nvSpPr>
+          <p:cNvPr id="2" name="Slide Image Placeholder 1"/>
+          <p:cNvSpPr>
+            <a:spLocks noGrp="1" noRot="1" noChangeAspect="1"/>
+          </p:cNvSpPr>
+          <p:nvPr>
+            <p:ph type="sldImg"/>
+          </p:nvPr>
+        </p:nvSpPr>
+        <p:spPr/>
+      </p:sp>
+      <p:sp>
+        <p:nvSpPr>
+          <p:cNvPr id="3" name="Notes Placeholder 2"/>
+          <p:cNvSpPr>
+            <a:spLocks noGrp="1"/>
+          </p:cNvSpPr>
+          <p:nvPr>
+            <p:ph type="body" idx="1"/>
+          </p:nvPr>
+        </p:nvSpPr>
+        <p:spPr/>
+        <p:txBody>
+          <a:bodyPr/>
+          <a:lstStyle/>
+          <a:p>
+            <a:pPr marL="171450" indent="-171450">
+              <a:buFontTx/>
+              <a:buChar char="-"/>
+            </a:pPr>
+            <a:r>
+              <a:rPr lang="en-US" dirty="0"/>
+              <a:t>You might think that if the top favorite genres for respondents with high mental disorder rank are Rock, Pop, and Metal, then there could be a relationship with high BPM and disorder rank.</a:t>
+            </a:r>
+          </a:p>
+          <a:p>
+            <a:pPr marL="171450" indent="-171450">
+              <a:buFontTx/>
+              <a:buChar char="-"/>
+            </a:pPr>
+            <a:r>
+              <a:rPr lang="en-US" dirty="0"/>
+              <a:t>On this leaderboard, you can see that the average BPM was similar for all users with individual disorders.</a:t>
+            </a:r>
+          </a:p>
+          <a:p>
+            <a:pPr marL="171450" indent="-171450">
+              <a:buFontTx/>
+              <a:buChar char="-"/>
+            </a:pPr>
+            <a:r>
+              <a:rPr lang="en-US" dirty="0"/>
+              <a:t>Since increasing the average BPM does not necessarily increase the disorder rank, we cannot say that BPM really makes much difference to disorder rank.</a:t>
+            </a:r>
+          </a:p>
+          <a:p>
+            <a:pPr marL="171450" indent="-171450">
+              <a:buFontTx/>
+              <a:buChar char="-"/>
+            </a:pPr>
+            <a:r>
+              <a:rPr lang="en-US" dirty="0"/>
+              <a:t>We can glean more information from looking at the favorite genres and frequencies of listening for each when predicting mental health status.</a:t>
+            </a:r>
+          </a:p>
+        </p:txBody>
+      </p:sp>
+      <p:sp>
+        <p:nvSpPr>
+          <p:cNvPr id="4" name="Slide Number Placeholder 3"/>
+          <p:cNvSpPr>
+            <a:spLocks noGrp="1"/>
+          </p:cNvSpPr>
+          <p:nvPr>
+            <p:ph type="sldNum" sz="quarter" idx="5"/>
+          </p:nvPr>
+        </p:nvSpPr>
+        <p:spPr/>
+        <p:txBody>
+          <a:bodyPr/>
+          <a:lstStyle/>
+          <a:p>
+            <a:fld id="{42920916-3BF0-4BFA-A926-7A7034BA2134}" type="slidenum">
+              <a:rPr lang="en-US" smtClean="0"/>
+              <a:t>8</a:t>
+            </a:fld>
+            <a:endParaRPr lang="en-US"/>
+          </a:p>
+        </p:txBody>
+      </p:sp>
+    </p:spTree>
+    <p:extLst>
+      <p:ext uri="{BB962C8B-B14F-4D97-AF65-F5344CB8AC3E}">
+        <p14:creationId xmlns:p14="http://schemas.microsoft.com/office/powerpoint/2010/main" val="1367573228"/>
+      </p:ext>
+    </p:extLst>
+  </p:cSld>
+  <p:clrMapOvr>
+    <a:masterClrMapping/>
+  </p:clrMapOvr>
+</p:notes>
 </file>
 
 <file path=ppt/slideLayouts/slideLayout1.xml><?xml version="1.0" encoding="utf-8"?>
@@ -480,7 +1621,7 @@
           <a:p>
             <a:fld id="{02AC24A9-CCB6-4F8D-B8DB-C2F3692CFA5A}" type="datetimeFigureOut">
               <a:rPr lang="en-US" smtClean="0"/>
-              <a:t>6/5/2024</a:t>
+              <a:t>6/7/2024</a:t>
             </a:fld>
             <a:endParaRPr lang="en-US" dirty="0"/>
           </a:p>
@@ -708,7 +1849,7 @@
           <a:p>
             <a:fld id="{02AC24A9-CCB6-4F8D-B8DB-C2F3692CFA5A}" type="datetimeFigureOut">
               <a:rPr lang="en-US" smtClean="0"/>
-              <a:t>6/5/2024</a:t>
+              <a:t>6/7/2024</a:t>
             </a:fld>
             <a:endParaRPr lang="en-US"/>
           </a:p>
@@ -888,7 +2029,7 @@
           <a:p>
             <a:fld id="{02AC24A9-CCB6-4F8D-B8DB-C2F3692CFA5A}" type="datetimeFigureOut">
               <a:rPr lang="en-US" smtClean="0"/>
-              <a:t>6/5/2024</a:t>
+              <a:t>6/7/2024</a:t>
             </a:fld>
             <a:endParaRPr lang="en-US"/>
           </a:p>
@@ -1058,7 +2199,7 @@
           <a:p>
             <a:fld id="{02AC24A9-CCB6-4F8D-B8DB-C2F3692CFA5A}" type="datetimeFigureOut">
               <a:rPr lang="en-US" smtClean="0"/>
-              <a:t>6/5/2024</a:t>
+              <a:t>6/7/2024</a:t>
             </a:fld>
             <a:endParaRPr lang="en-US"/>
           </a:p>
@@ -1312,7 +2453,7 @@
           <a:p>
             <a:fld id="{02AC24A9-CCB6-4F8D-B8DB-C2F3692CFA5A}" type="datetimeFigureOut">
               <a:rPr lang="en-US" smtClean="0"/>
-              <a:t>6/5/2024</a:t>
+              <a:t>6/7/2024</a:t>
             </a:fld>
             <a:endParaRPr lang="en-US"/>
           </a:p>
@@ -1638,7 +2779,7 @@
           <a:p>
             <a:fld id="{02AC24A9-CCB6-4F8D-B8DB-C2F3692CFA5A}" type="datetimeFigureOut">
               <a:rPr lang="en-US" smtClean="0"/>
-              <a:t>6/5/2024</a:t>
+              <a:t>6/7/2024</a:t>
             </a:fld>
             <a:endParaRPr lang="en-US"/>
           </a:p>
@@ -2089,7 +3230,7 @@
           <a:p>
             <a:fld id="{02AC24A9-CCB6-4F8D-B8DB-C2F3692CFA5A}" type="datetimeFigureOut">
               <a:rPr lang="en-US" smtClean="0"/>
-              <a:t>6/5/2024</a:t>
+              <a:t>6/7/2024</a:t>
             </a:fld>
             <a:endParaRPr lang="en-US"/>
           </a:p>
@@ -2207,7 +3348,7 @@
           <a:p>
             <a:fld id="{02AC24A9-CCB6-4F8D-B8DB-C2F3692CFA5A}" type="datetimeFigureOut">
               <a:rPr lang="en-US" smtClean="0"/>
-              <a:t>6/5/2024</a:t>
+              <a:t>6/7/2024</a:t>
             </a:fld>
             <a:endParaRPr lang="en-US"/>
           </a:p>
@@ -2302,7 +3443,7 @@
           <a:p>
             <a:fld id="{02AC24A9-CCB6-4F8D-B8DB-C2F3692CFA5A}" type="datetimeFigureOut">
               <a:rPr lang="en-US" smtClean="0"/>
-              <a:t>6/5/2024</a:t>
+              <a:t>6/7/2024</a:t>
             </a:fld>
             <a:endParaRPr lang="en-US"/>
           </a:p>
@@ -2589,7 +3730,7 @@
           <a:p>
             <a:fld id="{02AC24A9-CCB6-4F8D-B8DB-C2F3692CFA5A}" type="datetimeFigureOut">
               <a:rPr lang="en-US" smtClean="0"/>
-              <a:t>6/5/2024</a:t>
+              <a:t>6/7/2024</a:t>
             </a:fld>
             <a:endParaRPr lang="en-US" dirty="0"/>
           </a:p>
@@ -2911,7 +4052,7 @@
           <a:p>
             <a:fld id="{02AC24A9-CCB6-4F8D-B8DB-C2F3692CFA5A}" type="datetimeFigureOut">
               <a:rPr lang="en-US" smtClean="0"/>
-              <a:t>6/5/2024</a:t>
+              <a:t>6/7/2024</a:t>
             </a:fld>
             <a:endParaRPr lang="en-US"/>
           </a:p>
@@ -3168,7 +4309,7 @@
           <a:p>
             <a:fld id="{02AC24A9-CCB6-4F8D-B8DB-C2F3692CFA5A}" type="datetimeFigureOut">
               <a:rPr lang="en-US" smtClean="0"/>
-              <a:t>6/5/2024</a:t>
+              <a:t>6/7/2024</a:t>
             </a:fld>
             <a:endParaRPr lang="en-US"/>
           </a:p>
@@ -3658,10 +4799,10 @@
       </p:grpSpPr>
       <p:pic>
         <p:nvPicPr>
-          <p:cNvPr id="18" name="Picture 17" descr="Gradient pastel colors on a top view">
+          <p:cNvPr id="12" name="Picture 11" descr="A colorful head with music notes&#10;&#10;Description automatically generated">
             <a:extLst>
               <a:ext uri="{FF2B5EF4-FFF2-40B4-BE49-F238E27FC236}">
-                <a16:creationId xmlns:a16="http://schemas.microsoft.com/office/drawing/2014/main" id="{DDF71FA2-8F8C-C5FD-2E14-4CD00607FED4}"/>
+                <a16:creationId xmlns:a16="http://schemas.microsoft.com/office/drawing/2014/main" id="{96F8B030-9B95-3F4F-14B0-A31DEFA49EBA}"/>
               </a:ext>
             </a:extLst>
           </p:cNvPr>
@@ -3672,15 +4813,19 @@
         </p:nvPicPr>
         <p:blipFill rotWithShape="1">
           <a:blip r:embed="rId2">
-            <a:alphaModFix amt="40000"/>
+            <a:extLst>
+              <a:ext uri="{28A0092B-C50C-407E-A947-70E740481C1C}">
+                <a14:useLocalDpi xmlns:a14="http://schemas.microsoft.com/office/drawing/2010/main" val="0"/>
+              </a:ext>
+            </a:extLst>
           </a:blip>
-          <a:srcRect t="12015" b="3715"/>
+          <a:srcRect l="23216" r="26344"/>
           <a:stretch/>
         </p:blipFill>
         <p:spPr>
           <a:xfrm>
-            <a:off x="20" y="10"/>
-            <a:ext cx="12191979" cy="6857990"/>
+            <a:off x="5471160" y="106680"/>
+            <a:ext cx="5836909" cy="6210200"/>
           </a:xfrm>
           <a:prstGeom prst="rect">
             <a:avLst/>
@@ -3703,17 +4848,28 @@
             <p:ph type="ctrTitle"/>
           </p:nvPr>
         </p:nvSpPr>
-        <p:spPr/>
+        <p:spPr>
+          <a:xfrm>
+            <a:off x="637032" y="1760684"/>
+            <a:ext cx="5108448" cy="4041648"/>
+          </a:xfrm>
+        </p:spPr>
         <p:txBody>
           <a:bodyPr>
-            <a:normAutofit/>
+            <a:normAutofit fontScale="90000"/>
           </a:bodyPr>
           <a:lstStyle/>
           <a:p>
             <a:r>
-              <a:rPr lang="en-US" dirty="0"/>
+              <a:rPr lang="en-US" b="1" dirty="0"/>
               <a:t>Effects of Music on Mental Health: </a:t>
             </a:r>
+            <a:br>
+              <a:rPr lang="en-US" b="1" dirty="0"/>
+            </a:br>
+            <a:br>
+              <a:rPr lang="en-US" b="1" dirty="0"/>
+            </a:br>
             <a:r>
               <a:rPr lang="en-US" sz="5000" dirty="0"/>
               <a:t>Exploratory Data Analysis</a:t>
@@ -3737,13 +4893,19 @@
             <p:ph type="subTitle" idx="1"/>
           </p:nvPr>
         </p:nvSpPr>
-        <p:spPr/>
+        <p:spPr>
+          <a:xfrm>
+            <a:off x="1051560" y="6404776"/>
+            <a:ext cx="9418320" cy="1691640"/>
+          </a:xfrm>
+        </p:spPr>
         <p:txBody>
           <a:bodyPr>
             <a:normAutofit/>
           </a:bodyPr>
           <a:lstStyle/>
           <a:p>
+            <a:pPr algn="ctr"/>
             <a:r>
               <a:rPr lang="en-US" dirty="0">
                 <a:solidFill>
@@ -3766,7 +4928,7 @@
                   <a:schemeClr val="tx1"/>
                 </a:solidFill>
               </a:rPr>
-              <a:t>, Gabriela Zarate, and Tony</a:t>
+              <a:t>, and Gabriela Zarate</a:t>
             </a:r>
           </a:p>
         </p:txBody>
@@ -3806,7 +4968,7 @@
           <p:cNvPr id="2" name="Title 1">
             <a:extLst>
               <a:ext uri="{FF2B5EF4-FFF2-40B4-BE49-F238E27FC236}">
-                <a16:creationId xmlns:a16="http://schemas.microsoft.com/office/drawing/2014/main" id="{9BB8A6D4-A3AF-760D-76F4-AD1B822CF9E5}"/>
+                <a16:creationId xmlns:a16="http://schemas.microsoft.com/office/drawing/2014/main" id="{B2B04DB2-1333-ABCA-790E-810E9010BF43}"/>
               </a:ext>
             </a:extLst>
           </p:cNvPr>
@@ -3828,17 +4990,17 @@
                   <a:schemeClr val="bg1"/>
                 </a:solidFill>
               </a:rPr>
-              <a:t>Limitations 		  Future Study</a:t>
-            </a:r>
-          </a:p>
-        </p:txBody>
-      </p:sp>
-      <p:sp>
-        <p:nvSpPr>
-          <p:cNvPr id="3" name="Content Placeholder 2">
+              <a:t>Regression</a:t>
+            </a:r>
+          </a:p>
+        </p:txBody>
+      </p:sp>
+      <p:sp>
+        <p:nvSpPr>
+          <p:cNvPr id="3" name="Text Placeholder 2">
             <a:extLst>
               <a:ext uri="{FF2B5EF4-FFF2-40B4-BE49-F238E27FC236}">
-                <a16:creationId xmlns:a16="http://schemas.microsoft.com/office/drawing/2014/main" id="{14EE1294-E387-1D70-EB19-A96D864D3EB5}"/>
+                <a16:creationId xmlns:a16="http://schemas.microsoft.com/office/drawing/2014/main" id="{05F8B029-54B5-20CA-B650-36985A9CF208}"/>
               </a:ext>
             </a:extLst>
           </p:cNvPr>
@@ -3846,7 +5008,7 @@
             <a:spLocks noGrp="1"/>
           </p:cNvSpPr>
           <p:nvPr>
-            <p:ph sz="half" idx="1"/>
+            <p:ph type="body" idx="1"/>
           </p:nvPr>
         </p:nvSpPr>
         <p:spPr/>
@@ -3854,149 +5016,7 @@
           <a:bodyPr/>
           <a:lstStyle/>
           <a:p>
-            <a:pPr>
-              <a:buClr>
-                <a:schemeClr val="bg1"/>
-              </a:buClr>
-            </a:pPr>
-            <a:r>
-              <a:rPr lang="en-US" dirty="0">
-                <a:solidFill>
-                  <a:schemeClr val="bg1"/>
-                </a:solidFill>
-              </a:rPr>
-              <a:t>1x survey, no trends over time</a:t>
-            </a:r>
-          </a:p>
-          <a:p>
-            <a:pPr>
-              <a:buClr>
-                <a:schemeClr val="bg1"/>
-              </a:buClr>
-            </a:pPr>
-            <a:r>
-              <a:rPr lang="en-US" dirty="0">
-                <a:solidFill>
-                  <a:schemeClr val="bg1"/>
-                </a:solidFill>
-              </a:rPr>
-              <a:t>Subjective data, no parameters on how to rank mental health. Hard to establish relationships</a:t>
-            </a:r>
-          </a:p>
-          <a:p>
-            <a:pPr>
-              <a:buClr>
-                <a:schemeClr val="bg1"/>
-              </a:buClr>
-            </a:pPr>
-            <a:r>
-              <a:rPr lang="en-US" dirty="0">
-                <a:solidFill>
-                  <a:schemeClr val="bg1"/>
-                </a:solidFill>
-              </a:rPr>
-              <a:t>Source of BPM: Most common? Highest?</a:t>
-            </a:r>
-          </a:p>
-          <a:p>
-            <a:pPr lvl="1">
-              <a:buClr>
-                <a:schemeClr val="bg1"/>
-              </a:buClr>
-            </a:pPr>
-            <a:r>
-              <a:rPr lang="en-US" dirty="0">
-                <a:solidFill>
-                  <a:schemeClr val="bg1"/>
-                </a:solidFill>
-              </a:rPr>
-              <a:t>This section was optional</a:t>
-            </a:r>
-          </a:p>
-          <a:p>
-            <a:pPr>
-              <a:buClr>
-                <a:schemeClr val="bg1"/>
-              </a:buClr>
-            </a:pPr>
-            <a:r>
-              <a:rPr lang="en-US" dirty="0">
-                <a:solidFill>
-                  <a:schemeClr val="bg1"/>
-                </a:solidFill>
-              </a:rPr>
-              <a:t>Data largely came from the internet</a:t>
-            </a:r>
-          </a:p>
-          <a:p>
-            <a:pPr>
-              <a:buClr>
-                <a:schemeClr val="bg1"/>
-              </a:buClr>
-            </a:pPr>
-            <a:r>
-              <a:rPr lang="en-US" dirty="0">
-                <a:solidFill>
-                  <a:schemeClr val="bg1"/>
-                </a:solidFill>
-              </a:rPr>
-              <a:t>Music effects</a:t>
-            </a:r>
-          </a:p>
-          <a:p>
-            <a:pPr lvl="1">
-              <a:buClr>
-                <a:schemeClr val="bg1"/>
-              </a:buClr>
-            </a:pPr>
-            <a:r>
-              <a:rPr lang="en-US" dirty="0">
-                <a:solidFill>
-                  <a:schemeClr val="bg1"/>
-                </a:solidFill>
-              </a:rPr>
-              <a:t>Improvement based on certain genres? Hours listened?</a:t>
-            </a:r>
-          </a:p>
-          <a:p>
-            <a:pPr lvl="1">
-              <a:buClr>
-                <a:schemeClr val="bg1"/>
-              </a:buClr>
-            </a:pPr>
-            <a:r>
-              <a:rPr lang="en-US" dirty="0">
-                <a:solidFill>
-                  <a:schemeClr val="bg1"/>
-                </a:solidFill>
-              </a:rPr>
-              <a:t>Which disorder(s) improved?</a:t>
-            </a:r>
-          </a:p>
-          <a:p>
-            <a:pPr marL="0" indent="0">
-              <a:buClr>
-                <a:schemeClr val="bg1"/>
-              </a:buClr>
-              <a:buNone/>
-            </a:pPr>
-            <a:endParaRPr lang="en-US" dirty="0">
-              <a:solidFill>
-                <a:schemeClr val="bg1"/>
-              </a:solidFill>
-            </a:endParaRPr>
-          </a:p>
-          <a:p>
-            <a:pPr>
-              <a:buClr>
-                <a:schemeClr val="bg1"/>
-              </a:buClr>
-            </a:pPr>
-            <a:endParaRPr lang="en-US" dirty="0">
-              <a:solidFill>
-                <a:schemeClr val="bg1"/>
-              </a:solidFill>
-            </a:endParaRPr>
+            <a:endParaRPr lang="en-US"/>
           </a:p>
         </p:txBody>
       </p:sp>
@@ -4005,7 +5025,7 @@
           <p:cNvPr id="4" name="Content Placeholder 3">
             <a:extLst>
               <a:ext uri="{FF2B5EF4-FFF2-40B4-BE49-F238E27FC236}">
-                <a16:creationId xmlns:a16="http://schemas.microsoft.com/office/drawing/2014/main" id="{D97284FD-BDEB-958C-971E-88DE1442592A}"/>
+                <a16:creationId xmlns:a16="http://schemas.microsoft.com/office/drawing/2014/main" id="{4E5DEF6F-BDE4-461A-FA95-6CA27EE7464C}"/>
               </a:ext>
             </a:extLst>
           </p:cNvPr>
@@ -4021,56 +5041,64 @@
           <a:bodyPr/>
           <a:lstStyle/>
           <a:p>
-            <a:pPr>
-              <a:buClr>
-                <a:schemeClr val="bg1"/>
-              </a:buClr>
-            </a:pPr>
-            <a:r>
-              <a:rPr lang="en-US" dirty="0">
-                <a:solidFill>
-                  <a:schemeClr val="bg1"/>
-                </a:solidFill>
-              </a:rPr>
-              <a:t>Occupation of survey respondent could influence hour listened/day</a:t>
-            </a:r>
-          </a:p>
-          <a:p>
-            <a:pPr>
-              <a:buClr>
-                <a:schemeClr val="bg1"/>
-              </a:buClr>
-            </a:pPr>
-            <a:r>
-              <a:rPr lang="en-US" dirty="0">
-                <a:solidFill>
-                  <a:schemeClr val="bg1"/>
-                </a:solidFill>
-              </a:rPr>
-              <a:t>Concentrated results to a specific geographic location: compare to actual mental health stats</a:t>
-            </a:r>
-          </a:p>
-          <a:p>
-            <a:pPr>
-              <a:buClr>
-                <a:schemeClr val="bg1"/>
-              </a:buClr>
-            </a:pPr>
-            <a:r>
-              <a:rPr lang="en-US" dirty="0">
-                <a:solidFill>
-                  <a:schemeClr val="bg1"/>
-                </a:solidFill>
-              </a:rPr>
-              <a:t>Including gender of respondent: more to compare</a:t>
-            </a:r>
+            <a:endParaRPr lang="en-US"/>
+          </a:p>
+        </p:txBody>
+      </p:sp>
+      <p:sp>
+        <p:nvSpPr>
+          <p:cNvPr id="5" name="Text Placeholder 4">
+            <a:extLst>
+              <a:ext uri="{FF2B5EF4-FFF2-40B4-BE49-F238E27FC236}">
+                <a16:creationId xmlns:a16="http://schemas.microsoft.com/office/drawing/2014/main" id="{392D86CE-5FEE-CA0E-3C55-3EBC8F5082F7}"/>
+              </a:ext>
+            </a:extLst>
+          </p:cNvPr>
+          <p:cNvSpPr>
+            <a:spLocks noGrp="1"/>
+          </p:cNvSpPr>
+          <p:nvPr>
+            <p:ph type="body" sz="quarter" idx="3"/>
+          </p:nvPr>
+        </p:nvSpPr>
+        <p:spPr/>
+        <p:txBody>
+          <a:bodyPr/>
+          <a:lstStyle/>
+          <a:p>
+            <a:endParaRPr lang="en-US"/>
+          </a:p>
+        </p:txBody>
+      </p:sp>
+      <p:sp>
+        <p:nvSpPr>
+          <p:cNvPr id="6" name="Content Placeholder 5">
+            <a:extLst>
+              <a:ext uri="{FF2B5EF4-FFF2-40B4-BE49-F238E27FC236}">
+                <a16:creationId xmlns:a16="http://schemas.microsoft.com/office/drawing/2014/main" id="{0D724723-FE12-D65F-4267-74D8D0ECD51E}"/>
+              </a:ext>
+            </a:extLst>
+          </p:cNvPr>
+          <p:cNvSpPr>
+            <a:spLocks noGrp="1"/>
+          </p:cNvSpPr>
+          <p:nvPr>
+            <p:ph sz="quarter" idx="4"/>
+          </p:nvPr>
+        </p:nvSpPr>
+        <p:spPr/>
+        <p:txBody>
+          <a:bodyPr/>
+          <a:lstStyle/>
+          <a:p>
+            <a:endParaRPr lang="en-US"/>
           </a:p>
         </p:txBody>
       </p:sp>
     </p:spTree>
     <p:extLst>
       <p:ext uri="{BB962C8B-B14F-4D97-AF65-F5344CB8AC3E}">
-        <p14:creationId xmlns:p14="http://schemas.microsoft.com/office/powerpoint/2010/main" val="2233030158"/>
+        <p14:creationId xmlns:p14="http://schemas.microsoft.com/office/powerpoint/2010/main" val="1816128598"/>
       </p:ext>
     </p:extLst>
   </p:cSld>
@@ -4102,6 +5130,527 @@
           <p:cNvPr id="2" name="Title 1">
             <a:extLst>
               <a:ext uri="{FF2B5EF4-FFF2-40B4-BE49-F238E27FC236}">
+                <a16:creationId xmlns:a16="http://schemas.microsoft.com/office/drawing/2014/main" id="{2AB71C2B-F1C5-7637-8D47-4E919252E621}"/>
+              </a:ext>
+            </a:extLst>
+          </p:cNvPr>
+          <p:cNvSpPr>
+            <a:spLocks noGrp="1"/>
+          </p:cNvSpPr>
+          <p:nvPr>
+            <p:ph type="title"/>
+          </p:nvPr>
+        </p:nvSpPr>
+        <p:spPr/>
+        <p:txBody>
+          <a:bodyPr/>
+          <a:lstStyle/>
+          <a:p>
+            <a:r>
+              <a:rPr lang="en-US" dirty="0">
+                <a:solidFill>
+                  <a:schemeClr val="bg1"/>
+                </a:solidFill>
+              </a:rPr>
+              <a:t>Conclusion</a:t>
+            </a:r>
+          </a:p>
+        </p:txBody>
+      </p:sp>
+      <p:sp>
+        <p:nvSpPr>
+          <p:cNvPr id="3" name="Content Placeholder 2">
+            <a:extLst>
+              <a:ext uri="{FF2B5EF4-FFF2-40B4-BE49-F238E27FC236}">
+                <a16:creationId xmlns:a16="http://schemas.microsoft.com/office/drawing/2014/main" id="{81759D19-91EB-BD21-FDDD-C26691DF8E4D}"/>
+              </a:ext>
+            </a:extLst>
+          </p:cNvPr>
+          <p:cNvSpPr>
+            <a:spLocks noGrp="1"/>
+          </p:cNvSpPr>
+          <p:nvPr>
+            <p:ph idx="1"/>
+          </p:nvPr>
+        </p:nvSpPr>
+        <p:spPr/>
+        <p:txBody>
+          <a:bodyPr/>
+          <a:lstStyle/>
+          <a:p>
+            <a:endParaRPr lang="en-US"/>
+          </a:p>
+        </p:txBody>
+      </p:sp>
+    </p:spTree>
+    <p:extLst>
+      <p:ext uri="{BB962C8B-B14F-4D97-AF65-F5344CB8AC3E}">
+        <p14:creationId xmlns:p14="http://schemas.microsoft.com/office/powerpoint/2010/main" val="131222317"/>
+      </p:ext>
+    </p:extLst>
+  </p:cSld>
+  <p:clrMapOvr>
+    <a:masterClrMapping/>
+  </p:clrMapOvr>
+</p:sld>
+</file>
+
+<file path=ppt/slides/slide12.xml><?xml version="1.0" encoding="utf-8"?>
+<p:sld xmlns:a="http://schemas.openxmlformats.org/drawingml/2006/main" xmlns:r="http://schemas.openxmlformats.org/officeDocument/2006/relationships" xmlns:p="http://schemas.openxmlformats.org/presentationml/2006/main">
+  <p:cSld>
+    <p:spTree>
+      <p:nvGrpSpPr>
+        <p:cNvPr id="1" name=""/>
+        <p:cNvGrpSpPr/>
+        <p:nvPr/>
+      </p:nvGrpSpPr>
+      <p:grpSpPr>
+        <a:xfrm>
+          <a:off x="0" y="0"/>
+          <a:ext cx="0" cy="0"/>
+          <a:chOff x="0" y="0"/>
+          <a:chExt cx="0" cy="0"/>
+        </a:xfrm>
+      </p:grpSpPr>
+      <p:sp>
+        <p:nvSpPr>
+          <p:cNvPr id="2" name="Title 1">
+            <a:extLst>
+              <a:ext uri="{FF2B5EF4-FFF2-40B4-BE49-F238E27FC236}">
+                <a16:creationId xmlns:a16="http://schemas.microsoft.com/office/drawing/2014/main" id="{9BB8A6D4-A3AF-760D-76F4-AD1B822CF9E5}"/>
+              </a:ext>
+            </a:extLst>
+          </p:cNvPr>
+          <p:cNvSpPr>
+            <a:spLocks noGrp="1"/>
+          </p:cNvSpPr>
+          <p:nvPr>
+            <p:ph type="title"/>
+          </p:nvPr>
+        </p:nvSpPr>
+        <p:spPr>
+          <a:xfrm>
+            <a:off x="671322" y="340122"/>
+            <a:ext cx="11039856" cy="1325562"/>
+          </a:xfrm>
+        </p:spPr>
+        <p:txBody>
+          <a:bodyPr/>
+          <a:lstStyle/>
+          <a:p>
+            <a:r>
+              <a:rPr lang="en-US" dirty="0">
+                <a:solidFill>
+                  <a:schemeClr val="bg1"/>
+                </a:solidFill>
+              </a:rPr>
+              <a:t>Limitations 		  		   Future Study</a:t>
+            </a:r>
+          </a:p>
+        </p:txBody>
+      </p:sp>
+      <p:sp>
+        <p:nvSpPr>
+          <p:cNvPr id="3" name="Content Placeholder 2">
+            <a:extLst>
+              <a:ext uri="{FF2B5EF4-FFF2-40B4-BE49-F238E27FC236}">
+                <a16:creationId xmlns:a16="http://schemas.microsoft.com/office/drawing/2014/main" id="{14EE1294-E387-1D70-EB19-A96D864D3EB5}"/>
+              </a:ext>
+            </a:extLst>
+          </p:cNvPr>
+          <p:cNvSpPr>
+            <a:spLocks noGrp="1"/>
+          </p:cNvSpPr>
+          <p:nvPr>
+            <p:ph sz="half" idx="1"/>
+          </p:nvPr>
+        </p:nvSpPr>
+        <p:spPr>
+          <a:xfrm>
+            <a:off x="671322" y="1872456"/>
+            <a:ext cx="4480560" cy="4351337"/>
+          </a:xfrm>
+        </p:spPr>
+        <p:txBody>
+          <a:bodyPr>
+            <a:normAutofit/>
+          </a:bodyPr>
+          <a:lstStyle/>
+          <a:p>
+            <a:pPr>
+              <a:buClr>
+                <a:schemeClr val="bg1"/>
+              </a:buClr>
+            </a:pPr>
+            <a:r>
+              <a:rPr lang="en-US" dirty="0">
+                <a:solidFill>
+                  <a:schemeClr val="bg1"/>
+                </a:solidFill>
+              </a:rPr>
+              <a:t>1x survey, no trends over time</a:t>
+            </a:r>
+          </a:p>
+          <a:p>
+            <a:pPr>
+              <a:buClr>
+                <a:schemeClr val="bg1"/>
+              </a:buClr>
+            </a:pPr>
+            <a:r>
+              <a:rPr lang="en-US" dirty="0">
+                <a:solidFill>
+                  <a:schemeClr val="bg1"/>
+                </a:solidFill>
+              </a:rPr>
+              <a:t>Subjective data, no parameters on how to rank mental health. Hard to establish relationships</a:t>
+            </a:r>
+          </a:p>
+          <a:p>
+            <a:pPr lvl="1">
+              <a:buClr>
+                <a:schemeClr val="bg1"/>
+              </a:buClr>
+            </a:pPr>
+            <a:r>
+              <a:rPr lang="en-US" dirty="0">
+                <a:solidFill>
+                  <a:schemeClr val="bg1"/>
+                </a:solidFill>
+              </a:rPr>
+              <a:t>Data largely came from the internet</a:t>
+            </a:r>
+          </a:p>
+          <a:p>
+            <a:pPr>
+              <a:buClr>
+                <a:schemeClr val="bg1"/>
+              </a:buClr>
+            </a:pPr>
+            <a:r>
+              <a:rPr lang="en-US" dirty="0">
+                <a:solidFill>
+                  <a:schemeClr val="bg1"/>
+                </a:solidFill>
+              </a:rPr>
+              <a:t>Source of BPM: Most common? Highest?</a:t>
+            </a:r>
+          </a:p>
+          <a:p>
+            <a:pPr lvl="1">
+              <a:buClr>
+                <a:schemeClr val="bg1"/>
+              </a:buClr>
+            </a:pPr>
+            <a:r>
+              <a:rPr lang="en-US" dirty="0">
+                <a:solidFill>
+                  <a:schemeClr val="bg1"/>
+                </a:solidFill>
+              </a:rPr>
+              <a:t>This section was optional</a:t>
+            </a:r>
+          </a:p>
+          <a:p>
+            <a:pPr>
+              <a:buClr>
+                <a:schemeClr val="bg1"/>
+              </a:buClr>
+            </a:pPr>
+            <a:r>
+              <a:rPr lang="en-US" dirty="0">
+                <a:solidFill>
+                  <a:schemeClr val="bg1"/>
+                </a:solidFill>
+              </a:rPr>
+              <a:t>Music effects</a:t>
+            </a:r>
+          </a:p>
+          <a:p>
+            <a:pPr lvl="1">
+              <a:buClr>
+                <a:schemeClr val="bg1"/>
+              </a:buClr>
+            </a:pPr>
+            <a:r>
+              <a:rPr lang="en-US" dirty="0">
+                <a:solidFill>
+                  <a:schemeClr val="bg1"/>
+                </a:solidFill>
+              </a:rPr>
+              <a:t>Improvement based on certain genres? Hours listened?</a:t>
+            </a:r>
+          </a:p>
+          <a:p>
+            <a:pPr lvl="1">
+              <a:buClr>
+                <a:schemeClr val="bg1"/>
+              </a:buClr>
+            </a:pPr>
+            <a:r>
+              <a:rPr lang="en-US" dirty="0">
+                <a:solidFill>
+                  <a:schemeClr val="bg1"/>
+                </a:solidFill>
+              </a:rPr>
+              <a:t>Which disorder(s) improved?</a:t>
+            </a:r>
+          </a:p>
+          <a:p>
+            <a:pPr marL="0" indent="0">
+              <a:buClr>
+                <a:schemeClr val="bg1"/>
+              </a:buClr>
+              <a:buNone/>
+            </a:pPr>
+            <a:endParaRPr lang="en-US" dirty="0">
+              <a:solidFill>
+                <a:schemeClr val="bg1"/>
+              </a:solidFill>
+            </a:endParaRPr>
+          </a:p>
+          <a:p>
+            <a:pPr>
+              <a:buClr>
+                <a:schemeClr val="bg1"/>
+              </a:buClr>
+            </a:pPr>
+            <a:endParaRPr lang="en-US" dirty="0">
+              <a:solidFill>
+                <a:schemeClr val="bg1"/>
+              </a:solidFill>
+            </a:endParaRPr>
+          </a:p>
+        </p:txBody>
+      </p:sp>
+      <p:sp>
+        <p:nvSpPr>
+          <p:cNvPr id="4" name="Content Placeholder 3">
+            <a:extLst>
+              <a:ext uri="{FF2B5EF4-FFF2-40B4-BE49-F238E27FC236}">
+                <a16:creationId xmlns:a16="http://schemas.microsoft.com/office/drawing/2014/main" id="{D97284FD-BDEB-958C-971E-88DE1442592A}"/>
+              </a:ext>
+            </a:extLst>
+          </p:cNvPr>
+          <p:cNvSpPr>
+            <a:spLocks noGrp="1"/>
+          </p:cNvSpPr>
+          <p:nvPr>
+            <p:ph sz="half" idx="2"/>
+          </p:nvPr>
+        </p:nvSpPr>
+        <p:spPr>
+          <a:xfrm>
+            <a:off x="7230618" y="1872456"/>
+            <a:ext cx="4480560" cy="4351337"/>
+          </a:xfrm>
+        </p:spPr>
+        <p:txBody>
+          <a:bodyPr>
+            <a:normAutofit/>
+          </a:bodyPr>
+          <a:lstStyle/>
+          <a:p>
+            <a:pPr>
+              <a:buClr>
+                <a:schemeClr val="bg1"/>
+              </a:buClr>
+            </a:pPr>
+            <a:r>
+              <a:rPr lang="en-US" dirty="0">
+                <a:solidFill>
+                  <a:schemeClr val="bg1"/>
+                </a:solidFill>
+              </a:rPr>
+              <a:t>Concentrate results to a specific geographic location</a:t>
+            </a:r>
+          </a:p>
+          <a:p>
+            <a:pPr lvl="1">
+              <a:buClr>
+                <a:schemeClr val="bg1"/>
+              </a:buClr>
+            </a:pPr>
+            <a:r>
+              <a:rPr lang="en-US" dirty="0">
+                <a:solidFill>
+                  <a:schemeClr val="bg1"/>
+                </a:solidFill>
+              </a:rPr>
+              <a:t>Compare to actual mental health stats for objective data</a:t>
+            </a:r>
+          </a:p>
+          <a:p>
+            <a:pPr>
+              <a:buClr>
+                <a:schemeClr val="bg1"/>
+              </a:buClr>
+            </a:pPr>
+            <a:endParaRPr lang="en-US" dirty="0">
+              <a:solidFill>
+                <a:schemeClr val="bg1"/>
+              </a:solidFill>
+            </a:endParaRPr>
+          </a:p>
+          <a:p>
+            <a:pPr>
+              <a:buClr>
+                <a:schemeClr val="bg1"/>
+              </a:buClr>
+            </a:pPr>
+            <a:r>
+              <a:rPr lang="en-US" dirty="0">
+                <a:solidFill>
+                  <a:schemeClr val="bg1"/>
+                </a:solidFill>
+              </a:rPr>
+              <a:t>Occupation of survey respondent</a:t>
+            </a:r>
+          </a:p>
+          <a:p>
+            <a:pPr lvl="1">
+              <a:buClr>
+                <a:schemeClr val="bg1"/>
+              </a:buClr>
+            </a:pPr>
+            <a:r>
+              <a:rPr lang="en-US" dirty="0">
+                <a:solidFill>
+                  <a:schemeClr val="bg1"/>
+                </a:solidFill>
+              </a:rPr>
+              <a:t>Influence hour listened/day</a:t>
+            </a:r>
+          </a:p>
+          <a:p>
+            <a:pPr lvl="1">
+              <a:buClr>
+                <a:schemeClr val="bg1"/>
+              </a:buClr>
+            </a:pPr>
+            <a:r>
+              <a:rPr lang="en-US" dirty="0">
+                <a:solidFill>
+                  <a:schemeClr val="bg1"/>
+                </a:solidFill>
+              </a:rPr>
+              <a:t>Listened during work or otherwise</a:t>
+            </a:r>
+          </a:p>
+          <a:p>
+            <a:pPr>
+              <a:buClr>
+                <a:schemeClr val="bg1"/>
+              </a:buClr>
+            </a:pPr>
+            <a:endParaRPr lang="en-US" dirty="0">
+              <a:solidFill>
+                <a:schemeClr val="bg1"/>
+              </a:solidFill>
+            </a:endParaRPr>
+          </a:p>
+          <a:p>
+            <a:pPr>
+              <a:buClr>
+                <a:schemeClr val="bg1"/>
+              </a:buClr>
+            </a:pPr>
+            <a:r>
+              <a:rPr lang="en-US" dirty="0">
+                <a:solidFill>
+                  <a:schemeClr val="bg1"/>
+                </a:solidFill>
+              </a:rPr>
+              <a:t>Include gender of respondent</a:t>
+            </a:r>
+          </a:p>
+          <a:p>
+            <a:pPr lvl="1">
+              <a:buClr>
+                <a:schemeClr val="bg1"/>
+              </a:buClr>
+            </a:pPr>
+            <a:r>
+              <a:rPr lang="en-US" dirty="0">
+                <a:solidFill>
+                  <a:schemeClr val="bg1"/>
+                </a:solidFill>
+              </a:rPr>
+              <a:t>More to compare</a:t>
+            </a:r>
+          </a:p>
+        </p:txBody>
+      </p:sp>
+      <p:pic>
+        <p:nvPicPr>
+          <p:cNvPr id="6" name="Picture 5" descr="A colorful tree with music notes&#10;&#10;Description automatically generated">
+            <a:extLst>
+              <a:ext uri="{FF2B5EF4-FFF2-40B4-BE49-F238E27FC236}">
+                <a16:creationId xmlns:a16="http://schemas.microsoft.com/office/drawing/2014/main" id="{9A2862CC-CB96-0828-F16C-C8722B439186}"/>
+              </a:ext>
+            </a:extLst>
+          </p:cNvPr>
+          <p:cNvPicPr>
+            <a:picLocks noChangeAspect="1"/>
+          </p:cNvPicPr>
+          <p:nvPr/>
+        </p:nvPicPr>
+        <p:blipFill rotWithShape="1">
+          <a:blip r:embed="rId2">
+            <a:extLst>
+              <a:ext uri="{28A0092B-C50C-407E-A947-70E740481C1C}">
+                <a14:useLocalDpi xmlns:a14="http://schemas.microsoft.com/office/drawing/2010/main" val="0"/>
+              </a:ext>
+            </a:extLst>
+          </a:blip>
+          <a:srcRect l="18000" t="26000" r="14000"/>
+          <a:stretch/>
+        </p:blipFill>
+        <p:spPr>
+          <a:xfrm>
+            <a:off x="4476750" y="786607"/>
+            <a:ext cx="3238500" cy="4351338"/>
+          </a:xfrm>
+          <a:prstGeom prst="rect">
+            <a:avLst/>
+          </a:prstGeom>
+        </p:spPr>
+      </p:pic>
+    </p:spTree>
+    <p:extLst>
+      <p:ext uri="{BB962C8B-B14F-4D97-AF65-F5344CB8AC3E}">
+        <p14:creationId xmlns:p14="http://schemas.microsoft.com/office/powerpoint/2010/main" val="2233030158"/>
+      </p:ext>
+    </p:extLst>
+  </p:cSld>
+  <p:clrMapOvr>
+    <a:masterClrMapping/>
+  </p:clrMapOvr>
+</p:sld>
+</file>
+
+<file path=ppt/slides/slide13.xml><?xml version="1.0" encoding="utf-8"?>
+<p:sld xmlns:a="http://schemas.openxmlformats.org/drawingml/2006/main" xmlns:r="http://schemas.openxmlformats.org/officeDocument/2006/relationships" xmlns:p="http://schemas.openxmlformats.org/presentationml/2006/main">
+  <p:cSld>
+    <p:spTree>
+      <p:nvGrpSpPr>
+        <p:cNvPr id="1" name=""/>
+        <p:cNvGrpSpPr/>
+        <p:nvPr/>
+      </p:nvGrpSpPr>
+      <p:grpSpPr>
+        <a:xfrm>
+          <a:off x="0" y="0"/>
+          <a:ext cx="0" cy="0"/>
+          <a:chOff x="0" y="0"/>
+          <a:chExt cx="0" cy="0"/>
+        </a:xfrm>
+      </p:grpSpPr>
+      <p:sp>
+        <p:nvSpPr>
+          <p:cNvPr id="2" name="Title 1">
+            <a:extLst>
+              <a:ext uri="{FF2B5EF4-FFF2-40B4-BE49-F238E27FC236}">
                 <a16:creationId xmlns:a16="http://schemas.microsoft.com/office/drawing/2014/main" id="{7FBB8666-0280-1E81-5E36-ABE9E70BF3EA}"/>
               </a:ext>
             </a:extLst>
@@ -4176,14 +5725,26 @@
                   </a:extLst>
                 </a:hlinkClick>
               </a:rPr>
-              <a:t>Music &amp; Mental Health Survey Results (kaggle.com</a:t>
-            </a:r>
+              <a:t>Music &amp; Mental Health Survey Results (kaggle.com)</a:t>
+            </a:r>
+            <a:endParaRPr lang="en-US" dirty="0">
+              <a:solidFill>
+                <a:schemeClr val="bg1"/>
+              </a:solidFill>
+            </a:endParaRPr>
+          </a:p>
+          <a:p>
+            <a:pPr>
+              <a:buClr>
+                <a:schemeClr val="bg1"/>
+              </a:buClr>
+            </a:pPr>
             <a:r>
               <a:rPr lang="en-US" dirty="0">
                 <a:solidFill>
-                  <a:srgbClr val="67AABF"/>
-                </a:solidFill>
-                <a:hlinkClick r:id="rId2">
+                  <a:schemeClr val="bg1"/>
+                </a:solidFill>
+                <a:hlinkClick r:id="rId3">
                   <a:extLst>
                     <a:ext uri="{A12FA001-AC4F-418D-AE19-62706E023703}">
                       <ahyp:hlinkClr xmlns:ahyp="http://schemas.microsoft.com/office/drawing/2018/hyperlinkcolor" val="tx"/>
@@ -4191,11 +5752,11 @@
                   </a:extLst>
                 </a:hlinkClick>
               </a:rPr>
-              <a:t>)</a:t>
+              <a:t>Obsessive-Compulsive Disorder (OCD) - Psychiatric Disorders - Merck Manual Professional Edition (merckmanuals.com)</a:t>
             </a:r>
             <a:endParaRPr lang="en-US" dirty="0">
               <a:solidFill>
-                <a:srgbClr val="67AABF"/>
+                <a:schemeClr val="bg1"/>
               </a:solidFill>
             </a:endParaRPr>
           </a:p>
@@ -4207,15 +5768,12 @@
             </a:pPr>
             <a:r>
               <a:rPr lang="en-US" dirty="0">
-                <a:hlinkClick r:id="rId3"/>
+                <a:solidFill>
+                  <a:schemeClr val="bg1"/>
+                </a:solidFill>
               </a:rPr>
-              <a:t>Obsessive-Compulsive Disorder (OCD) - Psychiatric Disorders - Merck Manual Professional Edition (merckmanuals.com)</a:t>
-            </a:r>
-            <a:endParaRPr lang="en-US" dirty="0">
-              <a:solidFill>
-                <a:srgbClr val="67AABF"/>
-              </a:solidFill>
-            </a:endParaRPr>
+              <a:t>Basic information regarding different music genres and mental health disorders: Wikipedia.com</a:t>
+            </a:r>
           </a:p>
           <a:p>
             <a:pPr>
@@ -4226,10 +5784,48 @@
             <a:r>
               <a:rPr lang="en-US" dirty="0">
                 <a:solidFill>
-                  <a:srgbClr val="67AABF"/>
+                  <a:schemeClr val="bg1"/>
                 </a:solidFill>
               </a:rPr>
-              <a:t>Basic information regarding different music genres and mental health disorders: Wikipedia.com</a:t>
+              <a:t>Data Analysis:</a:t>
+            </a:r>
+          </a:p>
+          <a:p>
+            <a:pPr lvl="1">
+              <a:buClr>
+                <a:schemeClr val="bg1"/>
+              </a:buClr>
+            </a:pPr>
+            <a:r>
+              <a:rPr lang="en-US" dirty="0">
+                <a:solidFill>
+                  <a:schemeClr val="bg1"/>
+                </a:solidFill>
+              </a:rPr>
+              <a:t>Matplotlib.org documentation</a:t>
+            </a:r>
+          </a:p>
+          <a:p>
+            <a:pPr lvl="1">
+              <a:buClr>
+                <a:schemeClr val="bg1"/>
+              </a:buClr>
+            </a:pPr>
+            <a:r>
+              <a:rPr lang="en-US" dirty="0" err="1">
+                <a:solidFill>
+                  <a:schemeClr val="bg1"/>
+                </a:solidFill>
+              </a:rPr>
+              <a:t>Xpert</a:t>
+            </a:r>
+            <a:r>
+              <a:rPr lang="en-US" dirty="0">
+                <a:solidFill>
+                  <a:schemeClr val="bg1"/>
+                </a:solidFill>
+              </a:rPr>
+              <a:t> learning AI</a:t>
             </a:r>
           </a:p>
           <a:p>
@@ -4241,37 +5837,29 @@
             <a:r>
               <a:rPr lang="en-US" dirty="0">
                 <a:solidFill>
-                  <a:srgbClr val="67AABF"/>
+                  <a:schemeClr val="bg1"/>
                 </a:solidFill>
               </a:rPr>
-              <a:t>Matplotlib.org documentation</a:t>
-            </a:r>
-          </a:p>
-          <a:p>
-            <a:pPr>
+              <a:t>Formatting:</a:t>
+            </a:r>
+          </a:p>
+          <a:p>
+            <a:pPr lvl="1">
               <a:buClr>
                 <a:schemeClr val="bg1"/>
               </a:buClr>
             </a:pPr>
             <a:r>
-              <a:rPr lang="en-US" dirty="0" err="1">
-                <a:solidFill>
-                  <a:srgbClr val="67AABF"/>
+              <a:rPr lang="en-US" dirty="0">
+                <a:solidFill>
+                  <a:schemeClr val="bg1"/>
                 </a:solidFill>
               </a:rPr>
-              <a:t>Xpert</a:t>
-            </a:r>
-            <a:r>
-              <a:rPr lang="en-US" dirty="0">
-                <a:solidFill>
-                  <a:srgbClr val="67AABF"/>
-                </a:solidFill>
-              </a:rPr>
-              <a:t> learning AI</a:t>
-            </a:r>
-          </a:p>
-          <a:p>
-            <a:pPr>
+              <a:t>Coolors.co</a:t>
+            </a:r>
+          </a:p>
+          <a:p>
+            <a:pPr lvl="1">
               <a:buClr>
                 <a:schemeClr val="bg1"/>
               </a:buClr>
@@ -4279,15 +5867,50 @@
             <a:r>
               <a:rPr lang="en-US" dirty="0">
                 <a:solidFill>
-                  <a:srgbClr val="67AABF"/>
+                  <a:schemeClr val="bg1"/>
                 </a:solidFill>
               </a:rPr>
-              <a:t>Coolors.co</a:t>
-            </a:r>
-            <a:endParaRPr lang="en-US" dirty="0"/>
-          </a:p>
-        </p:txBody>
-      </p:sp>
+              <a:t>https://www.remove.bg/upload</a:t>
+            </a:r>
+          </a:p>
+        </p:txBody>
+      </p:sp>
+      <p:pic>
+        <p:nvPicPr>
+          <p:cNvPr id="5" name="Picture 4" descr="A brain with musical notes&#10;&#10;Description automatically generated">
+            <a:extLst>
+              <a:ext uri="{FF2B5EF4-FFF2-40B4-BE49-F238E27FC236}">
+                <a16:creationId xmlns:a16="http://schemas.microsoft.com/office/drawing/2014/main" id="{73866A11-3BDD-3F74-007D-1CCF8FEF300E}"/>
+              </a:ext>
+            </a:extLst>
+          </p:cNvPr>
+          <p:cNvPicPr>
+            <a:picLocks noChangeAspect="1"/>
+          </p:cNvPicPr>
+          <p:nvPr/>
+        </p:nvPicPr>
+        <p:blipFill>
+          <a:blip r:embed="rId4">
+            <a:extLst>
+              <a:ext uri="{28A0092B-C50C-407E-A947-70E740481C1C}">
+                <a14:useLocalDpi xmlns:a14="http://schemas.microsoft.com/office/drawing/2010/main" val="0"/>
+              </a:ext>
+            </a:extLst>
+          </a:blip>
+          <a:stretch>
+            <a:fillRect/>
+          </a:stretch>
+        </p:blipFill>
+        <p:spPr>
+          <a:xfrm>
+            <a:off x="5867400" y="3803120"/>
+            <a:ext cx="4795837" cy="2689120"/>
+          </a:xfrm>
+          <a:prstGeom prst="rect">
+            <a:avLst/>
+          </a:prstGeom>
+        </p:spPr>
+      </p:pic>
     </p:spTree>
     <p:extLst>
       <p:ext uri="{BB962C8B-B14F-4D97-AF65-F5344CB8AC3E}">
@@ -4453,6 +6076,48 @@
             </a:r>
           </a:p>
           <a:p>
+            <a:pPr lvl="1">
+              <a:buClr>
+                <a:schemeClr val="bg1"/>
+              </a:buClr>
+            </a:pPr>
+            <a:r>
+              <a:rPr lang="en-US" dirty="0">
+                <a:solidFill>
+                  <a:schemeClr val="bg1"/>
+                </a:solidFill>
+              </a:rPr>
+              <a:t>Over 700 respondents</a:t>
+            </a:r>
+          </a:p>
+          <a:p>
+            <a:pPr lvl="1">
+              <a:buClr>
+                <a:schemeClr val="bg1"/>
+              </a:buClr>
+            </a:pPr>
+            <a:r>
+              <a:rPr lang="en-US" dirty="0">
+                <a:solidFill>
+                  <a:schemeClr val="bg1"/>
+                </a:solidFill>
+              </a:rPr>
+              <a:t>Included 16 music genres</a:t>
+            </a:r>
+          </a:p>
+          <a:p>
+            <a:pPr>
+              <a:buClr>
+                <a:schemeClr val="bg1"/>
+              </a:buClr>
+            </a:pPr>
+            <a:endParaRPr lang="en-US" dirty="0">
+              <a:solidFill>
+                <a:schemeClr val="bg1"/>
+              </a:solidFill>
+            </a:endParaRPr>
+          </a:p>
+          <a:p>
             <a:pPr>
               <a:buClr>
                 <a:schemeClr val="bg1"/>
@@ -4576,6 +6241,42 @@
           </a:p>
         </p:txBody>
       </p:sp>
+      <p:pic>
+        <p:nvPicPr>
+          <p:cNvPr id="10" name="Picture 9" descr="A colorful face with eyes closed&#10;&#10;Description automatically generated">
+            <a:extLst>
+              <a:ext uri="{FF2B5EF4-FFF2-40B4-BE49-F238E27FC236}">
+                <a16:creationId xmlns:a16="http://schemas.microsoft.com/office/drawing/2014/main" id="{532650CD-069A-DE10-5924-4337B207299E}"/>
+              </a:ext>
+            </a:extLst>
+          </p:cNvPr>
+          <p:cNvPicPr>
+            <a:picLocks noChangeAspect="1"/>
+          </p:cNvPicPr>
+          <p:nvPr/>
+        </p:nvPicPr>
+        <p:blipFill>
+          <a:blip r:embed="rId2">
+            <a:extLst>
+              <a:ext uri="{28A0092B-C50C-407E-A947-70E740481C1C}">
+                <a14:useLocalDpi xmlns:a14="http://schemas.microsoft.com/office/drawing/2010/main" val="0"/>
+              </a:ext>
+            </a:extLst>
+          </a:blip>
+          <a:stretch>
+            <a:fillRect/>
+          </a:stretch>
+        </p:blipFill>
+        <p:spPr>
+          <a:xfrm>
+            <a:off x="236221" y="2606040"/>
+            <a:ext cx="5829300" cy="3886200"/>
+          </a:xfrm>
+          <a:prstGeom prst="rect">
+            <a:avLst/>
+          </a:prstGeom>
+        </p:spPr>
+      </p:pic>
     </p:spTree>
     <p:extLst>
       <p:ext uri="{BB962C8B-B14F-4D97-AF65-F5344CB8AC3E}">
@@ -4625,52 +6326,58 @@
         <p:spPr/>
         <p:txBody>
           <a:bodyPr>
-            <a:normAutofit/>
+            <a:normAutofit fontScale="90000"/>
           </a:bodyPr>
           <a:lstStyle/>
           <a:p>
+            <a:pPr algn="ctr"/>
             <a:r>
               <a:rPr lang="en-US" sz="3000" dirty="0">
                 <a:solidFill>
                   <a:schemeClr val="bg1"/>
                 </a:solidFill>
               </a:rPr>
-              <a:t>Mental health disorders included in survey: Anxiety, Depression, Insomnia, &amp; OCD</a:t>
-            </a:r>
-          </a:p>
-        </p:txBody>
-      </p:sp>
-      <p:sp>
-        <p:nvSpPr>
-          <p:cNvPr id="4" name="Content Placeholder 3">
+              <a:t>Mental health disorders included in survey: </a:t>
+            </a:r>
+            <a:br>
+              <a:rPr lang="en-US" sz="3000" dirty="0">
+                <a:solidFill>
+                  <a:schemeClr val="bg1"/>
+                </a:solidFill>
+              </a:rPr>
+            </a:br>
+            <a:r>
+              <a:rPr lang="en-US" sz="3000" dirty="0">
+                <a:solidFill>
+                  <a:schemeClr val="bg1"/>
+                </a:solidFill>
+              </a:rPr>
+              <a:t>Anxiety, Depression, Insomnia, &amp; </a:t>
+            </a:r>
+            <a:br>
+              <a:rPr lang="en-US" sz="3000" dirty="0">
+                <a:solidFill>
+                  <a:schemeClr val="bg1"/>
+                </a:solidFill>
+              </a:rPr>
+            </a:br>
+            <a:r>
+              <a:rPr lang="en-US" sz="3000" dirty="0">
+                <a:solidFill>
+                  <a:schemeClr val="bg1"/>
+                </a:solidFill>
+              </a:rPr>
+              <a:t>Obsessive-Compulsive Disorder (OCD)</a:t>
+            </a:r>
+          </a:p>
+        </p:txBody>
+      </p:sp>
+      <p:pic>
+        <p:nvPicPr>
+          <p:cNvPr id="5" name="Content Placeholder 4" descr="A circle with different colored numbers&#10;&#10;Description automatically generated">
             <a:extLst>
               <a:ext uri="{FF2B5EF4-FFF2-40B4-BE49-F238E27FC236}">
-                <a16:creationId xmlns:a16="http://schemas.microsoft.com/office/drawing/2014/main" id="{5687958E-5D3B-CEC9-9BD5-29DF8C408F9C}"/>
-              </a:ext>
-            </a:extLst>
-          </p:cNvPr>
-          <p:cNvSpPr>
-            <a:spLocks noGrp="1"/>
-          </p:cNvSpPr>
-          <p:nvPr>
-            <p:ph sz="half" idx="2"/>
-          </p:nvPr>
-        </p:nvSpPr>
-        <p:spPr/>
-        <p:txBody>
-          <a:bodyPr/>
-          <a:lstStyle/>
-          <a:p>
-            <a:endParaRPr lang="en-US"/>
-          </a:p>
-        </p:txBody>
-      </p:sp>
-      <p:pic>
-        <p:nvPicPr>
-          <p:cNvPr id="6" name="Content Placeholder 5" descr="A pie chart with numbers and text&#10;&#10;Description automatically generated">
-            <a:extLst>
-              <a:ext uri="{FF2B5EF4-FFF2-40B4-BE49-F238E27FC236}">
-                <a16:creationId xmlns:a16="http://schemas.microsoft.com/office/drawing/2014/main" id="{5A046CF3-8885-AB17-B666-3E1CABBC0EDD}"/>
+                <a16:creationId xmlns:a16="http://schemas.microsoft.com/office/drawing/2014/main" id="{CECC49ED-E498-4344-A22C-81E458991C25}"/>
               </a:ext>
             </a:extLst>
           </p:cNvPr>
@@ -4678,7 +6385,7 @@
             <a:picLocks noGrp="1" noChangeAspect="1"/>
           </p:cNvPicPr>
           <p:nvPr>
-            <p:ph sz="half" idx="1"/>
+            <p:ph sz="half" idx="2"/>
           </p:nvPr>
         </p:nvPicPr>
         <p:blipFill>
@@ -4695,7 +6402,42 @@
         </p:blipFill>
         <p:spPr>
           <a:xfrm>
-            <a:off x="1262063" y="2025606"/>
+            <a:off x="5730505" y="2025605"/>
+            <a:ext cx="4841310" cy="3957725"/>
+          </a:xfrm>
+        </p:spPr>
+      </p:pic>
+      <p:pic>
+        <p:nvPicPr>
+          <p:cNvPr id="6" name="Content Placeholder 5" descr="A pie chart with numbers and text&#10;&#10;Description automatically generated">
+            <a:extLst>
+              <a:ext uri="{FF2B5EF4-FFF2-40B4-BE49-F238E27FC236}">
+                <a16:creationId xmlns:a16="http://schemas.microsoft.com/office/drawing/2014/main" id="{5A046CF3-8885-AB17-B666-3E1CABBC0EDD}"/>
+              </a:ext>
+            </a:extLst>
+          </p:cNvPr>
+          <p:cNvPicPr>
+            <a:picLocks noGrp="1" noChangeAspect="1"/>
+          </p:cNvPicPr>
+          <p:nvPr>
+            <p:ph sz="half" idx="1"/>
+          </p:nvPr>
+        </p:nvPicPr>
+        <p:blipFill>
+          <a:blip r:embed="rId3">
+            <a:extLst>
+              <a:ext uri="{28A0092B-C50C-407E-A947-70E740481C1C}">
+                <a14:useLocalDpi xmlns:a14="http://schemas.microsoft.com/office/drawing/2010/main" val="0"/>
+              </a:ext>
+            </a:extLst>
+          </a:blip>
+          <a:stretch>
+            <a:fillRect/>
+          </a:stretch>
+        </p:blipFill>
+        <p:spPr>
+          <a:xfrm>
+            <a:off x="900678" y="2025605"/>
             <a:ext cx="4479925" cy="3957725"/>
           </a:xfrm>
           <a:prstGeom prst="rect">
@@ -4755,13 +6497,18 @@
           <a:lstStyle/>
           <a:p>
             <a:r>
-              <a:rPr lang="en-US" dirty="0">
+              <a:rPr lang="en-US">
                 <a:solidFill>
                   <a:schemeClr val="bg1"/>
                 </a:solidFill>
               </a:rPr>
               <a:t>Data Cleaning</a:t>
             </a:r>
+            <a:endParaRPr lang="en-US" dirty="0">
+              <a:solidFill>
+                <a:schemeClr val="bg1"/>
+              </a:solidFill>
+            </a:endParaRPr>
           </a:p>
         </p:txBody>
       </p:sp>
@@ -4786,10 +6533,213 @@
           <a:bodyPr/>
           <a:lstStyle/>
           <a:p>
-            <a:endParaRPr lang="en-US" dirty="0"/>
-          </a:p>
-        </p:txBody>
-      </p:sp>
+            <a:pPr>
+              <a:buClr>
+                <a:schemeClr val="bg1"/>
+              </a:buClr>
+            </a:pPr>
+            <a:r>
+              <a:rPr lang="en-US">
+                <a:solidFill>
+                  <a:schemeClr val="bg1"/>
+                </a:solidFill>
+              </a:rPr>
+              <a:t>Info we did not use:</a:t>
+            </a:r>
+          </a:p>
+          <a:p>
+            <a:pPr lvl="1">
+              <a:buClr>
+                <a:schemeClr val="bg1"/>
+              </a:buClr>
+            </a:pPr>
+            <a:r>
+              <a:rPr lang="en-US">
+                <a:solidFill>
+                  <a:schemeClr val="bg1"/>
+                </a:solidFill>
+              </a:rPr>
+              <a:t>Primary streaming service</a:t>
+            </a:r>
+          </a:p>
+          <a:p>
+            <a:pPr lvl="1">
+              <a:buClr>
+                <a:schemeClr val="bg1"/>
+              </a:buClr>
+            </a:pPr>
+            <a:r>
+              <a:rPr lang="en-US">
+                <a:solidFill>
+                  <a:schemeClr val="bg1"/>
+                </a:solidFill>
+              </a:rPr>
+              <a:t>Whether or not the user listened while working</a:t>
+            </a:r>
+          </a:p>
+          <a:p>
+            <a:pPr lvl="1">
+              <a:buClr>
+                <a:schemeClr val="bg1"/>
+              </a:buClr>
+            </a:pPr>
+            <a:r>
+              <a:rPr lang="en-US">
+                <a:solidFill>
+                  <a:schemeClr val="bg1"/>
+                </a:solidFill>
+              </a:rPr>
+              <a:t>Instrumentalist vs Composer</a:t>
+            </a:r>
+          </a:p>
+          <a:p>
+            <a:pPr lvl="1">
+              <a:buClr>
+                <a:schemeClr val="bg1"/>
+              </a:buClr>
+            </a:pPr>
+            <a:r>
+              <a:rPr lang="en-US">
+                <a:solidFill>
+                  <a:schemeClr val="bg1"/>
+                </a:solidFill>
+              </a:rPr>
+              <a:t>If user spoke multiple languages</a:t>
+            </a:r>
+          </a:p>
+          <a:p>
+            <a:pPr>
+              <a:buClr>
+                <a:schemeClr val="bg1"/>
+              </a:buClr>
+            </a:pPr>
+            <a:r>
+              <a:rPr lang="en-US">
+                <a:solidFill>
+                  <a:schemeClr val="bg1"/>
+                </a:solidFill>
+              </a:rPr>
+              <a:t>Dropped unreliable data rows</a:t>
+            </a:r>
+          </a:p>
+          <a:p>
+            <a:pPr lvl="1">
+              <a:buClr>
+                <a:schemeClr val="bg1"/>
+              </a:buClr>
+            </a:pPr>
+            <a:r>
+              <a:rPr lang="en-US">
+                <a:solidFill>
+                  <a:schemeClr val="bg1"/>
+                </a:solidFill>
+              </a:rPr>
+              <a:t>“999999999.0” BPM</a:t>
+            </a:r>
+          </a:p>
+          <a:p>
+            <a:pPr lvl="1">
+              <a:buClr>
+                <a:schemeClr val="bg1"/>
+              </a:buClr>
+            </a:pPr>
+            <a:r>
+              <a:rPr lang="en-US">
+                <a:solidFill>
+                  <a:schemeClr val="bg1"/>
+                </a:solidFill>
+              </a:rPr>
+              <a:t>Listened 24 hours/day</a:t>
+            </a:r>
+          </a:p>
+          <a:p>
+            <a:pPr lvl="1">
+              <a:buClr>
+                <a:schemeClr val="bg1"/>
+              </a:buClr>
+            </a:pPr>
+            <a:r>
+              <a:rPr lang="en-US">
+                <a:solidFill>
+                  <a:schemeClr val="bg1"/>
+                </a:solidFill>
+              </a:rPr>
+              <a:t>Null values for Music Effects (Improved or Worsened MH)</a:t>
+            </a:r>
+          </a:p>
+          <a:p>
+            <a:pPr lvl="1">
+              <a:buClr>
+                <a:schemeClr val="bg1"/>
+              </a:buClr>
+            </a:pPr>
+            <a:r>
+              <a:rPr lang="en-US">
+                <a:solidFill>
+                  <a:schemeClr val="bg1"/>
+                </a:solidFill>
+              </a:rPr>
+              <a:t>Null values for Age</a:t>
+            </a:r>
+          </a:p>
+          <a:p>
+            <a:pPr>
+              <a:buClr>
+                <a:schemeClr val="bg1"/>
+              </a:buClr>
+            </a:pPr>
+            <a:r>
+              <a:rPr lang="en-US">
+                <a:solidFill>
+                  <a:schemeClr val="bg1"/>
+                </a:solidFill>
+              </a:rPr>
+              <a:t>Replaced string values in Frequency columns with integers for comparison</a:t>
+            </a:r>
+            <a:endParaRPr lang="en-US" dirty="0">
+              <a:solidFill>
+                <a:schemeClr val="bg1"/>
+              </a:solidFill>
+            </a:endParaRPr>
+          </a:p>
+        </p:txBody>
+      </p:sp>
+      <p:pic>
+        <p:nvPicPr>
+          <p:cNvPr id="6" name="Picture 5" descr="A silhouette of a person with musical notes in their brain&#10;&#10;Description automatically generated">
+            <a:extLst>
+              <a:ext uri="{FF2B5EF4-FFF2-40B4-BE49-F238E27FC236}">
+                <a16:creationId xmlns:a16="http://schemas.microsoft.com/office/drawing/2014/main" id="{4EB47DD9-E1AA-F201-8B18-65C47DBF73E1}"/>
+              </a:ext>
+            </a:extLst>
+          </p:cNvPr>
+          <p:cNvPicPr>
+            <a:picLocks noChangeAspect="1"/>
+          </p:cNvPicPr>
+          <p:nvPr/>
+        </p:nvPicPr>
+        <p:blipFill>
+          <a:blip r:embed="rId2">
+            <a:extLst>
+              <a:ext uri="{28A0092B-C50C-407E-A947-70E740481C1C}">
+                <a14:useLocalDpi xmlns:a14="http://schemas.microsoft.com/office/drawing/2010/main" val="0"/>
+              </a:ext>
+            </a:extLst>
+          </a:blip>
+          <a:stretch>
+            <a:fillRect/>
+          </a:stretch>
+        </p:blipFill>
+        <p:spPr>
+          <a:xfrm>
+            <a:off x="7061200" y="0"/>
+            <a:ext cx="3724275" cy="4804002"/>
+          </a:xfrm>
+          <a:prstGeom prst="rect">
+            <a:avLst/>
+          </a:prstGeom>
+        </p:spPr>
+      </p:pic>
     </p:spTree>
     <p:extLst>
       <p:ext uri="{BB962C8B-B14F-4D97-AF65-F5344CB8AC3E}">
@@ -5228,44 +7178,72 @@
         </p:nvSpPr>
         <p:spPr/>
         <p:txBody>
-          <a:bodyPr/>
+          <a:bodyPr>
+            <a:normAutofit fontScale="90000"/>
+          </a:bodyPr>
           <a:lstStyle/>
           <a:p>
-            <a:endParaRPr lang="en-US"/>
-          </a:p>
-        </p:txBody>
-      </p:sp>
-      <p:sp>
-        <p:nvSpPr>
-          <p:cNvPr id="3" name="Text Placeholder 2">
+            <a:pPr algn="ctr"/>
+            <a:r>
+              <a:rPr lang="en-US" sz="3100" dirty="0">
+                <a:solidFill>
+                  <a:schemeClr val="bg1"/>
+                </a:solidFill>
+              </a:rPr>
+              <a:t>Does the frequency of listening to different genres correlate with different mental health disorders?</a:t>
+            </a:r>
+            <a:br>
+              <a:rPr lang="en-US" dirty="0">
+                <a:solidFill>
+                  <a:schemeClr val="bg1"/>
+                </a:solidFill>
+              </a:rPr>
+            </a:br>
+            <a:endParaRPr lang="en-US" dirty="0"/>
+          </a:p>
+        </p:txBody>
+      </p:sp>
+      <p:pic>
+        <p:nvPicPr>
+          <p:cNvPr id="8" name="Content Placeholder 7" descr="A screenshot of a graph&#10;&#10;Description automatically generated">
             <a:extLst>
               <a:ext uri="{FF2B5EF4-FFF2-40B4-BE49-F238E27FC236}">
-                <a16:creationId xmlns:a16="http://schemas.microsoft.com/office/drawing/2014/main" id="{EE13F059-1E2F-8B20-AEFE-C38550D6AD72}"/>
+                <a16:creationId xmlns:a16="http://schemas.microsoft.com/office/drawing/2014/main" id="{1C3DC9D0-9000-3603-98C6-3042C63B4A18}"/>
               </a:ext>
             </a:extLst>
           </p:cNvPr>
-          <p:cNvSpPr>
-            <a:spLocks noGrp="1"/>
-          </p:cNvSpPr>
-          <p:nvPr>
-            <p:ph type="body" idx="1"/>
-          </p:nvPr>
-        </p:nvSpPr>
-        <p:spPr/>
-        <p:txBody>
-          <a:bodyPr/>
-          <a:lstStyle/>
-          <a:p>
-            <a:endParaRPr lang="en-US"/>
-          </a:p>
-        </p:txBody>
-      </p:sp>
-      <p:sp>
-        <p:nvSpPr>
-          <p:cNvPr id="4" name="Content Placeholder 3">
+          <p:cNvPicPr>
+            <a:picLocks noGrp="1" noChangeAspect="1"/>
+          </p:cNvPicPr>
+          <p:nvPr>
+            <p:ph sz="half" idx="2"/>
+          </p:nvPr>
+        </p:nvPicPr>
+        <p:blipFill>
+          <a:blip r:embed="rId3">
+            <a:extLst>
+              <a:ext uri="{28A0092B-C50C-407E-A947-70E740481C1C}">
+                <a14:useLocalDpi xmlns:a14="http://schemas.microsoft.com/office/drawing/2010/main" val="0"/>
+              </a:ext>
+            </a:extLst>
+          </a:blip>
+          <a:stretch>
+            <a:fillRect/>
+          </a:stretch>
+        </p:blipFill>
+        <p:spPr>
+          <a:xfrm>
+            <a:off x="1584960" y="1212077"/>
+            <a:ext cx="8808720" cy="4792556"/>
+          </a:xfrm>
+        </p:spPr>
+      </p:pic>
+      <p:sp>
+        <p:nvSpPr>
+          <p:cNvPr id="10" name="Text Placeholder 9">
             <a:extLst>
               <a:ext uri="{FF2B5EF4-FFF2-40B4-BE49-F238E27FC236}">
-                <a16:creationId xmlns:a16="http://schemas.microsoft.com/office/drawing/2014/main" id="{93ED8DCA-2A7D-6D70-15AA-842DD5853871}"/>
+                <a16:creationId xmlns:a16="http://schemas.microsoft.com/office/drawing/2014/main" id="{BF1D8E0E-23C5-104B-0CB1-B5C3EF44A005}"/>
               </a:ext>
             </a:extLst>
           </p:cNvPr>
@@ -5273,106 +7251,7 @@
             <a:spLocks noGrp="1"/>
           </p:cNvSpPr>
           <p:nvPr>
-            <p:ph sz="half" idx="2"/>
-          </p:nvPr>
-        </p:nvSpPr>
-        <p:spPr/>
-        <p:txBody>
-          <a:bodyPr/>
-          <a:lstStyle/>
-          <a:p>
-            <a:pPr>
-              <a:buClr>
-                <a:schemeClr val="bg1"/>
-              </a:buClr>
-            </a:pPr>
-            <a:r>
-              <a:rPr lang="en-US" dirty="0">
-                <a:solidFill>
-                  <a:schemeClr val="bg1"/>
-                </a:solidFill>
-              </a:rPr>
-              <a:t>Does the frequency of listening to different genres correlate with different mental health disorders?</a:t>
-            </a:r>
-          </a:p>
-          <a:p>
-            <a:pPr lvl="1">
-              <a:buClr>
-                <a:schemeClr val="bg1"/>
-              </a:buClr>
-              <a:buFont typeface="Arial" panose="020B0604020202020204" pitchFamily="34" charset="0"/>
-              <a:buChar char="•"/>
-            </a:pPr>
-            <a:r>
-              <a:rPr lang="en-US" dirty="0">
-                <a:solidFill>
-                  <a:schemeClr val="bg1"/>
-                </a:solidFill>
-              </a:rPr>
-              <a:t>Highest mental illness in listeners of Rock and Pop by frequency, but favorites are Rock, Pop, and Metal</a:t>
-            </a:r>
-          </a:p>
-          <a:p>
-            <a:pPr lvl="1">
-              <a:buClr>
-                <a:schemeClr val="bg1"/>
-              </a:buClr>
-              <a:buFont typeface="Arial" panose="020B0604020202020204" pitchFamily="34" charset="0"/>
-              <a:buChar char="•"/>
-            </a:pPr>
-            <a:r>
-              <a:rPr lang="en-US" dirty="0">
-                <a:solidFill>
-                  <a:schemeClr val="bg1"/>
-                </a:solidFill>
-              </a:rPr>
-              <a:t>BPM is hardly related to disorder</a:t>
-            </a:r>
-          </a:p>
-          <a:p>
-            <a:endParaRPr lang="en-US" dirty="0"/>
-          </a:p>
-        </p:txBody>
-      </p:sp>
-      <p:sp>
-        <p:nvSpPr>
-          <p:cNvPr id="5" name="Text Placeholder 4">
-            <a:extLst>
-              <a:ext uri="{FF2B5EF4-FFF2-40B4-BE49-F238E27FC236}">
-                <a16:creationId xmlns:a16="http://schemas.microsoft.com/office/drawing/2014/main" id="{F23F26A8-5806-0415-8D45-3467489B4203}"/>
-              </a:ext>
-            </a:extLst>
-          </p:cNvPr>
-          <p:cNvSpPr>
-            <a:spLocks noGrp="1"/>
-          </p:cNvSpPr>
-          <p:nvPr>
-            <p:ph type="body" sz="quarter" idx="3"/>
-          </p:nvPr>
-        </p:nvSpPr>
-        <p:spPr/>
-        <p:txBody>
-          <a:bodyPr/>
-          <a:lstStyle/>
-          <a:p>
-            <a:endParaRPr lang="en-US"/>
-          </a:p>
-        </p:txBody>
-      </p:sp>
-      <p:sp>
-        <p:nvSpPr>
-          <p:cNvPr id="6" name="Content Placeholder 5">
-            <a:extLst>
-              <a:ext uri="{FF2B5EF4-FFF2-40B4-BE49-F238E27FC236}">
-                <a16:creationId xmlns:a16="http://schemas.microsoft.com/office/drawing/2014/main" id="{C668AD19-E4F7-6633-C18C-9032F1688ABE}"/>
-              </a:ext>
-            </a:extLst>
-          </p:cNvPr>
-          <p:cNvSpPr>
-            <a:spLocks noGrp="1"/>
-          </p:cNvSpPr>
-          <p:nvPr>
-            <p:ph sz="quarter" idx="4"/>
+            <p:ph type="body" idx="1"/>
           </p:nvPr>
         </p:nvSpPr>
         <p:spPr/>
@@ -5387,7 +7266,7 @@
     </p:spTree>
     <p:extLst>
       <p:ext uri="{BB962C8B-B14F-4D97-AF65-F5344CB8AC3E}">
-        <p14:creationId xmlns:p14="http://schemas.microsoft.com/office/powerpoint/2010/main" val="2929728545"/>
+        <p14:creationId xmlns:p14="http://schemas.microsoft.com/office/powerpoint/2010/main" val="897189030"/>
       </p:ext>
     </p:extLst>
   </p:cSld>
@@ -5419,7 +7298,7 @@
           <p:cNvPr id="2" name="Title 1">
             <a:extLst>
               <a:ext uri="{FF2B5EF4-FFF2-40B4-BE49-F238E27FC236}">
-                <a16:creationId xmlns:a16="http://schemas.microsoft.com/office/drawing/2014/main" id="{C310B0FD-F16F-E2D3-5E3E-A41BEEBFF686}"/>
+                <a16:creationId xmlns:a16="http://schemas.microsoft.com/office/drawing/2014/main" id="{3F6381AE-801E-D99C-44CC-3278F3A44F9D}"/>
               </a:ext>
             </a:extLst>
           </p:cNvPr>
@@ -5432,133 +7311,469 @@
         </p:nvSpPr>
         <p:spPr/>
         <p:txBody>
-          <a:bodyPr/>
+          <a:bodyPr>
+            <a:normAutofit fontScale="90000"/>
+          </a:bodyPr>
           <a:lstStyle/>
           <a:p>
-            <a:endParaRPr lang="en-US"/>
-          </a:p>
-        </p:txBody>
-      </p:sp>
-      <p:sp>
-        <p:nvSpPr>
-          <p:cNvPr id="3" name="Content Placeholder 2">
+            <a:pPr algn="ctr"/>
+            <a:r>
+              <a:rPr lang="en-US" sz="3100" dirty="0">
+                <a:solidFill>
+                  <a:schemeClr val="bg1"/>
+                </a:solidFill>
+              </a:rPr>
+              <a:t>Does the frequency of listening to different genres correlate with different mental health disorders?</a:t>
+            </a:r>
+            <a:br>
+              <a:rPr lang="en-US" dirty="0">
+                <a:solidFill>
+                  <a:schemeClr val="bg1"/>
+                </a:solidFill>
+              </a:rPr>
+            </a:br>
+            <a:endParaRPr lang="en-US" dirty="0"/>
+          </a:p>
+        </p:txBody>
+      </p:sp>
+      <p:pic>
+        <p:nvPicPr>
+          <p:cNvPr id="8" name="Content Placeholder 7" descr="A screenshot of a graph&#10;&#10;Description automatically generated">
             <a:extLst>
               <a:ext uri="{FF2B5EF4-FFF2-40B4-BE49-F238E27FC236}">
-                <a16:creationId xmlns:a16="http://schemas.microsoft.com/office/drawing/2014/main" id="{EE2ACB71-0271-AFD8-4F31-A072B7DABF0B}"/>
+                <a16:creationId xmlns:a16="http://schemas.microsoft.com/office/drawing/2014/main" id="{1C3DC9D0-9000-3603-98C6-3042C63B4A18}"/>
               </a:ext>
             </a:extLst>
           </p:cNvPr>
-          <p:cNvSpPr>
-            <a:spLocks noGrp="1"/>
-          </p:cNvSpPr>
-          <p:nvPr>
-            <p:ph sz="half" idx="1"/>
-          </p:nvPr>
-        </p:nvSpPr>
-        <p:spPr/>
-        <p:txBody>
-          <a:bodyPr/>
-          <a:lstStyle/>
-          <a:p>
-            <a:pPr>
-              <a:buClr>
-                <a:schemeClr val="bg1"/>
-              </a:buClr>
-            </a:pPr>
-            <a:r>
-              <a:rPr lang="en-US" dirty="0">
-                <a:solidFill>
-                  <a:schemeClr val="bg1"/>
-                </a:solidFill>
-              </a:rPr>
-              <a:t>Music effects vs fav genre</a:t>
-            </a:r>
-          </a:p>
-          <a:p>
-            <a:pPr lvl="1">
-              <a:buClr>
-                <a:schemeClr val="bg1"/>
-              </a:buClr>
-              <a:buFont typeface="Arial" panose="020B0604020202020204" pitchFamily="34" charset="0"/>
-              <a:buChar char="•"/>
-            </a:pPr>
-            <a:r>
-              <a:rPr lang="en-US" dirty="0">
-                <a:solidFill>
-                  <a:schemeClr val="bg1"/>
-                </a:solidFill>
-              </a:rPr>
-              <a:t>Genres with best effects:</a:t>
-            </a:r>
-          </a:p>
-          <a:p>
-            <a:pPr lvl="1">
-              <a:buClr>
-                <a:schemeClr val="bg1"/>
-              </a:buClr>
-              <a:buFont typeface="Arial" panose="020B0604020202020204" pitchFamily="34" charset="0"/>
-              <a:buChar char="•"/>
-            </a:pPr>
-            <a:r>
-              <a:rPr lang="en-US" dirty="0">
-                <a:solidFill>
-                  <a:schemeClr val="bg1"/>
-                </a:solidFill>
-              </a:rPr>
-              <a:t>Listening time vs improvement</a:t>
-            </a:r>
-          </a:p>
-          <a:p>
-            <a:pPr lvl="2">
-              <a:buClr>
-                <a:schemeClr val="bg1"/>
-              </a:buClr>
-              <a:buFont typeface="Arial" panose="020B0604020202020204" pitchFamily="34" charset="0"/>
-              <a:buChar char="•"/>
-            </a:pPr>
-            <a:r>
-              <a:rPr lang="en-US" dirty="0">
-                <a:solidFill>
-                  <a:schemeClr val="bg1"/>
-                </a:solidFill>
-              </a:rPr>
-              <a:t>Best listening time for mental health: 4-5 hours/day</a:t>
-            </a:r>
-          </a:p>
-          <a:p>
-            <a:endParaRPr lang="en-US" dirty="0"/>
-          </a:p>
-        </p:txBody>
-      </p:sp>
-      <p:sp>
-        <p:nvSpPr>
-          <p:cNvPr id="4" name="Content Placeholder 3">
+          <p:cNvPicPr>
+            <a:picLocks noGrp="1" noChangeAspect="1"/>
+          </p:cNvPicPr>
+          <p:nvPr>
+            <p:ph sz="half" idx="2"/>
+          </p:nvPr>
+        </p:nvPicPr>
+        <p:blipFill>
+          <a:blip r:embed="rId3">
+            <a:extLst>
+              <a:ext uri="{28A0092B-C50C-407E-A947-70E740481C1C}">
+                <a14:useLocalDpi xmlns:a14="http://schemas.microsoft.com/office/drawing/2010/main" val="0"/>
+              </a:ext>
+            </a:extLst>
+          </a:blip>
+          <a:stretch>
+            <a:fillRect/>
+          </a:stretch>
+        </p:blipFill>
+        <p:spPr>
+          <a:xfrm>
+            <a:off x="133571" y="2507551"/>
+            <a:ext cx="5608418" cy="3051370"/>
+          </a:xfrm>
+        </p:spPr>
+      </p:pic>
+      <p:pic>
+        <p:nvPicPr>
+          <p:cNvPr id="12" name="Content Placeholder 11" descr="A screenshot of a computer&#10;&#10;Description automatically generated">
             <a:extLst>
               <a:ext uri="{FF2B5EF4-FFF2-40B4-BE49-F238E27FC236}">
-                <a16:creationId xmlns:a16="http://schemas.microsoft.com/office/drawing/2014/main" id="{A111CA42-75BB-8281-92E4-057C626FFD5B}"/>
+                <a16:creationId xmlns:a16="http://schemas.microsoft.com/office/drawing/2014/main" id="{68E6AD1F-4128-02E7-3AB1-C507253DBFC0}"/>
               </a:ext>
             </a:extLst>
           </p:cNvPr>
-          <p:cNvSpPr>
-            <a:spLocks noGrp="1"/>
-          </p:cNvSpPr>
-          <p:nvPr>
-            <p:ph sz="half" idx="2"/>
-          </p:nvPr>
-        </p:nvSpPr>
-        <p:spPr/>
-        <p:txBody>
-          <a:bodyPr/>
+          <p:cNvPicPr>
+            <a:picLocks noGrp="1" noChangeAspect="1"/>
+          </p:cNvPicPr>
+          <p:nvPr>
+            <p:ph sz="quarter" idx="4"/>
+          </p:nvPr>
+        </p:nvPicPr>
+        <p:blipFill>
+          <a:blip r:embed="rId4">
+            <a:extLst>
+              <a:ext uri="{28A0092B-C50C-407E-A947-70E740481C1C}">
+                <a14:useLocalDpi xmlns:a14="http://schemas.microsoft.com/office/drawing/2010/main" val="0"/>
+              </a:ext>
+            </a:extLst>
+          </a:blip>
+          <a:stretch>
+            <a:fillRect/>
+          </a:stretch>
+        </p:blipFill>
+        <p:spPr>
+          <a:xfrm>
+            <a:off x="6126162" y="2467508"/>
+            <a:ext cx="5682811" cy="3091844"/>
+          </a:xfrm>
+        </p:spPr>
+      </p:pic>
+      <p:sp>
+        <p:nvSpPr>
+          <p:cNvPr id="10" name="Text Placeholder 9">
+            <a:extLst>
+              <a:ext uri="{FF2B5EF4-FFF2-40B4-BE49-F238E27FC236}">
+                <a16:creationId xmlns:a16="http://schemas.microsoft.com/office/drawing/2014/main" id="{90EDFFEC-C77B-8FA0-AA6D-D6C80FFFF8E8}"/>
+              </a:ext>
+            </a:extLst>
+          </p:cNvPr>
+          <p:cNvSpPr>
+            <a:spLocks noGrp="1"/>
+          </p:cNvSpPr>
+          <p:nvPr>
+            <p:ph type="body" idx="1"/>
+          </p:nvPr>
+        </p:nvSpPr>
+        <p:spPr>
+          <a:xfrm>
+            <a:off x="697500" y="1438204"/>
+            <a:ext cx="4480560" cy="731520"/>
+          </a:xfrm>
+        </p:spPr>
+        <p:txBody>
+          <a:bodyPr>
+            <a:normAutofit/>
+          </a:bodyPr>
           <a:lstStyle/>
           <a:p>
-            <a:endParaRPr lang="en-US"/>
+            <a:r>
+              <a:rPr lang="en-US" sz="2400" dirty="0">
+                <a:solidFill>
+                  <a:schemeClr val="bg1"/>
+                </a:solidFill>
+              </a:rPr>
+              <a:t>Actual frequency of listening</a:t>
+            </a:r>
+          </a:p>
+        </p:txBody>
+      </p:sp>
+      <p:sp>
+        <p:nvSpPr>
+          <p:cNvPr id="14" name="Text Placeholder 13">
+            <a:extLst>
+              <a:ext uri="{FF2B5EF4-FFF2-40B4-BE49-F238E27FC236}">
+                <a16:creationId xmlns:a16="http://schemas.microsoft.com/office/drawing/2014/main" id="{BF3BDF0A-00BC-8B79-FF5F-A0A8818C97E4}"/>
+              </a:ext>
+            </a:extLst>
+          </p:cNvPr>
+          <p:cNvSpPr>
+            <a:spLocks noGrp="1"/>
+          </p:cNvSpPr>
+          <p:nvPr>
+            <p:ph type="body" sz="quarter" idx="3"/>
+          </p:nvPr>
+        </p:nvSpPr>
+        <p:spPr>
+          <a:xfrm>
+            <a:off x="6449568" y="1367916"/>
+            <a:ext cx="4480560" cy="731520"/>
+          </a:xfrm>
+        </p:spPr>
+        <p:txBody>
+          <a:bodyPr>
+            <a:normAutofit/>
+          </a:bodyPr>
+          <a:lstStyle/>
+          <a:p>
+            <a:pPr algn="ctr"/>
+            <a:r>
+              <a:rPr lang="en-US" sz="2400" dirty="0">
+                <a:solidFill>
+                  <a:schemeClr val="bg1"/>
+                </a:solidFill>
+              </a:rPr>
+              <a:t>Favorite genres</a:t>
+            </a:r>
+          </a:p>
+        </p:txBody>
+      </p:sp>
+      <p:sp>
+        <p:nvSpPr>
+          <p:cNvPr id="15" name="Text Placeholder 2">
+            <a:extLst>
+              <a:ext uri="{FF2B5EF4-FFF2-40B4-BE49-F238E27FC236}">
+                <a16:creationId xmlns:a16="http://schemas.microsoft.com/office/drawing/2014/main" id="{EE13F059-1E2F-8B20-AEFE-C38550D6AD72}"/>
+              </a:ext>
+            </a:extLst>
+          </p:cNvPr>
+          <p:cNvSpPr txBox="1">
+            <a:spLocks/>
+          </p:cNvSpPr>
+          <p:nvPr/>
+        </p:nvSpPr>
+        <p:spPr>
+          <a:xfrm>
+            <a:off x="334518" y="6234575"/>
+            <a:ext cx="11522964" cy="731520"/>
+          </a:xfrm>
+          <a:prstGeom prst="rect">
+            <a:avLst/>
+          </a:prstGeom>
+        </p:spPr>
+        <p:txBody>
+          <a:bodyPr vert="horz" lIns="91440" tIns="45720" rIns="91440" bIns="45720" rtlCol="0" anchor="b">
+            <a:normAutofit/>
+          </a:bodyPr>
+          <a:lstStyle>
+            <a:lvl1pPr marL="0" indent="0" algn="l" defTabSz="914400" rtl="0" eaLnBrk="1" latinLnBrk="0" hangingPunct="1">
+              <a:lnSpc>
+                <a:spcPct val="95000"/>
+              </a:lnSpc>
+              <a:spcBef>
+                <a:spcPts val="0"/>
+              </a:spcBef>
+              <a:spcAft>
+                <a:spcPts val="200"/>
+              </a:spcAft>
+              <a:buClr>
+                <a:schemeClr val="accent1"/>
+              </a:buClr>
+              <a:buSzPct val="80000"/>
+              <a:buFont typeface="Arial" pitchFamily="34" charset="0"/>
+              <a:buNone/>
+              <a:defRPr sz="2000" b="0" kern="1200" spc="10" baseline="0">
+                <a:solidFill>
+                  <a:schemeClr val="tx2"/>
+                </a:solidFill>
+                <a:latin typeface="+mn-lt"/>
+                <a:ea typeface="+mn-ea"/>
+                <a:cs typeface="+mn-cs"/>
+              </a:defRPr>
+            </a:lvl1pPr>
+            <a:lvl2pPr marL="457200" indent="0" algn="l" defTabSz="914400" rtl="0" eaLnBrk="1" latinLnBrk="0" hangingPunct="1">
+              <a:lnSpc>
+                <a:spcPct val="90000"/>
+              </a:lnSpc>
+              <a:spcBef>
+                <a:spcPts val="300"/>
+              </a:spcBef>
+              <a:spcAft>
+                <a:spcPts val="300"/>
+              </a:spcAft>
+              <a:buClr>
+                <a:schemeClr val="accent1"/>
+              </a:buClr>
+              <a:buFont typeface="Wingdings 2" pitchFamily="18" charset="2"/>
+              <a:buNone/>
+              <a:defRPr sz="2000" b="1" kern="1200">
+                <a:solidFill>
+                  <a:schemeClr val="tx1">
+                    <a:lumMod val="85000"/>
+                    <a:lumOff val="15000"/>
+                  </a:schemeClr>
+                </a:solidFill>
+                <a:latin typeface="+mn-lt"/>
+                <a:ea typeface="+mn-ea"/>
+                <a:cs typeface="+mn-cs"/>
+              </a:defRPr>
+            </a:lvl2pPr>
+            <a:lvl3pPr marL="914400" indent="0" algn="l" defTabSz="914400" rtl="0" eaLnBrk="1" latinLnBrk="0" hangingPunct="1">
+              <a:lnSpc>
+                <a:spcPct val="90000"/>
+              </a:lnSpc>
+              <a:spcBef>
+                <a:spcPts val="300"/>
+              </a:spcBef>
+              <a:spcAft>
+                <a:spcPts val="300"/>
+              </a:spcAft>
+              <a:buClr>
+                <a:schemeClr val="accent1"/>
+              </a:buClr>
+              <a:buFont typeface="Wingdings 2" pitchFamily="18" charset="2"/>
+              <a:buNone/>
+              <a:defRPr sz="1800" b="1" kern="1200">
+                <a:solidFill>
+                  <a:schemeClr val="tx1">
+                    <a:lumMod val="85000"/>
+                    <a:lumOff val="15000"/>
+                  </a:schemeClr>
+                </a:solidFill>
+                <a:latin typeface="+mn-lt"/>
+                <a:ea typeface="+mn-ea"/>
+                <a:cs typeface="+mn-cs"/>
+              </a:defRPr>
+            </a:lvl3pPr>
+            <a:lvl4pPr marL="1371600" indent="0" algn="l" defTabSz="914400" rtl="0" eaLnBrk="1" latinLnBrk="0" hangingPunct="1">
+              <a:lnSpc>
+                <a:spcPct val="90000"/>
+              </a:lnSpc>
+              <a:spcBef>
+                <a:spcPts val="300"/>
+              </a:spcBef>
+              <a:spcAft>
+                <a:spcPts val="300"/>
+              </a:spcAft>
+              <a:buClr>
+                <a:schemeClr val="accent1"/>
+              </a:buClr>
+              <a:buFont typeface="Wingdings 2" pitchFamily="18" charset="2"/>
+              <a:buNone/>
+              <a:defRPr sz="1600" b="1" kern="1200">
+                <a:solidFill>
+                  <a:schemeClr val="tx1">
+                    <a:lumMod val="85000"/>
+                    <a:lumOff val="15000"/>
+                  </a:schemeClr>
+                </a:solidFill>
+                <a:latin typeface="+mn-lt"/>
+                <a:ea typeface="+mn-ea"/>
+                <a:cs typeface="+mn-cs"/>
+              </a:defRPr>
+            </a:lvl4pPr>
+            <a:lvl5pPr marL="1828800" indent="0" algn="l" defTabSz="914400" rtl="0" eaLnBrk="1" latinLnBrk="0" hangingPunct="1">
+              <a:lnSpc>
+                <a:spcPct val="90000"/>
+              </a:lnSpc>
+              <a:spcBef>
+                <a:spcPts val="300"/>
+              </a:spcBef>
+              <a:spcAft>
+                <a:spcPts val="300"/>
+              </a:spcAft>
+              <a:buClr>
+                <a:schemeClr val="accent1"/>
+              </a:buClr>
+              <a:buFont typeface="Wingdings 2" pitchFamily="18" charset="2"/>
+              <a:buNone/>
+              <a:defRPr sz="1600" b="1" kern="1200">
+                <a:solidFill>
+                  <a:schemeClr val="tx1">
+                    <a:lumMod val="85000"/>
+                    <a:lumOff val="15000"/>
+                  </a:schemeClr>
+                </a:solidFill>
+                <a:latin typeface="+mn-lt"/>
+                <a:ea typeface="+mn-ea"/>
+                <a:cs typeface="+mn-cs"/>
+              </a:defRPr>
+            </a:lvl5pPr>
+            <a:lvl6pPr marL="2286000" indent="0" algn="l" defTabSz="914400" rtl="0" eaLnBrk="1" latinLnBrk="0" hangingPunct="1">
+              <a:lnSpc>
+                <a:spcPct val="90000"/>
+              </a:lnSpc>
+              <a:spcBef>
+                <a:spcPts val="300"/>
+              </a:spcBef>
+              <a:spcAft>
+                <a:spcPts val="300"/>
+              </a:spcAft>
+              <a:buClr>
+                <a:schemeClr val="accent1"/>
+              </a:buClr>
+              <a:buFont typeface="Wingdings 2" pitchFamily="18" charset="2"/>
+              <a:buNone/>
+              <a:defRPr sz="1600" b="1" kern="1200">
+                <a:solidFill>
+                  <a:schemeClr val="tx1">
+                    <a:lumMod val="85000"/>
+                    <a:lumOff val="15000"/>
+                  </a:schemeClr>
+                </a:solidFill>
+                <a:latin typeface="+mn-lt"/>
+                <a:ea typeface="+mn-ea"/>
+                <a:cs typeface="+mn-cs"/>
+              </a:defRPr>
+            </a:lvl6pPr>
+            <a:lvl7pPr marL="2743200" indent="0" algn="l" defTabSz="914400" rtl="0" eaLnBrk="1" latinLnBrk="0" hangingPunct="1">
+              <a:lnSpc>
+                <a:spcPct val="90000"/>
+              </a:lnSpc>
+              <a:spcBef>
+                <a:spcPts val="300"/>
+              </a:spcBef>
+              <a:spcAft>
+                <a:spcPts val="300"/>
+              </a:spcAft>
+              <a:buClr>
+                <a:schemeClr val="accent1"/>
+              </a:buClr>
+              <a:buFont typeface="Wingdings 2" pitchFamily="18" charset="2"/>
+              <a:buNone/>
+              <a:defRPr sz="1600" b="1" kern="1200">
+                <a:solidFill>
+                  <a:schemeClr val="tx1">
+                    <a:lumMod val="85000"/>
+                    <a:lumOff val="15000"/>
+                  </a:schemeClr>
+                </a:solidFill>
+                <a:latin typeface="+mn-lt"/>
+                <a:ea typeface="+mn-ea"/>
+                <a:cs typeface="+mn-cs"/>
+              </a:defRPr>
+            </a:lvl7pPr>
+            <a:lvl8pPr marL="3200400" indent="0" algn="l" defTabSz="914400" rtl="0" eaLnBrk="1" latinLnBrk="0" hangingPunct="1">
+              <a:lnSpc>
+                <a:spcPct val="90000"/>
+              </a:lnSpc>
+              <a:spcBef>
+                <a:spcPts val="300"/>
+              </a:spcBef>
+              <a:spcAft>
+                <a:spcPts val="300"/>
+              </a:spcAft>
+              <a:buClr>
+                <a:schemeClr val="accent1"/>
+              </a:buClr>
+              <a:buFont typeface="Wingdings 2" pitchFamily="18" charset="2"/>
+              <a:buNone/>
+              <a:defRPr sz="1600" b="1" kern="1200">
+                <a:solidFill>
+                  <a:schemeClr val="tx1">
+                    <a:lumMod val="85000"/>
+                    <a:lumOff val="15000"/>
+                  </a:schemeClr>
+                </a:solidFill>
+                <a:latin typeface="+mn-lt"/>
+                <a:ea typeface="+mn-ea"/>
+                <a:cs typeface="+mn-cs"/>
+              </a:defRPr>
+            </a:lvl8pPr>
+            <a:lvl9pPr marL="3657600" indent="0" algn="l" defTabSz="914400" rtl="0" eaLnBrk="1" latinLnBrk="0" hangingPunct="1">
+              <a:lnSpc>
+                <a:spcPct val="90000"/>
+              </a:lnSpc>
+              <a:spcBef>
+                <a:spcPts val="300"/>
+              </a:spcBef>
+              <a:spcAft>
+                <a:spcPts val="300"/>
+              </a:spcAft>
+              <a:buClr>
+                <a:schemeClr val="accent1"/>
+              </a:buClr>
+              <a:buFont typeface="Wingdings 2" pitchFamily="18" charset="2"/>
+              <a:buNone/>
+              <a:defRPr sz="1600" b="1" kern="1200">
+                <a:solidFill>
+                  <a:schemeClr val="tx1">
+                    <a:lumMod val="85000"/>
+                    <a:lumOff val="15000"/>
+                  </a:schemeClr>
+                </a:solidFill>
+                <a:latin typeface="+mn-lt"/>
+                <a:ea typeface="+mn-ea"/>
+                <a:cs typeface="+mn-cs"/>
+              </a:defRPr>
+            </a:lvl9pPr>
+          </a:lstStyle>
+          <a:p>
+            <a:r>
+              <a:rPr lang="en-US" sz="1800">
+                <a:solidFill>
+                  <a:schemeClr val="bg1"/>
+                </a:solidFill>
+              </a:rPr>
+              <a:t>Highest mental illness in listeners of Rock and Pop by frequency, but favorites are Rock, Pop, and Metal</a:t>
+            </a:r>
+          </a:p>
+          <a:p>
+            <a:endParaRPr lang="en-US" dirty="0"/>
           </a:p>
         </p:txBody>
       </p:sp>
     </p:spTree>
     <p:extLst>
       <p:ext uri="{BB962C8B-B14F-4D97-AF65-F5344CB8AC3E}">
-        <p14:creationId xmlns:p14="http://schemas.microsoft.com/office/powerpoint/2010/main" val="3488931604"/>
+        <p14:creationId xmlns:p14="http://schemas.microsoft.com/office/powerpoint/2010/main" val="2929728545"/>
       </p:ext>
     </p:extLst>
   </p:cSld>
@@ -5590,7 +7805,7 @@
           <p:cNvPr id="2" name="Title 1">
             <a:extLst>
               <a:ext uri="{FF2B5EF4-FFF2-40B4-BE49-F238E27FC236}">
-                <a16:creationId xmlns:a16="http://schemas.microsoft.com/office/drawing/2014/main" id="{B2B04DB2-1333-ABCA-790E-810E9010BF43}"/>
+                <a16:creationId xmlns:a16="http://schemas.microsoft.com/office/drawing/2014/main" id="{DC1715D9-CBB9-F406-7DA1-7F6AFD77C768}"/>
               </a:ext>
             </a:extLst>
           </p:cNvPr>
@@ -5603,16 +7818,19 @@
         </p:nvSpPr>
         <p:spPr/>
         <p:txBody>
-          <a:bodyPr/>
+          <a:bodyPr>
+            <a:normAutofit/>
+          </a:bodyPr>
           <a:lstStyle/>
           <a:p>
-            <a:r>
-              <a:rPr lang="en-US" dirty="0">
+            <a:pPr algn="ctr"/>
+            <a:r>
+              <a:rPr lang="en-US" sz="2800" dirty="0">
                 <a:solidFill>
                   <a:schemeClr val="bg1"/>
                 </a:solidFill>
               </a:rPr>
-              <a:t>Regression</a:t>
+              <a:t>Can we use BPM to explain the most common genres’ relation to disorder status?</a:t>
             </a:r>
           </a:p>
         </p:txBody>
@@ -5622,7 +7840,7 @@
           <p:cNvPr id="3" name="Text Placeholder 2">
             <a:extLst>
               <a:ext uri="{FF2B5EF4-FFF2-40B4-BE49-F238E27FC236}">
-                <a16:creationId xmlns:a16="http://schemas.microsoft.com/office/drawing/2014/main" id="{05F8B029-54B5-20CA-B650-36985A9CF208}"/>
+                <a16:creationId xmlns:a16="http://schemas.microsoft.com/office/drawing/2014/main" id="{EE9BA953-AA96-FC85-3C14-D866408DB80A}"/>
               </a:ext>
             </a:extLst>
           </p:cNvPr>
@@ -5633,94 +7851,100 @@
             <p:ph type="body" idx="1"/>
           </p:nvPr>
         </p:nvSpPr>
-        <p:spPr/>
+        <p:spPr>
+          <a:xfrm>
+            <a:off x="552450" y="1603109"/>
+            <a:ext cx="8586978" cy="731520"/>
+          </a:xfrm>
+        </p:spPr>
         <p:txBody>
           <a:bodyPr/>
           <a:lstStyle/>
           <a:p>
-            <a:endParaRPr lang="en-US"/>
-          </a:p>
-        </p:txBody>
-      </p:sp>
-      <p:sp>
-        <p:nvSpPr>
-          <p:cNvPr id="4" name="Content Placeholder 3">
+            <a:r>
+              <a:rPr lang="en-US" dirty="0">
+                <a:solidFill>
+                  <a:schemeClr val="bg1"/>
+                </a:solidFill>
+              </a:rPr>
+              <a:t>Means of most common BPM/user vs Disorder rank</a:t>
+            </a:r>
+          </a:p>
+        </p:txBody>
+      </p:sp>
+      <p:pic>
+        <p:nvPicPr>
+          <p:cNvPr id="8" name="Content Placeholder 7" descr="A chart of different colored squares&#10;&#10;Description automatically generated">
             <a:extLst>
               <a:ext uri="{FF2B5EF4-FFF2-40B4-BE49-F238E27FC236}">
-                <a16:creationId xmlns:a16="http://schemas.microsoft.com/office/drawing/2014/main" id="{4E5DEF6F-BDE4-461A-FA95-6CA27EE7464C}"/>
+                <a16:creationId xmlns:a16="http://schemas.microsoft.com/office/drawing/2014/main" id="{56EF25C2-7D60-152C-762D-D5CF49A881BA}"/>
               </a:ext>
             </a:extLst>
           </p:cNvPr>
-          <p:cNvSpPr>
-            <a:spLocks noGrp="1"/>
-          </p:cNvSpPr>
+          <p:cNvPicPr>
+            <a:picLocks noGrp="1" noChangeAspect="1"/>
+          </p:cNvPicPr>
           <p:nvPr>
             <p:ph sz="half" idx="2"/>
           </p:nvPr>
-        </p:nvSpPr>
-        <p:spPr/>
-        <p:txBody>
-          <a:bodyPr/>
-          <a:lstStyle/>
-          <a:p>
-            <a:endParaRPr lang="en-US"/>
-          </a:p>
-        </p:txBody>
-      </p:sp>
-      <p:sp>
-        <p:nvSpPr>
-          <p:cNvPr id="5" name="Text Placeholder 4">
+        </p:nvPicPr>
+        <p:blipFill rotWithShape="1">
+          <a:blip r:embed="rId3">
+            <a:extLst>
+              <a:ext uri="{28A0092B-C50C-407E-A947-70E740481C1C}">
+                <a14:useLocalDpi xmlns:a14="http://schemas.microsoft.com/office/drawing/2010/main" val="0"/>
+              </a:ext>
+            </a:extLst>
+          </a:blip>
+          <a:srcRect r="8373"/>
+          <a:stretch/>
+        </p:blipFill>
+        <p:spPr>
+          <a:xfrm>
+            <a:off x="5924551" y="2582967"/>
+            <a:ext cx="5029962" cy="3659716"/>
+          </a:xfrm>
+        </p:spPr>
+      </p:pic>
+      <p:pic>
+        <p:nvPicPr>
+          <p:cNvPr id="14" name="Content Placeholder 13" descr="A table with numbers and letters&#10;&#10;Description automatically generated">
             <a:extLst>
               <a:ext uri="{FF2B5EF4-FFF2-40B4-BE49-F238E27FC236}">
-                <a16:creationId xmlns:a16="http://schemas.microsoft.com/office/drawing/2014/main" id="{392D86CE-5FEE-CA0E-3C55-3EBC8F5082F7}"/>
+                <a16:creationId xmlns:a16="http://schemas.microsoft.com/office/drawing/2014/main" id="{BFE0DFB7-0A7D-9950-46B3-C080CB02BFC4}"/>
               </a:ext>
             </a:extLst>
           </p:cNvPr>
-          <p:cNvSpPr>
-            <a:spLocks noGrp="1"/>
-          </p:cNvSpPr>
-          <p:nvPr>
-            <p:ph type="body" sz="quarter" idx="3"/>
-          </p:nvPr>
-        </p:nvSpPr>
-        <p:spPr/>
-        <p:txBody>
-          <a:bodyPr/>
-          <a:lstStyle/>
-          <a:p>
-            <a:endParaRPr lang="en-US"/>
-          </a:p>
-        </p:txBody>
-      </p:sp>
-      <p:sp>
-        <p:nvSpPr>
-          <p:cNvPr id="6" name="Content Placeholder 5">
+          <p:cNvPicPr>
+            <a:picLocks noGrp="1" noChangeAspect="1"/>
+          </p:cNvPicPr>
+          <p:nvPr>
+            <p:ph sz="quarter" idx="4"/>
+          </p:nvPr>
+        </p:nvPicPr>
+        <p:blipFill>
+          <a:blip r:embed="rId4">
             <a:extLst>
-              <a:ext uri="{FF2B5EF4-FFF2-40B4-BE49-F238E27FC236}">
-                <a16:creationId xmlns:a16="http://schemas.microsoft.com/office/drawing/2014/main" id="{0D724723-FE12-D65F-4267-74D8D0ECD51E}"/>
+              <a:ext uri="{28A0092B-C50C-407E-A947-70E740481C1C}">
+                <a14:useLocalDpi xmlns:a14="http://schemas.microsoft.com/office/drawing/2010/main" val="0"/>
               </a:ext>
             </a:extLst>
-          </p:cNvPr>
-          <p:cNvSpPr>
-            <a:spLocks noGrp="1"/>
-          </p:cNvSpPr>
-          <p:nvPr>
-            <p:ph sz="quarter" idx="4"/>
-          </p:nvPr>
-        </p:nvSpPr>
-        <p:spPr/>
-        <p:txBody>
-          <a:bodyPr/>
-          <a:lstStyle/>
-          <a:p>
-            <a:endParaRPr lang="en-US"/>
-          </a:p>
-        </p:txBody>
-      </p:sp>
+          </a:blip>
+          <a:stretch>
+            <a:fillRect/>
+          </a:stretch>
+        </p:blipFill>
+        <p:spPr>
+          <a:xfrm>
+            <a:off x="552450" y="2582967"/>
+            <a:ext cx="4982935" cy="3659717"/>
+          </a:xfrm>
+        </p:spPr>
+      </p:pic>
     </p:spTree>
     <p:extLst>
       <p:ext uri="{BB962C8B-B14F-4D97-AF65-F5344CB8AC3E}">
-        <p14:creationId xmlns:p14="http://schemas.microsoft.com/office/powerpoint/2010/main" val="1816128598"/>
+        <p14:creationId xmlns:p14="http://schemas.microsoft.com/office/powerpoint/2010/main" val="2688694326"/>
       </p:ext>
     </p:extLst>
   </p:cSld>
@@ -5752,7 +7976,7 @@
           <p:cNvPr id="2" name="Title 1">
             <a:extLst>
               <a:ext uri="{FF2B5EF4-FFF2-40B4-BE49-F238E27FC236}">
-                <a16:creationId xmlns:a16="http://schemas.microsoft.com/office/drawing/2014/main" id="{2AB71C2B-F1C5-7637-8D47-4E919252E621}"/>
+                <a16:creationId xmlns:a16="http://schemas.microsoft.com/office/drawing/2014/main" id="{C310B0FD-F16F-E2D3-5E3E-A41BEEBFF686}"/>
               </a:ext>
             </a:extLst>
           </p:cNvPr>
@@ -5768,14 +7992,7 @@
           <a:bodyPr/>
           <a:lstStyle/>
           <a:p>
-            <a:r>
-              <a:rPr lang="en-US" dirty="0">
-                <a:solidFill>
-                  <a:schemeClr val="bg1"/>
-                </a:solidFill>
-              </a:rPr>
-              <a:t>Conclusion</a:t>
-            </a:r>
+            <a:endParaRPr lang="en-US"/>
           </a:p>
         </p:txBody>
       </p:sp>
@@ -5784,7 +8001,7 @@
           <p:cNvPr id="3" name="Content Placeholder 2">
             <a:extLst>
               <a:ext uri="{FF2B5EF4-FFF2-40B4-BE49-F238E27FC236}">
-                <a16:creationId xmlns:a16="http://schemas.microsoft.com/office/drawing/2014/main" id="{81759D19-91EB-BD21-FDDD-C26691DF8E4D}"/>
+                <a16:creationId xmlns:a16="http://schemas.microsoft.com/office/drawing/2014/main" id="{EE2ACB71-0271-AFD8-4F31-A072B7DABF0B}"/>
               </a:ext>
             </a:extLst>
           </p:cNvPr>
@@ -5792,7 +8009,98 @@
             <a:spLocks noGrp="1"/>
           </p:cNvSpPr>
           <p:nvPr>
-            <p:ph idx="1"/>
+            <p:ph sz="half" idx="1"/>
+          </p:nvPr>
+        </p:nvSpPr>
+        <p:spPr/>
+        <p:txBody>
+          <a:bodyPr/>
+          <a:lstStyle/>
+          <a:p>
+            <a:pPr>
+              <a:buClr>
+                <a:schemeClr val="bg1"/>
+              </a:buClr>
+            </a:pPr>
+            <a:r>
+              <a:rPr lang="en-US" dirty="0">
+                <a:solidFill>
+                  <a:schemeClr val="bg1"/>
+                </a:solidFill>
+              </a:rPr>
+              <a:t>Music effects vs fav genre</a:t>
+            </a:r>
+          </a:p>
+          <a:p>
+            <a:pPr lvl="1">
+              <a:buClr>
+                <a:schemeClr val="bg1"/>
+              </a:buClr>
+              <a:buFont typeface="Arial" panose="020B0604020202020204" pitchFamily="34" charset="0"/>
+              <a:buChar char="•"/>
+            </a:pPr>
+            <a:r>
+              <a:rPr lang="en-US" dirty="0">
+                <a:solidFill>
+                  <a:schemeClr val="bg1"/>
+                </a:solidFill>
+              </a:rPr>
+              <a:t>Genres with best effects:</a:t>
+            </a:r>
+          </a:p>
+          <a:p>
+            <a:pPr lvl="1">
+              <a:buClr>
+                <a:schemeClr val="bg1"/>
+              </a:buClr>
+              <a:buFont typeface="Arial" panose="020B0604020202020204" pitchFamily="34" charset="0"/>
+              <a:buChar char="•"/>
+            </a:pPr>
+            <a:r>
+              <a:rPr lang="en-US" dirty="0">
+                <a:solidFill>
+                  <a:schemeClr val="bg1"/>
+                </a:solidFill>
+              </a:rPr>
+              <a:t>Listening time vs improvement</a:t>
+            </a:r>
+          </a:p>
+          <a:p>
+            <a:pPr lvl="2">
+              <a:buClr>
+                <a:schemeClr val="bg1"/>
+              </a:buClr>
+              <a:buFont typeface="Arial" panose="020B0604020202020204" pitchFamily="34" charset="0"/>
+              <a:buChar char="•"/>
+            </a:pPr>
+            <a:r>
+              <a:rPr lang="en-US" dirty="0">
+                <a:solidFill>
+                  <a:schemeClr val="bg1"/>
+                </a:solidFill>
+              </a:rPr>
+              <a:t>Best listening time for mental health: 4-5 hours/day</a:t>
+            </a:r>
+          </a:p>
+          <a:p>
+            <a:endParaRPr lang="en-US" dirty="0"/>
+          </a:p>
+        </p:txBody>
+      </p:sp>
+      <p:sp>
+        <p:nvSpPr>
+          <p:cNvPr id="4" name="Content Placeholder 3">
+            <a:extLst>
+              <a:ext uri="{FF2B5EF4-FFF2-40B4-BE49-F238E27FC236}">
+                <a16:creationId xmlns:a16="http://schemas.microsoft.com/office/drawing/2014/main" id="{A111CA42-75BB-8281-92E4-057C626FFD5B}"/>
+              </a:ext>
+            </a:extLst>
+          </p:cNvPr>
+          <p:cNvSpPr>
+            <a:spLocks noGrp="1"/>
+          </p:cNvSpPr>
+          <p:nvPr>
+            <p:ph sz="half" idx="2"/>
           </p:nvPr>
         </p:nvSpPr>
         <p:spPr/>
@@ -5807,7 +8115,7 @@
     </p:spTree>
     <p:extLst>
       <p:ext uri="{BB962C8B-B14F-4D97-AF65-F5344CB8AC3E}">
-        <p14:creationId xmlns:p14="http://schemas.microsoft.com/office/powerpoint/2010/main" val="131222317"/>
+        <p14:creationId xmlns:p14="http://schemas.microsoft.com/office/powerpoint/2010/main" val="3488931604"/>
       </p:ext>
     </p:extLst>
   </p:cSld>
@@ -6068,4 +8376,319 @@
     </a:ext>
   </a:extLst>
 </a:theme>
+</file>
+
+<file path=ppt/theme/theme2.xml><?xml version="1.0" encoding="utf-8"?>
+<a:theme xmlns:a="http://schemas.openxmlformats.org/drawingml/2006/main" name="Office Theme">
+  <a:themeElements>
+    <a:clrScheme name="Office">
+      <a:dk1>
+        <a:sysClr val="windowText" lastClr="000000"/>
+      </a:dk1>
+      <a:lt1>
+        <a:sysClr val="window" lastClr="FFFFFF"/>
+      </a:lt1>
+      <a:dk2>
+        <a:srgbClr val="0E2841"/>
+      </a:dk2>
+      <a:lt2>
+        <a:srgbClr val="E8E8E8"/>
+      </a:lt2>
+      <a:accent1>
+        <a:srgbClr val="156082"/>
+      </a:accent1>
+      <a:accent2>
+        <a:srgbClr val="E97132"/>
+      </a:accent2>
+      <a:accent3>
+        <a:srgbClr val="196B24"/>
+      </a:accent3>
+      <a:accent4>
+        <a:srgbClr val="0F9ED5"/>
+      </a:accent4>
+      <a:accent5>
+        <a:srgbClr val="A02B93"/>
+      </a:accent5>
+      <a:accent6>
+        <a:srgbClr val="4EA72E"/>
+      </a:accent6>
+      <a:hlink>
+        <a:srgbClr val="467886"/>
+      </a:hlink>
+      <a:folHlink>
+        <a:srgbClr val="96607D"/>
+      </a:folHlink>
+    </a:clrScheme>
+    <a:fontScheme name="Office">
+      <a:majorFont>
+        <a:latin typeface="Aptos Display" panose="02110004020202020204"/>
+        <a:ea typeface=""/>
+        <a:cs typeface=""/>
+        <a:font script="Jpan" typeface="游ゴシック Light"/>
+        <a:font script="Hang" typeface="맑은 고딕"/>
+        <a:font script="Hans" typeface="等线 Light"/>
+        <a:font script="Hant" typeface="新細明體"/>
+        <a:font script="Arab" typeface="Times New Roman"/>
+        <a:font script="Hebr" typeface="Times New Roman"/>
+        <a:font script="Thai" typeface="Angsana New"/>
+        <a:font script="Ethi" typeface="Nyala"/>
+        <a:font script="Beng" typeface="Vrinda"/>
+        <a:font script="Gujr" typeface="Shruti"/>
+        <a:font script="Khmr" typeface="MoolBoran"/>
+        <a:font script="Knda" typeface="Tunga"/>
+        <a:font script="Guru" typeface="Raavi"/>
+        <a:font script="Cans" typeface="Euphemia"/>
+        <a:font script="Cher" typeface="Plantagenet Cherokee"/>
+        <a:font script="Yiii" typeface="Microsoft Yi Baiti"/>
+        <a:font script="Tibt" typeface="Microsoft Himalaya"/>
+        <a:font script="Thaa" typeface="MV Boli"/>
+        <a:font script="Deva" typeface="Mangal"/>
+        <a:font script="Telu" typeface="Gautami"/>
+        <a:font script="Taml" typeface="Latha"/>
+        <a:font script="Syrc" typeface="Estrangelo Edessa"/>
+        <a:font script="Orya" typeface="Kalinga"/>
+        <a:font script="Mlym" typeface="Kartika"/>
+        <a:font script="Laoo" typeface="DokChampa"/>
+        <a:font script="Sinh" typeface="Iskoola Pota"/>
+        <a:font script="Mong" typeface="Mongolian Baiti"/>
+        <a:font script="Viet" typeface="Times New Roman"/>
+        <a:font script="Uigh" typeface="Microsoft Uighur"/>
+        <a:font script="Geor" typeface="Sylfaen"/>
+        <a:font script="Armn" typeface="Arial"/>
+        <a:font script="Bugi" typeface="Leelawadee UI"/>
+        <a:font script="Bopo" typeface="Microsoft JhengHei"/>
+        <a:font script="Java" typeface="Javanese Text"/>
+        <a:font script="Lisu" typeface="Segoe UI"/>
+        <a:font script="Mymr" typeface="Myanmar Text"/>
+        <a:font script="Nkoo" typeface="Ebrima"/>
+        <a:font script="Olck" typeface="Nirmala UI"/>
+        <a:font script="Osma" typeface="Ebrima"/>
+        <a:font script="Phag" typeface="Phagspa"/>
+        <a:font script="Syrn" typeface="Estrangelo Edessa"/>
+        <a:font script="Syrj" typeface="Estrangelo Edessa"/>
+        <a:font script="Syre" typeface="Estrangelo Edessa"/>
+        <a:font script="Sora" typeface="Nirmala UI"/>
+        <a:font script="Tale" typeface="Microsoft Tai Le"/>
+        <a:font script="Talu" typeface="Microsoft New Tai Lue"/>
+        <a:font script="Tfng" typeface="Ebrima"/>
+      </a:majorFont>
+      <a:minorFont>
+        <a:latin typeface="Aptos" panose="02110004020202020204"/>
+        <a:ea typeface=""/>
+        <a:cs typeface=""/>
+        <a:font script="Jpan" typeface="游ゴシック"/>
+        <a:font script="Hang" typeface="맑은 고딕"/>
+        <a:font script="Hans" typeface="等线"/>
+        <a:font script="Hant" typeface="新細明體"/>
+        <a:font script="Arab" typeface="Arial"/>
+        <a:font script="Hebr" typeface="Arial"/>
+        <a:font script="Thai" typeface="Cordia New"/>
+        <a:font script="Ethi" typeface="Nyala"/>
+        <a:font script="Beng" typeface="Vrinda"/>
+        <a:font script="Gujr" typeface="Shruti"/>
+        <a:font script="Khmr" typeface="DaunPenh"/>
+        <a:font script="Knda" typeface="Tunga"/>
+        <a:font script="Guru" typeface="Raavi"/>
+        <a:font script="Cans" typeface="Euphemia"/>
+        <a:font script="Cher" typeface="Plantagenet Cherokee"/>
+        <a:font script="Yiii" typeface="Microsoft Yi Baiti"/>
+        <a:font script="Tibt" typeface="Microsoft Himalaya"/>
+        <a:font script="Thaa" typeface="MV Boli"/>
+        <a:font script="Deva" typeface="Mangal"/>
+        <a:font script="Telu" typeface="Gautami"/>
+        <a:font script="Taml" typeface="Latha"/>
+        <a:font script="Syrc" typeface="Estrangelo Edessa"/>
+        <a:font script="Orya" typeface="Kalinga"/>
+        <a:font script="Mlym" typeface="Kartika"/>
+        <a:font script="Laoo" typeface="DokChampa"/>
+        <a:font script="Sinh" typeface="Iskoola Pota"/>
+        <a:font script="Mong" typeface="Mongolian Baiti"/>
+        <a:font script="Viet" typeface="Arial"/>
+        <a:font script="Uigh" typeface="Microsoft Uighur"/>
+        <a:font script="Geor" typeface="Sylfaen"/>
+        <a:font script="Armn" typeface="Arial"/>
+        <a:font script="Bugi" typeface="Leelawadee UI"/>
+        <a:font script="Bopo" typeface="Microsoft JhengHei"/>
+        <a:font script="Java" typeface="Javanese Text"/>
+        <a:font script="Lisu" typeface="Segoe UI"/>
+        <a:font script="Mymr" typeface="Myanmar Text"/>
+        <a:font script="Nkoo" typeface="Ebrima"/>
+        <a:font script="Olck" typeface="Nirmala UI"/>
+        <a:font script="Osma" typeface="Ebrima"/>
+        <a:font script="Phag" typeface="Phagspa"/>
+        <a:font script="Syrn" typeface="Estrangelo Edessa"/>
+        <a:font script="Syrj" typeface="Estrangelo Edessa"/>
+        <a:font script="Syre" typeface="Estrangelo Edessa"/>
+        <a:font script="Sora" typeface="Nirmala UI"/>
+        <a:font script="Tale" typeface="Microsoft Tai Le"/>
+        <a:font script="Talu" typeface="Microsoft New Tai Lue"/>
+        <a:font script="Tfng" typeface="Ebrima"/>
+      </a:minorFont>
+    </a:fontScheme>
+    <a:fmtScheme name="Office">
+      <a:fillStyleLst>
+        <a:solidFill>
+          <a:schemeClr val="phClr"/>
+        </a:solidFill>
+        <a:gradFill rotWithShape="1">
+          <a:gsLst>
+            <a:gs pos="0">
+              <a:schemeClr val="phClr">
+                <a:lumMod val="110000"/>
+                <a:satMod val="105000"/>
+                <a:tint val="67000"/>
+              </a:schemeClr>
+            </a:gs>
+            <a:gs pos="50000">
+              <a:schemeClr val="phClr">
+                <a:lumMod val="105000"/>
+                <a:satMod val="103000"/>
+                <a:tint val="73000"/>
+              </a:schemeClr>
+            </a:gs>
+            <a:gs pos="100000">
+              <a:schemeClr val="phClr">
+                <a:lumMod val="105000"/>
+                <a:satMod val="109000"/>
+                <a:tint val="81000"/>
+              </a:schemeClr>
+            </a:gs>
+          </a:gsLst>
+          <a:lin ang="5400000" scaled="0"/>
+        </a:gradFill>
+        <a:gradFill rotWithShape="1">
+          <a:gsLst>
+            <a:gs pos="0">
+              <a:schemeClr val="phClr">
+                <a:satMod val="103000"/>
+                <a:lumMod val="102000"/>
+                <a:tint val="94000"/>
+              </a:schemeClr>
+            </a:gs>
+            <a:gs pos="50000">
+              <a:schemeClr val="phClr">
+                <a:satMod val="110000"/>
+                <a:lumMod val="100000"/>
+                <a:shade val="100000"/>
+              </a:schemeClr>
+            </a:gs>
+            <a:gs pos="100000">
+              <a:schemeClr val="phClr">
+                <a:lumMod val="99000"/>
+                <a:satMod val="120000"/>
+                <a:shade val="78000"/>
+              </a:schemeClr>
+            </a:gs>
+          </a:gsLst>
+          <a:lin ang="5400000" scaled="0"/>
+        </a:gradFill>
+      </a:fillStyleLst>
+      <a:lnStyleLst>
+        <a:ln w="12700" cap="flat" cmpd="sng" algn="ctr">
+          <a:solidFill>
+            <a:schemeClr val="phClr"/>
+          </a:solidFill>
+          <a:prstDash val="solid"/>
+          <a:miter lim="800000"/>
+        </a:ln>
+        <a:ln w="19050" cap="flat" cmpd="sng" algn="ctr">
+          <a:solidFill>
+            <a:schemeClr val="phClr"/>
+          </a:solidFill>
+          <a:prstDash val="solid"/>
+          <a:miter lim="800000"/>
+        </a:ln>
+        <a:ln w="25400" cap="flat" cmpd="sng" algn="ctr">
+          <a:solidFill>
+            <a:schemeClr val="phClr"/>
+          </a:solidFill>
+          <a:prstDash val="solid"/>
+          <a:miter lim="800000"/>
+        </a:ln>
+      </a:lnStyleLst>
+      <a:effectStyleLst>
+        <a:effectStyle>
+          <a:effectLst/>
+        </a:effectStyle>
+        <a:effectStyle>
+          <a:effectLst/>
+        </a:effectStyle>
+        <a:effectStyle>
+          <a:effectLst>
+            <a:outerShdw blurRad="57150" dist="19050" dir="5400000" algn="ctr" rotWithShape="0">
+              <a:srgbClr val="000000">
+                <a:alpha val="63000"/>
+              </a:srgbClr>
+            </a:outerShdw>
+          </a:effectLst>
+        </a:effectStyle>
+      </a:effectStyleLst>
+      <a:bgFillStyleLst>
+        <a:solidFill>
+          <a:schemeClr val="phClr"/>
+        </a:solidFill>
+        <a:solidFill>
+          <a:schemeClr val="phClr">
+            <a:tint val="95000"/>
+            <a:satMod val="170000"/>
+          </a:schemeClr>
+        </a:solidFill>
+        <a:gradFill rotWithShape="1">
+          <a:gsLst>
+            <a:gs pos="0">
+              <a:schemeClr val="phClr">
+                <a:tint val="93000"/>
+                <a:satMod val="150000"/>
+                <a:shade val="98000"/>
+                <a:lumMod val="102000"/>
+              </a:schemeClr>
+            </a:gs>
+            <a:gs pos="50000">
+              <a:schemeClr val="phClr">
+                <a:tint val="98000"/>
+                <a:satMod val="130000"/>
+                <a:shade val="90000"/>
+                <a:lumMod val="103000"/>
+              </a:schemeClr>
+            </a:gs>
+            <a:gs pos="100000">
+              <a:schemeClr val="phClr">
+                <a:shade val="63000"/>
+                <a:satMod val="120000"/>
+              </a:schemeClr>
+            </a:gs>
+          </a:gsLst>
+          <a:lin ang="5400000" scaled="0"/>
+        </a:gradFill>
+      </a:bgFillStyleLst>
+    </a:fmtScheme>
+  </a:themeElements>
+  <a:objectDefaults>
+    <a:lnDef>
+      <a:spPr/>
+      <a:bodyPr/>
+      <a:lstStyle/>
+      <a:style>
+        <a:lnRef idx="2">
+          <a:schemeClr val="accent1"/>
+        </a:lnRef>
+        <a:fillRef idx="0">
+          <a:schemeClr val="accent1"/>
+        </a:fillRef>
+        <a:effectRef idx="1">
+          <a:schemeClr val="accent1"/>
+        </a:effectRef>
+        <a:fontRef idx="minor">
+          <a:schemeClr val="tx1"/>
+        </a:fontRef>
+      </a:style>
+    </a:lnDef>
+  </a:objectDefaults>
+  <a:extraClrSchemeLst/>
+  <a:extLst>
+    <a:ext uri="{05A4C25C-085E-4340-85A3-A5531E510DB2}">
+      <thm15:themeFamily xmlns:thm15="http://schemas.microsoft.com/office/thememl/2012/main" name="Office Theme" id="{2E142A2C-CD16-42D6-873A-C26D2A0506FA}" vid="{1BDDFF52-6CD6-40A5-AB3C-68EB2F1E4D0A}"/>
+    </a:ext>
+  </a:extLst>
+</a:theme>
 </file>
--- a/Sarah's_work/Project 1 Presentation.pptx
+++ b/Sarah's_work/Project 1 Presentation.pptx
@@ -140,18 +140,18 @@
   <pc:docChgLst>
     <pc:chgData name="Sarah Chauvin" userId="68f37512aa257305" providerId="LiveId" clId="{E6996B7F-2315-454B-941A-8327C86A236F}"/>
     <pc:docChg chg="undo custSel addSld delSld modSld sldOrd">
-      <pc:chgData name="Sarah Chauvin" userId="68f37512aa257305" providerId="LiveId" clId="{E6996B7F-2315-454B-941A-8327C86A236F}" dt="2024-06-07T20:24:21.265" v="4607" actId="1076"/>
+      <pc:chgData name="Sarah Chauvin" userId="68f37512aa257305" providerId="LiveId" clId="{E6996B7F-2315-454B-941A-8327C86A236F}" dt="2024-06-08T02:01:20.702" v="6606" actId="20577"/>
       <pc:docMkLst>
         <pc:docMk/>
       </pc:docMkLst>
       <pc:sldChg chg="addSp delSp modSp mod">
-        <pc:chgData name="Sarah Chauvin" userId="68f37512aa257305" providerId="LiveId" clId="{E6996B7F-2315-454B-941A-8327C86A236F}" dt="2024-06-07T19:23:54.402" v="2280" actId="1076"/>
+        <pc:chgData name="Sarah Chauvin" userId="68f37512aa257305" providerId="LiveId" clId="{E6996B7F-2315-454B-941A-8327C86A236F}" dt="2024-06-08T01:46:30.010" v="4617" actId="20577"/>
         <pc:sldMkLst>
           <pc:docMk/>
           <pc:sldMk cId="4214920346" sldId="256"/>
         </pc:sldMkLst>
         <pc:spChg chg="mod">
-          <ac:chgData name="Sarah Chauvin" userId="68f37512aa257305" providerId="LiveId" clId="{E6996B7F-2315-454B-941A-8327C86A236F}" dt="2024-06-07T19:23:54.402" v="2280" actId="1076"/>
+          <ac:chgData name="Sarah Chauvin" userId="68f37512aa257305" providerId="LiveId" clId="{E6996B7F-2315-454B-941A-8327C86A236F}" dt="2024-06-08T01:46:30.010" v="4617" actId="20577"/>
           <ac:spMkLst>
             <pc:docMk/>
             <pc:sldMk cId="4214920346" sldId="256"/>
@@ -340,8 +340,8 @@
           </ac:spMkLst>
         </pc:spChg>
       </pc:sldChg>
-      <pc:sldChg chg="addSp delSp modSp mod">
-        <pc:chgData name="Sarah Chauvin" userId="68f37512aa257305" providerId="LiveId" clId="{E6996B7F-2315-454B-941A-8327C86A236F}" dt="2024-06-07T20:20:45.836" v="4537" actId="1076"/>
+      <pc:sldChg chg="addSp delSp modSp mod modNotesTx">
+        <pc:chgData name="Sarah Chauvin" userId="68f37512aa257305" providerId="LiveId" clId="{E6996B7F-2315-454B-941A-8327C86A236F}" dt="2024-06-08T02:01:20.702" v="6606" actId="20577"/>
         <pc:sldMkLst>
           <pc:docMk/>
           <pc:sldMk cId="2233030158" sldId="262"/>
@@ -355,7 +355,7 @@
           </ac:spMkLst>
         </pc:spChg>
         <pc:spChg chg="mod">
-          <ac:chgData name="Sarah Chauvin" userId="68f37512aa257305" providerId="LiveId" clId="{E6996B7F-2315-454B-941A-8327C86A236F}" dt="2024-06-07T20:18:15.214" v="4501" actId="1076"/>
+          <ac:chgData name="Sarah Chauvin" userId="68f37512aa257305" providerId="LiveId" clId="{E6996B7F-2315-454B-941A-8327C86A236F}" dt="2024-06-08T01:51:35.163" v="4693" actId="1076"/>
           <ac:spMkLst>
             <pc:docMk/>
             <pc:sldMk cId="2233030158" sldId="262"/>
@@ -363,7 +363,7 @@
           </ac:spMkLst>
         </pc:spChg>
         <pc:spChg chg="mod">
-          <ac:chgData name="Sarah Chauvin" userId="68f37512aa257305" providerId="LiveId" clId="{E6996B7F-2315-454B-941A-8327C86A236F}" dt="2024-06-07T20:18:27.149" v="4503" actId="1076"/>
+          <ac:chgData name="Sarah Chauvin" userId="68f37512aa257305" providerId="LiveId" clId="{E6996B7F-2315-454B-941A-8327C86A236F}" dt="2024-06-08T01:56:49.225" v="5513" actId="1076"/>
           <ac:spMkLst>
             <pc:docMk/>
             <pc:sldMk cId="2233030158" sldId="262"/>
@@ -371,7 +371,7 @@
           </ac:spMkLst>
         </pc:spChg>
         <pc:picChg chg="add mod modCrop">
-          <ac:chgData name="Sarah Chauvin" userId="68f37512aa257305" providerId="LiveId" clId="{E6996B7F-2315-454B-941A-8327C86A236F}" dt="2024-06-07T20:20:45.836" v="4537" actId="1076"/>
+          <ac:chgData name="Sarah Chauvin" userId="68f37512aa257305" providerId="LiveId" clId="{E6996B7F-2315-454B-941A-8327C86A236F}" dt="2024-06-08T01:56:55.644" v="5514" actId="14100"/>
           <ac:picMkLst>
             <pc:docMk/>
             <pc:sldMk cId="2233030158" sldId="262"/>
@@ -434,7 +434,7 @@
         </pc:sldMkLst>
       </pc:sldChg>
       <pc:sldChg chg="addSp delSp modSp new mod modAnim modNotesTx">
-        <pc:chgData name="Sarah Chauvin" userId="68f37512aa257305" providerId="LiveId" clId="{E6996B7F-2315-454B-941A-8327C86A236F}" dt="2024-06-07T19:41:29.632" v="3531" actId="122"/>
+        <pc:chgData name="Sarah Chauvin" userId="68f37512aa257305" providerId="LiveId" clId="{E6996B7F-2315-454B-941A-8327C86A236F}" dt="2024-06-08T01:49:27.254" v="4679" actId="20577"/>
         <pc:sldMkLst>
           <pc:docMk/>
           <pc:sldMk cId="2929728545" sldId="265"/>
@@ -503,16 +503,16 @@
             <ac:spMk id="15" creationId="{EE13F059-1E2F-8B20-AEFE-C38550D6AD72}"/>
           </ac:spMkLst>
         </pc:spChg>
-        <pc:picChg chg="add mod">
-          <ac:chgData name="Sarah Chauvin" userId="68f37512aa257305" providerId="LiveId" clId="{E6996B7F-2315-454B-941A-8327C86A236F}" dt="2024-06-07T19:32:06.094" v="2846" actId="14100"/>
+        <pc:picChg chg="add mod modCrop">
+          <ac:chgData name="Sarah Chauvin" userId="68f37512aa257305" providerId="LiveId" clId="{E6996B7F-2315-454B-941A-8327C86A236F}" dt="2024-06-08T01:45:58.378" v="4615" actId="14100"/>
           <ac:picMkLst>
             <pc:docMk/>
             <pc:sldMk cId="2929728545" sldId="265"/>
             <ac:picMk id="8" creationId="{1C3DC9D0-9000-3603-98C6-3042C63B4A18}"/>
           </ac:picMkLst>
         </pc:picChg>
-        <pc:picChg chg="add mod">
-          <ac:chgData name="Sarah Chauvin" userId="68f37512aa257305" providerId="LiveId" clId="{E6996B7F-2315-454B-941A-8327C86A236F}" dt="2024-06-07T19:36:20.211" v="2859" actId="14100"/>
+        <pc:picChg chg="add mod modCrop">
+          <ac:chgData name="Sarah Chauvin" userId="68f37512aa257305" providerId="LiveId" clId="{E6996B7F-2315-454B-941A-8327C86A236F}" dt="2024-06-08T01:46:02.177" v="4616" actId="14100"/>
           <ac:picMkLst>
             <pc:docMk/>
             <pc:sldMk cId="2929728545" sldId="265"/>
@@ -583,7 +583,7 @@
         </pc:picChg>
       </pc:sldChg>
       <pc:sldChg chg="addSp delSp modSp add mod ord modNotesTx">
-        <pc:chgData name="Sarah Chauvin" userId="68f37512aa257305" providerId="LiveId" clId="{E6996B7F-2315-454B-941A-8327C86A236F}" dt="2024-06-07T19:32:43.805" v="2852" actId="21"/>
+        <pc:chgData name="Sarah Chauvin" userId="68f37512aa257305" providerId="LiveId" clId="{E6996B7F-2315-454B-941A-8327C86A236F}" dt="2024-06-08T01:47:34.550" v="4618" actId="478"/>
         <pc:sldMkLst>
           <pc:docMk/>
           <pc:sldMk cId="897189030" sldId="268"/>
@@ -620,8 +620,8 @@
             <ac:spMk id="7" creationId="{32474240-9CA3-96FF-5501-AA33CCD82B51}"/>
           </ac:spMkLst>
         </pc:spChg>
-        <pc:spChg chg="add mod">
-          <ac:chgData name="Sarah Chauvin" userId="68f37512aa257305" providerId="LiveId" clId="{E6996B7F-2315-454B-941A-8327C86A236F}" dt="2024-06-07T19:32:43.805" v="2852" actId="21"/>
+        <pc:spChg chg="add del mod">
+          <ac:chgData name="Sarah Chauvin" userId="68f37512aa257305" providerId="LiveId" clId="{E6996B7F-2315-454B-941A-8327C86A236F}" dt="2024-06-08T01:47:34.550" v="4618" actId="478"/>
           <ac:spMkLst>
             <pc:docMk/>
             <pc:sldMk cId="897189030" sldId="268"/>
@@ -629,7 +629,7 @@
           </ac:spMkLst>
         </pc:spChg>
         <pc:picChg chg="mod">
-          <ac:chgData name="Sarah Chauvin" userId="68f37512aa257305" providerId="LiveId" clId="{E6996B7F-2315-454B-941A-8327C86A236F}" dt="2024-06-07T19:26:46.819" v="2302" actId="1076"/>
+          <ac:chgData name="Sarah Chauvin" userId="68f37512aa257305" providerId="LiveId" clId="{E6996B7F-2315-454B-941A-8327C86A236F}" dt="2024-06-08T01:45:19.232" v="4609" actId="1076"/>
           <ac:picMkLst>
             <pc:docMk/>
             <pc:sldMk cId="897189030" sldId="268"/>
@@ -638,7 +638,7 @@
         </pc:picChg>
       </pc:sldChg>
       <pc:sldChg chg="addSp delSp modSp new mod modNotesTx">
-        <pc:chgData name="Sarah Chauvin" userId="68f37512aa257305" providerId="LiveId" clId="{E6996B7F-2315-454B-941A-8327C86A236F}" dt="2024-06-07T20:23:54.563" v="4601" actId="732"/>
+        <pc:chgData name="Sarah Chauvin" userId="68f37512aa257305" providerId="LiveId" clId="{E6996B7F-2315-454B-941A-8327C86A236F}" dt="2024-06-08T01:50:36.405" v="4688" actId="20577"/>
         <pc:sldMkLst>
           <pc:docMk/>
           <pc:sldMk cId="2688694326" sldId="269"/>
@@ -1263,7 +1263,7 @@
             </a:pPr>
             <a:r>
               <a:rPr lang="en-US" dirty="0"/>
-              <a:t>Let’s compare the genres most frequently listened to  by those with high ranks of each disorder with the genres listed as their favorites.</a:t>
+              <a:t>Let’s compare the genres most frequently listened to by those with high ranks of each disorder with the genres listed as their favorites.</a:t>
             </a:r>
           </a:p>
           <a:p>
@@ -1274,6 +1274,16 @@
             <a:r>
               <a:rPr lang="en-US" dirty="0"/>
               <a:t>The results are similar but actually vary quite a bit.</a:t>
+            </a:r>
+          </a:p>
+          <a:p>
+            <a:pPr marL="171450" indent="-171450">
+              <a:buFontTx/>
+              <a:buChar char="-"/>
+            </a:pPr>
+            <a:r>
+              <a:rPr lang="en-US" dirty="0"/>
+              <a:t>The top three favorite genres are Rock, Pop, and Metal.</a:t>
             </a:r>
           </a:p>
           <a:p>
@@ -1402,7 +1412,7 @@
             </a:pPr>
             <a:r>
               <a:rPr lang="en-US" dirty="0"/>
-              <a:t>On this leaderboard, you can see that the average BPM was similar for all users with individual disorders.</a:t>
+              <a:t>On this leaderboard, you can see that the average BPM was similar for almost all users with individual disorders.</a:t>
             </a:r>
           </a:p>
           <a:p>
@@ -1454,6 +1464,148 @@
     <p:extLst>
       <p:ext uri="{BB962C8B-B14F-4D97-AF65-F5344CB8AC3E}">
         <p14:creationId xmlns:p14="http://schemas.microsoft.com/office/powerpoint/2010/main" val="1367573228"/>
+      </p:ext>
+    </p:extLst>
+  </p:cSld>
+  <p:clrMapOvr>
+    <a:masterClrMapping/>
+  </p:clrMapOvr>
+</p:notes>
+</file>
+
+<file path=ppt/notesSlides/notesSlide4.xml><?xml version="1.0" encoding="utf-8"?>
+<p:notes xmlns:a="http://schemas.openxmlformats.org/drawingml/2006/main" xmlns:r="http://schemas.openxmlformats.org/officeDocument/2006/relationships" xmlns:p="http://schemas.openxmlformats.org/presentationml/2006/main">
+  <p:cSld>
+    <p:spTree>
+      <p:nvGrpSpPr>
+        <p:cNvPr id="1" name=""/>
+        <p:cNvGrpSpPr/>
+        <p:nvPr/>
+      </p:nvGrpSpPr>
+      <p:grpSpPr>
+        <a:xfrm>
+          <a:off x="0" y="0"/>
+          <a:ext cx="0" cy="0"/>
+          <a:chOff x="0" y="0"/>
+          <a:chExt cx="0" cy="0"/>
+        </a:xfrm>
+      </p:grpSpPr>
+      <p:sp>
+        <p:nvSpPr>
+          <p:cNvPr id="2" name="Slide Image Placeholder 1"/>
+          <p:cNvSpPr>
+            <a:spLocks noGrp="1" noRot="1" noChangeAspect="1"/>
+          </p:cNvSpPr>
+          <p:nvPr>
+            <p:ph type="sldImg"/>
+          </p:nvPr>
+        </p:nvSpPr>
+        <p:spPr/>
+      </p:sp>
+      <p:sp>
+        <p:nvSpPr>
+          <p:cNvPr id="3" name="Notes Placeholder 2"/>
+          <p:cNvSpPr>
+            <a:spLocks noGrp="1"/>
+          </p:cNvSpPr>
+          <p:nvPr>
+            <p:ph type="body" idx="1"/>
+          </p:nvPr>
+        </p:nvSpPr>
+        <p:spPr/>
+        <p:txBody>
+          <a:bodyPr/>
+          <a:lstStyle/>
+          <a:p>
+            <a:r>
+              <a:rPr lang="en-US" dirty="0"/>
+              <a:t>Limitations and improvements for future study:</a:t>
+            </a:r>
+          </a:p>
+          <a:p>
+            <a:pPr marL="171450" indent="-171450">
+              <a:buFontTx/>
+              <a:buChar char="-"/>
+            </a:pPr>
+            <a:r>
+              <a:rPr lang="en-US" dirty="0"/>
+              <a:t>We can’t judge MH improvement with listening to music over time from this data. The same users reporting in over a set time period would offer more capability of establishing relationships with both frequency of genre usage and hours listened/day.</a:t>
+            </a:r>
+          </a:p>
+          <a:p>
+            <a:pPr marL="171450" indent="-171450">
+              <a:buFontTx/>
+              <a:buChar char="-"/>
+            </a:pPr>
+            <a:r>
+              <a:rPr lang="en-US" dirty="0"/>
+              <a:t>The MH data was very subjective. Users were allowed to choose their rank for each disorder from 0 to 10, so it follows that each user might interpolate their numbers differently. If these results were concentrated over a specific geographic location, for instance, the US, we could compare their music stats from the survey with actual published MH stats for objective data.</a:t>
+            </a:r>
+          </a:p>
+          <a:p>
+            <a:pPr marL="171450" indent="-171450">
+              <a:buFontTx/>
+              <a:buChar char="-"/>
+            </a:pPr>
+            <a:r>
+              <a:rPr lang="en-US" dirty="0"/>
+              <a:t>The BPM section was not specific at all. It was optional, so about 100 users did not give a number, and we don’t know if each user interpreted this number to be an average, the most common, or the highest BPM they listen to. This is probably why we couldn’t correlate anything with BPM.</a:t>
+            </a:r>
+          </a:p>
+          <a:p>
+            <a:pPr marL="171450" indent="-171450">
+              <a:buFontTx/>
+              <a:buChar char="-"/>
+            </a:pPr>
+            <a:r>
+              <a:rPr lang="en-US" dirty="0"/>
+              <a:t>The original data asked if users listened during work or not, but didn’t ask for occupation or when else they listen. Clarifying this might make that part of the data mean something. We would also like to see gender included as we have some hypotheses about how music effects men and </a:t>
+            </a:r>
+            <a:r>
+              <a:rPr lang="en-US"/>
+              <a:t>women differently.</a:t>
+            </a:r>
+            <a:endParaRPr lang="en-US" dirty="0"/>
+          </a:p>
+          <a:p>
+            <a:pPr marL="171450" indent="-171450">
+              <a:buFontTx/>
+              <a:buChar char="-"/>
+            </a:pPr>
+            <a:r>
+              <a:rPr lang="en-US" dirty="0"/>
+              <a:t>Lastly, we have no basis for the result in the Music Effects column. Was the effect from listening to certain genres or listening for so long? Many of our respondents listed high ranks for multiple disorders, so which one(s) does the effect apply to?</a:t>
+            </a:r>
+          </a:p>
+        </p:txBody>
+      </p:sp>
+      <p:sp>
+        <p:nvSpPr>
+          <p:cNvPr id="4" name="Slide Number Placeholder 3"/>
+          <p:cNvSpPr>
+            <a:spLocks noGrp="1"/>
+          </p:cNvSpPr>
+          <p:nvPr>
+            <p:ph type="sldNum" sz="quarter" idx="5"/>
+          </p:nvPr>
+        </p:nvSpPr>
+        <p:spPr/>
+        <p:txBody>
+          <a:bodyPr/>
+          <a:lstStyle/>
+          <a:p>
+            <a:fld id="{42920916-3BF0-4BFA-A926-7A7034BA2134}" type="slidenum">
+              <a:rPr lang="en-US" smtClean="0"/>
+              <a:t>12</a:t>
+            </a:fld>
+            <a:endParaRPr lang="en-US"/>
+          </a:p>
+        </p:txBody>
+      </p:sp>
+    </p:spTree>
+    <p:extLst>
+      <p:ext uri="{BB962C8B-B14F-4D97-AF65-F5344CB8AC3E}">
+        <p14:creationId xmlns:p14="http://schemas.microsoft.com/office/powerpoint/2010/main" val="2813251706"/>
       </p:ext>
     </p:extLst>
   </p:cSld>
@@ -4862,7 +5014,7 @@
           <a:p>
             <a:r>
               <a:rPr lang="en-US" b="1" dirty="0"/>
-              <a:t>Effects of Music on Mental Health: </a:t>
+              <a:t>Effects of Music on Mental Health </a:t>
             </a:r>
             <a:br>
               <a:rPr lang="en-US" b="1" dirty="0"/>
@@ -5267,7 +5419,7 @@
         </p:nvSpPr>
         <p:spPr>
           <a:xfrm>
-            <a:off x="671322" y="1872456"/>
+            <a:off x="333756" y="1872455"/>
             <a:ext cx="4480560" cy="4351337"/>
           </a:xfrm>
         </p:spPr>
@@ -5288,7 +5440,7 @@
                   <a:schemeClr val="bg1"/>
                 </a:solidFill>
               </a:rPr>
-              <a:t>1x survey, no trends over time</a:t>
+              <a:t>1x survey; no trends over time</a:t>
             </a:r>
           </a:p>
           <a:p>
@@ -5303,7 +5455,7 @@
                   <a:schemeClr val="bg1"/>
                 </a:solidFill>
               </a:rPr>
-              <a:t>Subjective data, no parameters on how to rank mental health. Hard to establish relationships</a:t>
+              <a:t>Subjective data; no parameters on how to rank mental health. Hard to establish relationships</a:t>
             </a:r>
           </a:p>
           <a:p>
@@ -5441,7 +5593,7 @@
         </p:nvSpPr>
         <p:spPr>
           <a:xfrm>
-            <a:off x="7230618" y="1872456"/>
+            <a:off x="7377686" y="1872455"/>
             <a:ext cx="4480560" cy="4351337"/>
           </a:xfrm>
         </p:spPr>
@@ -5596,7 +5748,7 @@
           <p:nvPr/>
         </p:nvPicPr>
         <p:blipFill rotWithShape="1">
-          <a:blip r:embed="rId2">
+          <a:blip r:embed="rId3">
             <a:extLst>
               <a:ext uri="{28A0092B-C50C-407E-A947-70E740481C1C}">
                 <a14:useLocalDpi xmlns:a14="http://schemas.microsoft.com/office/drawing/2010/main" val="0"/>
@@ -5608,8 +5760,8 @@
         </p:blipFill>
         <p:spPr>
           <a:xfrm>
-            <a:off x="4476750" y="786607"/>
-            <a:ext cx="3238500" cy="4351338"/>
+            <a:off x="4222376" y="786607"/>
+            <a:ext cx="3492874" cy="4693122"/>
           </a:xfrm>
           <a:prstGeom prst="rect">
             <a:avLst/>
@@ -7233,36 +7385,11 @@
         </p:blipFill>
         <p:spPr>
           <a:xfrm>
-            <a:off x="1584960" y="1212077"/>
-            <a:ext cx="8808720" cy="4792556"/>
+            <a:off x="1080240" y="1225523"/>
+            <a:ext cx="10055904" cy="5471111"/>
           </a:xfrm>
         </p:spPr>
       </p:pic>
-      <p:sp>
-        <p:nvSpPr>
-          <p:cNvPr id="10" name="Text Placeholder 9">
-            <a:extLst>
-              <a:ext uri="{FF2B5EF4-FFF2-40B4-BE49-F238E27FC236}">
-                <a16:creationId xmlns:a16="http://schemas.microsoft.com/office/drawing/2014/main" id="{BF1D8E0E-23C5-104B-0CB1-B5C3EF44A005}"/>
-              </a:ext>
-            </a:extLst>
-          </p:cNvPr>
-          <p:cNvSpPr>
-            <a:spLocks noGrp="1"/>
-          </p:cNvSpPr>
-          <p:nvPr>
-            <p:ph type="body" idx="1"/>
-          </p:nvPr>
-        </p:nvSpPr>
-        <p:spPr/>
-        <p:txBody>
-          <a:bodyPr/>
-          <a:lstStyle/>
-          <a:p>
-            <a:endParaRPr lang="en-US"/>
-          </a:p>
-        </p:txBody>
-      </p:sp>
     </p:spTree>
     <p:extLst>
       <p:ext uri="{BB962C8B-B14F-4D97-AF65-F5344CB8AC3E}">
@@ -7352,7 +7479,7 @@
             <p:ph sz="half" idx="2"/>
           </p:nvPr>
         </p:nvPicPr>
-        <p:blipFill>
+        <p:blipFill rotWithShape="1">
           <a:blip r:embed="rId3">
             <a:extLst>
               <a:ext uri="{28A0092B-C50C-407E-A947-70E740481C1C}">
@@ -7360,14 +7487,13 @@
               </a:ext>
             </a:extLst>
           </a:blip>
-          <a:stretch>
-            <a:fillRect/>
-          </a:stretch>
+          <a:srcRect r="8154" b="9428"/>
+          <a:stretch/>
         </p:blipFill>
         <p:spPr>
           <a:xfrm>
             <a:off x="133571" y="2507551"/>
-            <a:ext cx="5608418" cy="3051370"/>
+            <a:ext cx="5837155" cy="3131768"/>
           </a:xfrm>
         </p:spPr>
       </p:pic>
@@ -7387,7 +7513,7 @@
             <p:ph sz="quarter" idx="4"/>
           </p:nvPr>
         </p:nvPicPr>
-        <p:blipFill>
+        <p:blipFill rotWithShape="1">
           <a:blip r:embed="rId4">
             <a:extLst>
               <a:ext uri="{28A0092B-C50C-407E-A947-70E740481C1C}">
@@ -7395,14 +7521,13 @@
               </a:ext>
             </a:extLst>
           </a:blip>
-          <a:stretch>
-            <a:fillRect/>
-          </a:stretch>
+          <a:srcRect r="9356" b="9318"/>
+          <a:stretch/>
         </p:blipFill>
         <p:spPr>
           <a:xfrm>
-            <a:off x="6126162" y="2467508"/>
-            <a:ext cx="5682811" cy="3091844"/>
+            <a:off x="6126163" y="2467508"/>
+            <a:ext cx="5827358" cy="3171811"/>
           </a:xfrm>
         </p:spPr>
       </p:pic>
